--- a/pract/pract5/Презентация.pptx
+++ b/pract/pract5/Презентация.pptx
@@ -8,9 +8,10 @@
     <p:sldId id="256" r:id="rId2"/>
     <p:sldId id="257" r:id="rId3"/>
     <p:sldId id="258" r:id="rId4"/>
-    <p:sldId id="259" r:id="rId5"/>
-    <p:sldId id="260" r:id="rId6"/>
-    <p:sldId id="261" r:id="rId7"/>
+    <p:sldId id="260" r:id="rId5"/>
+    <p:sldId id="262" r:id="rId6"/>
+    <p:sldId id="263" r:id="rId7"/>
+    <p:sldId id="261" r:id="rId8"/>
   </p:sldIdLst>
   <p:sldSz cx="12192000" cy="6858000"/>
   <p:notesSz cx="6858000" cy="9144000"/>
@@ -109,6 +110,11 @@
       </a:defRPr>
     </a:lvl9pPr>
   </p:defaultTextStyle>
+  <p:extLst>
+    <p:ext uri="{EFAFB233-063F-42B5-8137-9DF3F51BA10A}">
+      <p15:sldGuideLst xmlns:p15="http://schemas.microsoft.com/office/powerpoint/2012/main"/>
+    </p:ext>
+  </p:extLst>
 </p:presentation>
 </file>
 
@@ -3447,42 +3453,6 @@
           </a:prstGeom>
         </p:spPr>
       </p:pic>
-      <p:pic>
-        <p:nvPicPr>
-          <p:cNvPr id="9" name="Рисунок 8" descr="Изображение выглядит как черный, темнота&#10;&#10;Содержимое, созданное искусственным интеллектом, может быть неверным.">
-            <a:extLst>
-              <a:ext uri="{FF2B5EF4-FFF2-40B4-BE49-F238E27FC236}">
-                <a16:creationId xmlns:a16="http://schemas.microsoft.com/office/drawing/2014/main" id="{E076DBEC-9F0D-4ECD-BCC8-B2E689CF0EC0}"/>
-              </a:ext>
-            </a:extLst>
-          </p:cNvPr>
-          <p:cNvPicPr>
-            <a:picLocks noChangeAspect="1"/>
-          </p:cNvPicPr>
-          <p:nvPr/>
-        </p:nvPicPr>
-        <p:blipFill>
-          <a:blip r:embed="rId4">
-            <a:extLst>
-              <a:ext uri="{28A0092B-C50C-407E-A947-70E740481C1C}">
-                <a14:useLocalDpi xmlns:a14="http://schemas.microsoft.com/office/drawing/2010/main" val="0"/>
-              </a:ext>
-            </a:extLst>
-          </a:blip>
-          <a:stretch>
-            <a:fillRect/>
-          </a:stretch>
-        </p:blipFill>
-        <p:spPr>
-          <a:xfrm>
-            <a:off x="-43542" y="2714466"/>
-            <a:ext cx="9274629" cy="4383563"/>
-          </a:xfrm>
-          <a:prstGeom prst="rect">
-            <a:avLst/>
-          </a:prstGeom>
-        </p:spPr>
-      </p:pic>
     </p:spTree>
     <p:extLst>
       <p:ext uri="{BB962C8B-B14F-4D97-AF65-F5344CB8AC3E}">
@@ -3515,10 +3485,10 @@
       </p:grpSpPr>
       <p:sp>
         <p:nvSpPr>
-          <p:cNvPr id="14" name="Прямоугольник: скругленные углы 13">
-            <a:extLst>
-              <a:ext uri="{FF2B5EF4-FFF2-40B4-BE49-F238E27FC236}">
-                <a16:creationId xmlns:a16="http://schemas.microsoft.com/office/drawing/2014/main" id="{41BA4BB5-51D9-FFF4-39EE-14B4359E69A8}"/>
+          <p:cNvPr id="11" name="Прямоугольник: скругленные углы 14">
+            <a:extLst>
+              <a:ext uri="{FF2B5EF4-FFF2-40B4-BE49-F238E27FC236}">
+                <a16:creationId xmlns:a16="http://schemas.microsoft.com/office/drawing/2014/main" id="{76975C31-7578-EE11-0808-67950D89C400}"/>
               </a:ext>
             </a:extLst>
           </p:cNvPr>
@@ -3527,8 +3497,8 @@
         </p:nvSpPr>
         <p:spPr>
           <a:xfrm>
-            <a:off x="6191823" y="1902152"/>
-            <a:ext cx="5568024" cy="923330"/>
+            <a:off x="5970035" y="4340580"/>
+            <a:ext cx="5568024" cy="785446"/>
           </a:xfrm>
           <a:prstGeom prst="roundRect">
             <a:avLst/>
@@ -3569,132 +3539,10 @@
       </p:sp>
       <p:sp>
         <p:nvSpPr>
-          <p:cNvPr id="4" name="TextBox 3">
-            <a:extLst>
-              <a:ext uri="{FF2B5EF4-FFF2-40B4-BE49-F238E27FC236}">
-                <a16:creationId xmlns:a16="http://schemas.microsoft.com/office/drawing/2014/main" id="{0381BBA5-128D-E162-274D-630967FE1B8B}"/>
-              </a:ext>
-            </a:extLst>
-          </p:cNvPr>
-          <p:cNvSpPr txBox="1"/>
-          <p:nvPr/>
-        </p:nvSpPr>
-        <p:spPr>
-          <a:xfrm>
-            <a:off x="6208056" y="1923784"/>
-            <a:ext cx="5551791" cy="923330"/>
-          </a:xfrm>
-          <a:prstGeom prst="rect">
-            <a:avLst/>
-          </a:prstGeom>
-          <a:noFill/>
-        </p:spPr>
-        <p:txBody>
-          <a:bodyPr wrap="square" rtlCol="0">
-            <a:spAutoFit/>
-          </a:bodyPr>
-          <a:lstStyle/>
-          <a:p>
-            <a:r>
-              <a:rPr lang="ru-RU" dirty="0">
-                <a:solidFill>
-                  <a:schemeClr val="bg1"/>
-                </a:solidFill>
-                <a:effectLst>
-                  <a:outerShdw blurRad="190500" dist="50800" dir="5400000" sx="5000" sy="5000" algn="ctr" rotWithShape="0">
-                    <a:srgbClr val="000000">
-                      <a:alpha val="43137"/>
-                    </a:srgbClr>
-                  </a:outerShdw>
-                </a:effectLst>
-              </a:rPr>
-              <a:t>По разным оценкам и заявлениям представителей агрегаторов, уровень отказов составляет в среднем 10-20% от общего числа заказов. </a:t>
-            </a:r>
-          </a:p>
-        </p:txBody>
-      </p:sp>
-      <p:sp>
-        <p:nvSpPr>
-          <p:cNvPr id="5" name="TextBox 13">
-            <a:extLst>
-              <a:ext uri="{FF2B5EF4-FFF2-40B4-BE49-F238E27FC236}">
-                <a16:creationId xmlns:a16="http://schemas.microsoft.com/office/drawing/2014/main" id="{293B2B73-D89D-243A-47D3-0DB289613AD9}"/>
-              </a:ext>
-            </a:extLst>
-          </p:cNvPr>
-          <p:cNvSpPr txBox="1"/>
-          <p:nvPr/>
-        </p:nvSpPr>
-        <p:spPr>
-          <a:xfrm>
-            <a:off x="6208056" y="3171887"/>
-            <a:ext cx="5712542" cy="646331"/>
-          </a:xfrm>
-          <a:prstGeom prst="rect">
-            <a:avLst/>
-          </a:prstGeom>
-          <a:noFill/>
-        </p:spPr>
-        <p:txBody>
-          <a:bodyPr wrap="square" rtlCol="0">
-            <a:spAutoFit/>
-          </a:bodyPr>
-          <a:lstStyle/>
-          <a:p>
-            <a:r>
-              <a:rPr lang="ru-RU" dirty="0">
-                <a:solidFill>
-                  <a:schemeClr val="bg1"/>
-                </a:solidFill>
-                <a:effectLst>
-                  <a:outerShdw blurRad="190500" dist="50800" dir="5400000" sx="5000" sy="5000" algn="ctr" rotWithShape="0">
-                    <a:srgbClr val="000000">
-                      <a:alpha val="43137"/>
-                    </a:srgbClr>
-                  </a:outerShdw>
-                </a:effectLst>
-              </a:rPr>
-              <a:t>Объем рынка на 2025 </a:t>
-            </a:r>
-            <a:r>
-              <a:rPr lang="en-US" dirty="0">
-                <a:solidFill>
-                  <a:schemeClr val="bg1"/>
-                </a:solidFill>
-                <a:effectLst>
-                  <a:outerShdw blurRad="190500" dist="50800" dir="5400000" sx="5000" sy="5000" algn="ctr" rotWithShape="0">
-                    <a:srgbClr val="000000">
-                      <a:alpha val="43137"/>
-                    </a:srgbClr>
-                  </a:outerShdw>
-                </a:effectLst>
-              </a:rPr>
-              <a:t>~</a:t>
-            </a:r>
-            <a:r>
-              <a:rPr lang="ru-RU" dirty="0">
-                <a:solidFill>
-                  <a:schemeClr val="bg1"/>
-                </a:solidFill>
-                <a:effectLst>
-                  <a:outerShdw blurRad="190500" dist="50800" dir="5400000" sx="5000" sy="5000" algn="ctr" rotWithShape="0">
-                    <a:srgbClr val="000000">
-                      <a:alpha val="43137"/>
-                    </a:srgbClr>
-                  </a:outerShdw>
-                </a:effectLst>
-              </a:rPr>
-              <a:t> 2,3 млрд поездок в год. Средний количество отказов – 345 млн. в год</a:t>
-            </a:r>
-          </a:p>
-        </p:txBody>
-      </p:sp>
-      <p:sp>
-        <p:nvSpPr>
-          <p:cNvPr id="8" name="Прямоугольник: скругленные углы 7">
-            <a:extLst>
-              <a:ext uri="{FF2B5EF4-FFF2-40B4-BE49-F238E27FC236}">
-                <a16:creationId xmlns:a16="http://schemas.microsoft.com/office/drawing/2014/main" id="{BD7BDF51-96FD-3C43-57AB-FADD5E91A1AE}"/>
+          <p:cNvPr id="14" name="Прямоугольник: скругленные углы 13">
+            <a:extLst>
+              <a:ext uri="{FF2B5EF4-FFF2-40B4-BE49-F238E27FC236}">
+                <a16:creationId xmlns:a16="http://schemas.microsoft.com/office/drawing/2014/main" id="{41BA4BB5-51D9-FFF4-39EE-14B4359E69A8}"/>
               </a:ext>
             </a:extLst>
           </p:cNvPr>
@@ -3703,8 +3551,8 @@
         </p:nvSpPr>
         <p:spPr>
           <a:xfrm>
-            <a:off x="6191823" y="4318314"/>
-            <a:ext cx="5568024" cy="595497"/>
+            <a:off x="5953802" y="3248388"/>
+            <a:ext cx="5568024" cy="796294"/>
           </a:xfrm>
           <a:prstGeom prst="roundRect">
             <a:avLst/>
@@ -3745,10 +3593,10 @@
       </p:sp>
       <p:sp>
         <p:nvSpPr>
-          <p:cNvPr id="9" name="TextBox 8">
-            <a:extLst>
-              <a:ext uri="{FF2B5EF4-FFF2-40B4-BE49-F238E27FC236}">
-                <a16:creationId xmlns:a16="http://schemas.microsoft.com/office/drawing/2014/main" id="{A242033E-23BB-B152-99B6-2A17E8EC153E}"/>
+          <p:cNvPr id="4" name="TextBox 3">
+            <a:extLst>
+              <a:ext uri="{FF2B5EF4-FFF2-40B4-BE49-F238E27FC236}">
+                <a16:creationId xmlns:a16="http://schemas.microsoft.com/office/drawing/2014/main" id="{0381BBA5-128D-E162-274D-630967FE1B8B}"/>
               </a:ext>
             </a:extLst>
           </p:cNvPr>
@@ -3757,8 +3605,8 @@
         </p:nvSpPr>
         <p:spPr>
           <a:xfrm>
-            <a:off x="6208056" y="4444059"/>
-            <a:ext cx="5712542" cy="369332"/>
+            <a:off x="5986268" y="3323369"/>
+            <a:ext cx="5551791" cy="646331"/>
           </a:xfrm>
           <a:prstGeom prst="rect">
             <a:avLst/>
@@ -3771,181 +3619,94 @@
           </a:bodyPr>
           <a:lstStyle/>
           <a:p>
+            <a:pPr algn="r"/>
             <a:r>
               <a:rPr lang="ru-RU" dirty="0">
                 <a:solidFill>
                   <a:schemeClr val="bg1"/>
                 </a:solidFill>
-                <a:effectLst>
-                  <a:outerShdw blurRad="190500" dist="50800" dir="5400000" sx="5000" sy="5000" algn="ctr" rotWithShape="0">
-                    <a:srgbClr val="000000">
-                      <a:alpha val="43137"/>
-                    </a:srgbClr>
-                  </a:outerShdw>
-                </a:effectLst>
+                <a:latin typeface="Verdana" panose="020B0604030504040204" pitchFamily="34" charset="0"/>
+                <a:ea typeface="Verdana" panose="020B0604030504040204" pitchFamily="34" charset="0"/>
               </a:rPr>
-              <a:t>Таксист теряет время и деньги на торгах с клиентом.</a:t>
-            </a:r>
-          </a:p>
-        </p:txBody>
-      </p:sp>
-      <p:grpSp>
-        <p:nvGrpSpPr>
-          <p:cNvPr id="10" name="Группа 9">
-            <a:extLst>
-              <a:ext uri="{FF2B5EF4-FFF2-40B4-BE49-F238E27FC236}">
-                <a16:creationId xmlns:a16="http://schemas.microsoft.com/office/drawing/2014/main" id="{8BDFBDFB-BCC8-34E7-2C8C-CDDEFB33302E}"/>
-              </a:ext>
-            </a:extLst>
-          </p:cNvPr>
-          <p:cNvGrpSpPr/>
+              <a:t>Предоставление набора готовых и гибких элементов управления</a:t>
+            </a:r>
+            <a:endParaRPr lang="ru-RU" dirty="0">
+              <a:solidFill>
+                <a:schemeClr val="bg1"/>
+              </a:solidFill>
+              <a:effectLst>
+                <a:outerShdw blurRad="190500" dist="50800" dir="5400000" sx="5000" sy="5000" algn="ctr" rotWithShape="0">
+                  <a:srgbClr val="000000">
+                    <a:alpha val="43137"/>
+                  </a:srgbClr>
+                </a:outerShdw>
+              </a:effectLst>
+              <a:latin typeface="Verdana" panose="020B0604030504040204" pitchFamily="34" charset="0"/>
+              <a:ea typeface="Verdana" panose="020B0604030504040204" pitchFamily="34" charset="0"/>
+            </a:endParaRPr>
+          </a:p>
+        </p:txBody>
+      </p:sp>
+      <p:sp>
+        <p:nvSpPr>
+          <p:cNvPr id="8" name="Прямоугольник: скругленные углы 7">
+            <a:extLst>
+              <a:ext uri="{FF2B5EF4-FFF2-40B4-BE49-F238E27FC236}">
+                <a16:creationId xmlns:a16="http://schemas.microsoft.com/office/drawing/2014/main" id="{BD7BDF51-96FD-3C43-57AB-FADD5E91A1AE}"/>
+              </a:ext>
+            </a:extLst>
+          </p:cNvPr>
+          <p:cNvSpPr/>
           <p:nvPr/>
-        </p:nvGrpSpPr>
-        <p:grpSpPr>
-          <a:xfrm>
-            <a:off x="6208056" y="3121380"/>
-            <a:ext cx="5712542" cy="785446"/>
-            <a:chOff x="6047305" y="20583880"/>
-            <a:chExt cx="5712542" cy="785446"/>
-          </a:xfrm>
-        </p:grpSpPr>
-        <p:sp>
-          <p:nvSpPr>
-            <p:cNvPr id="11" name="Прямоугольник: скругленные углы 14">
-              <a:extLst>
-                <a:ext uri="{FF2B5EF4-FFF2-40B4-BE49-F238E27FC236}">
-                  <a16:creationId xmlns:a16="http://schemas.microsoft.com/office/drawing/2014/main" id="{76975C31-7578-EE11-0808-67950D89C400}"/>
-                </a:ext>
-              </a:extLst>
-            </p:cNvPr>
-            <p:cNvSpPr/>
-            <p:nvPr/>
-          </p:nvSpPr>
-          <p:spPr>
-            <a:xfrm>
-              <a:off x="6047305" y="20583880"/>
-              <a:ext cx="5568024" cy="785446"/>
-            </a:xfrm>
-            <a:prstGeom prst="roundRect">
-              <a:avLst/>
-            </a:prstGeom>
-            <a:solidFill>
-              <a:schemeClr val="tx1">
-                <a:alpha val="16000"/>
-              </a:schemeClr>
-            </a:solidFill>
-            <a:ln>
-              <a:noFill/>
-            </a:ln>
-          </p:spPr>
-          <p:style>
-            <a:lnRef idx="2">
-              <a:schemeClr val="accent1">
-                <a:shade val="15000"/>
-              </a:schemeClr>
-            </a:lnRef>
-            <a:fillRef idx="1">
-              <a:schemeClr val="accent1"/>
-            </a:fillRef>
-            <a:effectRef idx="0">
-              <a:schemeClr val="accent1"/>
-            </a:effectRef>
-            <a:fontRef idx="minor">
-              <a:schemeClr val="lt1"/>
-            </a:fontRef>
-          </p:style>
-          <p:txBody>
-            <a:bodyPr rtlCol="0" anchor="ctr"/>
-            <a:lstStyle/>
-            <a:p>
-              <a:pPr algn="ctr"/>
-              <a:endParaRPr lang="ru-RU"/>
-            </a:p>
-          </p:txBody>
-        </p:sp>
-        <p:sp>
-          <p:nvSpPr>
-            <p:cNvPr id="12" name="TextBox 13">
-              <a:extLst>
-                <a:ext uri="{FF2B5EF4-FFF2-40B4-BE49-F238E27FC236}">
-                  <a16:creationId xmlns:a16="http://schemas.microsoft.com/office/drawing/2014/main" id="{34C7A6B9-B427-6C12-667F-879F2FBCCC03}"/>
-                </a:ext>
-              </a:extLst>
-            </p:cNvPr>
-            <p:cNvSpPr txBox="1"/>
-            <p:nvPr/>
-          </p:nvSpPr>
-          <p:spPr>
-            <a:xfrm>
-              <a:off x="6047305" y="20634387"/>
-              <a:ext cx="5712542" cy="646331"/>
-            </a:xfrm>
-            <a:prstGeom prst="rect">
-              <a:avLst/>
-            </a:prstGeom>
+        </p:nvSpPr>
+        <p:spPr>
+          <a:xfrm>
+            <a:off x="5953802" y="5421924"/>
+            <a:ext cx="5568024" cy="711087"/>
+          </a:xfrm>
+          <a:prstGeom prst="roundRect">
+            <a:avLst/>
+          </a:prstGeom>
+          <a:solidFill>
+            <a:schemeClr val="tx1">
+              <a:alpha val="16000"/>
+            </a:schemeClr>
+          </a:solidFill>
+          <a:ln>
             <a:noFill/>
-          </p:spPr>
-          <p:txBody>
-            <a:bodyPr wrap="square" rtlCol="0">
-              <a:spAutoFit/>
-            </a:bodyPr>
-            <a:lstStyle/>
-            <a:p>
-              <a:r>
-                <a:rPr lang="ru-RU" dirty="0">
-                  <a:solidFill>
-                    <a:schemeClr val="bg1"/>
-                  </a:solidFill>
-                  <a:effectLst>
-                    <a:outerShdw blurRad="190500" dist="50800" dir="5400000" sx="5000" sy="5000" algn="ctr" rotWithShape="0">
-                      <a:srgbClr val="000000">
-                        <a:alpha val="43137"/>
-                      </a:srgbClr>
-                    </a:outerShdw>
-                  </a:effectLst>
-                </a:rPr>
-                <a:t>Объем рынка на 2025 </a:t>
-              </a:r>
-              <a:r>
-                <a:rPr lang="en-US" dirty="0">
-                  <a:solidFill>
-                    <a:schemeClr val="bg1"/>
-                  </a:solidFill>
-                  <a:effectLst>
-                    <a:outerShdw blurRad="190500" dist="50800" dir="5400000" sx="5000" sy="5000" algn="ctr" rotWithShape="0">
-                      <a:srgbClr val="000000">
-                        <a:alpha val="43137"/>
-                      </a:srgbClr>
-                    </a:outerShdw>
-                  </a:effectLst>
-                </a:rPr>
-                <a:t>~</a:t>
-              </a:r>
-              <a:r>
-                <a:rPr lang="ru-RU" dirty="0">
-                  <a:solidFill>
-                    <a:schemeClr val="bg1"/>
-                  </a:solidFill>
-                  <a:effectLst>
-                    <a:outerShdw blurRad="190500" dist="50800" dir="5400000" sx="5000" sy="5000" algn="ctr" rotWithShape="0">
-                      <a:srgbClr val="000000">
-                        <a:alpha val="43137"/>
-                      </a:srgbClr>
-                    </a:outerShdw>
-                  </a:effectLst>
-                </a:rPr>
-                <a:t> 2,3 млрд поездок в год. Средний количество отказов – 345 млн. в год</a:t>
-              </a:r>
-            </a:p>
-          </p:txBody>
-        </p:sp>
-      </p:grpSp>
-      <p:sp>
-        <p:nvSpPr>
-          <p:cNvPr id="15" name="TextBox 14">
-            <a:extLst>
-              <a:ext uri="{FF2B5EF4-FFF2-40B4-BE49-F238E27FC236}">
-                <a16:creationId xmlns:a16="http://schemas.microsoft.com/office/drawing/2014/main" id="{CA8662DA-2923-ABA8-6684-4AD10EA253A9}"/>
+          </a:ln>
+        </p:spPr>
+        <p:style>
+          <a:lnRef idx="2">
+            <a:schemeClr val="accent1">
+              <a:shade val="15000"/>
+            </a:schemeClr>
+          </a:lnRef>
+          <a:fillRef idx="1">
+            <a:schemeClr val="accent1"/>
+          </a:fillRef>
+          <a:effectRef idx="0">
+            <a:schemeClr val="accent1"/>
+          </a:effectRef>
+          <a:fontRef idx="minor">
+            <a:schemeClr val="lt1"/>
+          </a:fontRef>
+        </p:style>
+        <p:txBody>
+          <a:bodyPr rtlCol="0" anchor="ctr"/>
+          <a:lstStyle/>
+          <a:p>
+            <a:pPr algn="ctr"/>
+            <a:endParaRPr lang="ru-RU"/>
+          </a:p>
+        </p:txBody>
+      </p:sp>
+      <p:sp>
+        <p:nvSpPr>
+          <p:cNvPr id="9" name="TextBox 8">
+            <a:extLst>
+              <a:ext uri="{FF2B5EF4-FFF2-40B4-BE49-F238E27FC236}">
+                <a16:creationId xmlns:a16="http://schemas.microsoft.com/office/drawing/2014/main" id="{A242033E-23BB-B152-99B6-2A17E8EC153E}"/>
               </a:ext>
             </a:extLst>
           </p:cNvPr>
@@ -3954,8 +3715,8 @@
         </p:nvSpPr>
         <p:spPr>
           <a:xfrm>
-            <a:off x="432153" y="539196"/>
-            <a:ext cx="5712542" cy="5632311"/>
+            <a:off x="5809284" y="5421924"/>
+            <a:ext cx="5712542" cy="646331"/>
           </a:xfrm>
           <a:prstGeom prst="rect">
             <a:avLst/>
@@ -3968,25 +3729,215 @@
           </a:bodyPr>
           <a:lstStyle/>
           <a:p>
-            <a:r>
-              <a:rPr lang="ru-RU" sz="6000" dirty="0">
+            <a:pPr algn="r"/>
+            <a:r>
+              <a:rPr lang="ru-RU" dirty="0">
                 <a:solidFill>
                   <a:schemeClr val="bg1"/>
                 </a:solidFill>
-                <a:effectLst>
-                  <a:outerShdw blurRad="190500" dist="50800" dir="5400000" sx="5000" sy="5000" algn="ctr" rotWithShape="0">
-                    <a:srgbClr val="000000">
-                      <a:alpha val="43137"/>
-                    </a:srgbClr>
-                  </a:outerShdw>
-                </a:effectLst>
-                <a:latin typeface="20 db" panose="02000507020000020004" pitchFamily="50" charset="0"/>
+                <a:latin typeface="Verdana" panose="020B0604030504040204" pitchFamily="34" charset="0"/>
+                <a:ea typeface="Verdana" panose="020B0604030504040204" pitchFamily="34" charset="0"/>
               </a:rPr>
-              <a:t>Цель данного решения закрыть ряд проблем</a:t>
-            </a:r>
-          </a:p>
-        </p:txBody>
-      </p:sp>
+              <a:t>Ускорение процесса разработки сложных пользовательских интерфейсов</a:t>
+            </a:r>
+            <a:endParaRPr lang="ru-RU" dirty="0">
+              <a:solidFill>
+                <a:schemeClr val="bg1"/>
+              </a:solidFill>
+              <a:effectLst>
+                <a:outerShdw blurRad="190500" dist="50800" dir="5400000" sx="5000" sy="5000" algn="ctr" rotWithShape="0">
+                  <a:srgbClr val="000000">
+                    <a:alpha val="43137"/>
+                  </a:srgbClr>
+                </a:outerShdw>
+              </a:effectLst>
+              <a:latin typeface="Verdana" panose="020B0604030504040204" pitchFamily="34" charset="0"/>
+              <a:ea typeface="Verdana" panose="020B0604030504040204" pitchFamily="34" charset="0"/>
+            </a:endParaRPr>
+          </a:p>
+        </p:txBody>
+      </p:sp>
+      <p:sp>
+        <p:nvSpPr>
+          <p:cNvPr id="15" name="TextBox 14">
+            <a:extLst>
+              <a:ext uri="{FF2B5EF4-FFF2-40B4-BE49-F238E27FC236}">
+                <a16:creationId xmlns:a16="http://schemas.microsoft.com/office/drawing/2014/main" id="{CA8662DA-2923-ABA8-6684-4AD10EA253A9}"/>
+              </a:ext>
+            </a:extLst>
+          </p:cNvPr>
+          <p:cNvSpPr txBox="1"/>
+          <p:nvPr/>
+        </p:nvSpPr>
+        <p:spPr>
+          <a:xfrm>
+            <a:off x="412033" y="444176"/>
+            <a:ext cx="11270544" cy="2631490"/>
+          </a:xfrm>
+          <a:prstGeom prst="rect">
+            <a:avLst/>
+          </a:prstGeom>
+          <a:noFill/>
+        </p:spPr>
+        <p:txBody>
+          <a:bodyPr wrap="square" rtlCol="0">
+            <a:spAutoFit/>
+          </a:bodyPr>
+          <a:lstStyle/>
+          <a:p>
+            <a:r>
+              <a:rPr lang="ru-RU" sz="5500" dirty="0">
+                <a:solidFill>
+                  <a:schemeClr val="bg1"/>
+                </a:solidFill>
+                <a:latin typeface="Impact" panose="020B0806030902050204" pitchFamily="34" charset="0"/>
+              </a:rPr>
+              <a:t>Цель проекта </a:t>
+            </a:r>
+            <a:r>
+              <a:rPr lang="ru-RU" sz="5500" dirty="0" smtClean="0">
+                <a:solidFill>
+                  <a:schemeClr val="bg1"/>
+                </a:solidFill>
+                <a:latin typeface="Impact" panose="020B0806030902050204" pitchFamily="34" charset="0"/>
+              </a:rPr>
+              <a:t>- </a:t>
+            </a:r>
+            <a:r>
+              <a:rPr lang="ru-RU" sz="5500" dirty="0">
+                <a:solidFill>
+                  <a:schemeClr val="bg1"/>
+                </a:solidFill>
+                <a:latin typeface="Impact" panose="020B0806030902050204" pitchFamily="34" charset="0"/>
+              </a:rPr>
+              <a:t>упростить создание </a:t>
+            </a:r>
+            <a:r>
+              <a:rPr lang="ru-RU" sz="5500" dirty="0" smtClean="0">
+                <a:solidFill>
+                  <a:schemeClr val="bg1"/>
+                </a:solidFill>
+                <a:latin typeface="Impact" panose="020B0806030902050204" pitchFamily="34" charset="0"/>
+              </a:rPr>
+              <a:t>интерфейсов </a:t>
+            </a:r>
+            <a:r>
+              <a:rPr lang="ru-RU" sz="5500" dirty="0">
+                <a:solidFill>
+                  <a:schemeClr val="bg1"/>
+                </a:solidFill>
+                <a:latin typeface="Impact" panose="020B0806030902050204" pitchFamily="34" charset="0"/>
+              </a:rPr>
+              <a:t>и повысить продуктивность команды</a:t>
+            </a:r>
+            <a:endParaRPr lang="ru-RU" sz="5500" dirty="0">
+              <a:solidFill>
+                <a:schemeClr val="bg1"/>
+              </a:solidFill>
+              <a:effectLst>
+                <a:outerShdw blurRad="190500" dist="50800" dir="5400000" sx="5000" sy="5000" algn="ctr" rotWithShape="0">
+                  <a:srgbClr val="000000">
+                    <a:alpha val="43137"/>
+                  </a:srgbClr>
+                </a:outerShdw>
+              </a:effectLst>
+              <a:latin typeface="Impact" panose="020B0806030902050204" pitchFamily="34" charset="0"/>
+            </a:endParaRPr>
+          </a:p>
+        </p:txBody>
+      </p:sp>
+      <p:sp>
+        <p:nvSpPr>
+          <p:cNvPr id="13" name="TextBox 12">
+            <a:extLst>
+              <a:ext uri="{FF2B5EF4-FFF2-40B4-BE49-F238E27FC236}">
+                <a16:creationId xmlns:a16="http://schemas.microsoft.com/office/drawing/2014/main" id="{0381BBA5-128D-E162-274D-630967FE1B8B}"/>
+              </a:ext>
+            </a:extLst>
+          </p:cNvPr>
+          <p:cNvSpPr txBox="1"/>
+          <p:nvPr/>
+        </p:nvSpPr>
+        <p:spPr>
+          <a:xfrm>
+            <a:off x="5978151" y="4410137"/>
+            <a:ext cx="5551791" cy="646331"/>
+          </a:xfrm>
+          <a:prstGeom prst="rect">
+            <a:avLst/>
+          </a:prstGeom>
+          <a:noFill/>
+        </p:spPr>
+        <p:txBody>
+          <a:bodyPr wrap="square" rtlCol="0">
+            <a:spAutoFit/>
+          </a:bodyPr>
+          <a:lstStyle/>
+          <a:p>
+            <a:pPr algn="r"/>
+            <a:r>
+              <a:rPr lang="ru-RU" dirty="0">
+                <a:solidFill>
+                  <a:schemeClr val="bg1"/>
+                </a:solidFill>
+                <a:latin typeface="Verdana" panose="020B0604030504040204" pitchFamily="34" charset="0"/>
+                <a:ea typeface="Verdana" panose="020B0604030504040204" pitchFamily="34" charset="0"/>
+              </a:rPr>
+              <a:t>Обеспечение совместимости с современными архитектурами приложений</a:t>
+            </a:r>
+            <a:endParaRPr lang="ru-RU" dirty="0">
+              <a:solidFill>
+                <a:schemeClr val="bg1"/>
+              </a:solidFill>
+              <a:effectLst>
+                <a:outerShdw blurRad="190500" dist="50800" dir="5400000" sx="5000" sy="5000" algn="ctr" rotWithShape="0">
+                  <a:srgbClr val="000000">
+                    <a:alpha val="43137"/>
+                  </a:srgbClr>
+                </a:outerShdw>
+              </a:effectLst>
+              <a:latin typeface="Verdana" panose="020B0604030504040204" pitchFamily="34" charset="0"/>
+              <a:ea typeface="Verdana" panose="020B0604030504040204" pitchFamily="34" charset="0"/>
+            </a:endParaRPr>
+          </a:p>
+        </p:txBody>
+      </p:sp>
+      <p:pic>
+        <p:nvPicPr>
+          <p:cNvPr id="16" name="Рисунок 15" descr="Изображение выглядит как Графика, Шрифт, логотип, графический дизайн&#10;&#10;Содержимое, созданное искусственным интеллектом, может быть неверным.">
+            <a:extLst>
+              <a:ext uri="{FF2B5EF4-FFF2-40B4-BE49-F238E27FC236}">
+                <a16:creationId xmlns:a16="http://schemas.microsoft.com/office/drawing/2014/main" id="{D6E5D244-B396-8715-E3ED-3B66224C3E36}"/>
+              </a:ext>
+            </a:extLst>
+          </p:cNvPr>
+          <p:cNvPicPr>
+            <a:picLocks noChangeAspect="1"/>
+          </p:cNvPicPr>
+          <p:nvPr/>
+        </p:nvPicPr>
+        <p:blipFill>
+          <a:blip r:embed="rId2">
+            <a:extLst>
+              <a:ext uri="{28A0092B-C50C-407E-A947-70E740481C1C}">
+                <a14:useLocalDpi xmlns:a14="http://schemas.microsoft.com/office/drawing/2010/main" val="0"/>
+              </a:ext>
+            </a:extLst>
+          </a:blip>
+          <a:stretch>
+            <a:fillRect/>
+          </a:stretch>
+        </p:blipFill>
+        <p:spPr>
+          <a:xfrm>
+            <a:off x="412033" y="4364405"/>
+            <a:ext cx="4014819" cy="1703850"/>
+          </a:xfrm>
+          <a:prstGeom prst="rect">
+            <a:avLst/>
+          </a:prstGeom>
+        </p:spPr>
+      </p:pic>
     </p:spTree>
     <p:extLst>
       <p:ext uri="{BB962C8B-B14F-4D97-AF65-F5344CB8AC3E}">
@@ -4032,7 +3983,7 @@
         <p:spPr>
           <a:xfrm>
             <a:off x="491697" y="339286"/>
-            <a:ext cx="4991161" cy="1204684"/>
+            <a:ext cx="5183390" cy="1204684"/>
           </a:xfrm>
           <a:prstGeom prst="roundRect">
             <a:avLst/>
@@ -4080,11 +4031,14 @@
           <a:p>
             <a:pPr algn="ctr"/>
             <a:r>
-              <a:rPr lang="ru-RU" sz="3200" dirty="0">
-                <a:latin typeface="TD Mars" pitchFamily="50" charset="0"/>
+              <a:rPr lang="ru-RU" sz="4000" dirty="0" smtClean="0">
+                <a:latin typeface="Impact" panose="020B0806030902050204" pitchFamily="34" charset="0"/>
               </a:rPr>
-              <a:t>РЕШЕНИЕ</a:t>
-            </a:r>
+              <a:t>Основные функции</a:t>
+            </a:r>
+            <a:endParaRPr lang="ru-RU" sz="4000" dirty="0">
+              <a:latin typeface="Impact" panose="020B0806030902050204" pitchFamily="34" charset="0"/>
+            </a:endParaRPr>
           </a:p>
         </p:txBody>
       </p:sp>
@@ -4103,7 +4057,7 @@
         <p:spPr>
           <a:xfrm>
             <a:off x="491696" y="1915244"/>
-            <a:ext cx="4675390" cy="4518374"/>
+            <a:ext cx="5183390" cy="4518374"/>
           </a:xfrm>
           <a:prstGeom prst="roundRect">
             <a:avLst/>
@@ -4158,7 +4112,7 @@
         </p:nvSpPr>
         <p:spPr>
           <a:xfrm>
-            <a:off x="2828465" y="2078104"/>
+            <a:off x="3045300" y="2050887"/>
             <a:ext cx="1614760" cy="523220"/>
           </a:xfrm>
           <a:prstGeom prst="rect">
@@ -4199,7 +4153,7 @@
           <p:nvPr/>
         </p:nvPicPr>
         <p:blipFill>
-          <a:blip r:embed="rId2">
+          <a:blip r:embed="rId2" cstate="hqprint">
             <a:extLst>
               <a:ext uri="{28A0092B-C50C-407E-A947-70E740481C1C}">
                 <a14:useLocalDpi xmlns:a14="http://schemas.microsoft.com/office/drawing/2010/main" val="0"/>
@@ -4212,7 +4166,7 @@
         </p:blipFill>
         <p:spPr>
           <a:xfrm>
-            <a:off x="1369970" y="2036006"/>
+            <a:off x="1586805" y="2008789"/>
             <a:ext cx="1400472" cy="594346"/>
           </a:xfrm>
           <a:prstGeom prst="rect">
@@ -4234,8 +4188,8 @@
         </p:nvSpPr>
         <p:spPr>
           <a:xfrm>
-            <a:off x="627791" y="2657793"/>
-            <a:ext cx="4379638" cy="3579209"/>
+            <a:off x="627790" y="2657793"/>
+            <a:ext cx="4855503" cy="3579209"/>
           </a:xfrm>
           <a:prstGeom prst="roundRect">
             <a:avLst/>
@@ -4269,47 +4223,301 @@
           <a:bodyPr rtlCol="0" anchor="ctr"/>
           <a:lstStyle/>
           <a:p>
-            <a:pPr algn="ctr"/>
-            <a:r>
-              <a:rPr lang="ru-RU" sz="2000" dirty="0" err="1">
+            <a:pPr fontAlgn="base"/>
+            <a:r>
+              <a:rPr lang="en-US" sz="2000" dirty="0" smtClean="0">
                 <a:solidFill>
-                  <a:schemeClr val="tx1"/>
+                  <a:schemeClr val="tx1">
+                    <a:lumMod val="95000"/>
+                    <a:lumOff val="5000"/>
+                  </a:schemeClr>
                 </a:solidFill>
               </a:rPr>
-              <a:t>Drivee</a:t>
+              <a:t>&gt; </a:t>
+            </a:r>
+            <a:r>
+              <a:rPr lang="ru-RU" sz="2000" dirty="0" smtClean="0">
+                <a:solidFill>
+                  <a:schemeClr val="tx1">
+                    <a:lumMod val="95000"/>
+                    <a:lumOff val="5000"/>
+                  </a:schemeClr>
+                </a:solidFill>
+              </a:rPr>
+              <a:t>Поддержку </a:t>
             </a:r>
             <a:r>
               <a:rPr lang="ru-RU" sz="2000" dirty="0">
                 <a:solidFill>
-                  <a:schemeClr val="tx1"/>
+                  <a:schemeClr val="tx1">
+                    <a:lumMod val="95000"/>
+                    <a:lumOff val="5000"/>
+                  </a:schemeClr>
+                </a:solidFill>
+              </a:rPr>
+              <a:t>современных </a:t>
+            </a:r>
+            <a:r>
+              <a:rPr lang="ru-RU" sz="2000" dirty="0" smtClean="0">
+                <a:solidFill>
+                  <a:schemeClr val="tx1">
+                    <a:lumMod val="95000"/>
+                    <a:lumOff val="5000"/>
+                  </a:schemeClr>
+                </a:solidFill>
+              </a:rPr>
+              <a:t>UI-паттернов</a:t>
+            </a:r>
+            <a:endParaRPr lang="en-US" sz="2000" dirty="0" smtClean="0">
+              <a:solidFill>
+                <a:schemeClr val="tx1">
+                  <a:lumMod val="95000"/>
+                  <a:lumOff val="5000"/>
+                </a:schemeClr>
+              </a:solidFill>
+            </a:endParaRPr>
+          </a:p>
+          <a:p>
+            <a:pPr fontAlgn="base"/>
+            <a:endParaRPr lang="ru-RU" sz="2000" dirty="0" smtClean="0">
+              <a:solidFill>
+                <a:schemeClr val="tx1">
+                  <a:lumMod val="95000"/>
+                  <a:lumOff val="5000"/>
+                </a:schemeClr>
+              </a:solidFill>
+            </a:endParaRPr>
+          </a:p>
+          <a:p>
+            <a:pPr fontAlgn="base"/>
+            <a:r>
+              <a:rPr lang="en-US" sz="2000" dirty="0" smtClean="0">
+                <a:solidFill>
+                  <a:schemeClr val="tx1">
+                    <a:lumMod val="95000"/>
+                    <a:lumOff val="5000"/>
+                  </a:schemeClr>
+                </a:solidFill>
+              </a:rPr>
+              <a:t>&gt; </a:t>
+            </a:r>
+            <a:r>
+              <a:rPr lang="ru-RU" sz="2000" dirty="0" smtClean="0">
+                <a:solidFill>
+                  <a:schemeClr val="tx1">
+                    <a:lumMod val="95000"/>
+                    <a:lumOff val="5000"/>
+                  </a:schemeClr>
+                </a:solidFill>
+              </a:rPr>
+              <a:t>Легкая </a:t>
+            </a:r>
+            <a:r>
+              <a:rPr lang="ru-RU" sz="2000" dirty="0" err="1" smtClean="0">
+                <a:solidFill>
+                  <a:schemeClr val="tx1">
+                    <a:lumMod val="95000"/>
+                    <a:lumOff val="5000"/>
+                  </a:schemeClr>
+                </a:solidFill>
+              </a:rPr>
+              <a:t>кастомизация</a:t>
+            </a:r>
+            <a:r>
+              <a:rPr lang="ru-RU" sz="2000" dirty="0" smtClean="0">
+                <a:solidFill>
+                  <a:schemeClr val="tx1">
+                    <a:lumMod val="95000"/>
+                    <a:lumOff val="5000"/>
+                  </a:schemeClr>
                 </a:solidFill>
               </a:rPr>
               <a:t> </a:t>
             </a:r>
             <a:r>
-              <a:rPr lang="en-US" sz="2000" dirty="0">
+              <a:rPr lang="ru-RU" sz="2000" dirty="0">
                 <a:solidFill>
-                  <a:schemeClr val="tx1"/>
+                  <a:schemeClr val="tx1">
+                    <a:lumMod val="95000"/>
+                    <a:lumOff val="5000"/>
+                  </a:schemeClr>
                 </a:solidFill>
               </a:rPr>
-              <a:t>P</a:t>
+              <a:t>стилей и шаблонов </a:t>
+            </a:r>
+            <a:r>
+              <a:rPr lang="ru-RU" sz="2000" dirty="0" smtClean="0">
+                <a:solidFill>
+                  <a:schemeClr val="tx1">
+                    <a:lumMod val="95000"/>
+                    <a:lumOff val="5000"/>
+                  </a:schemeClr>
+                </a:solidFill>
+              </a:rPr>
+              <a:t>элементов</a:t>
+            </a:r>
+            <a:endParaRPr lang="en-US" sz="2000" dirty="0" smtClean="0">
+              <a:solidFill>
+                <a:schemeClr val="tx1">
+                  <a:lumMod val="95000"/>
+                  <a:lumOff val="5000"/>
+                </a:schemeClr>
+              </a:solidFill>
+            </a:endParaRPr>
+          </a:p>
+          <a:p>
+            <a:pPr fontAlgn="base"/>
+            <a:endParaRPr lang="ru-RU" sz="2000" dirty="0">
+              <a:solidFill>
+                <a:schemeClr val="tx1">
+                  <a:lumMod val="95000"/>
+                  <a:lumOff val="5000"/>
+                </a:schemeClr>
+              </a:solidFill>
+            </a:endParaRPr>
+          </a:p>
+          <a:p>
+            <a:pPr fontAlgn="base"/>
+            <a:r>
+              <a:rPr lang="en-US" sz="2000" dirty="0" smtClean="0">
+                <a:solidFill>
+                  <a:schemeClr val="tx1">
+                    <a:lumMod val="95000"/>
+                    <a:lumOff val="5000"/>
+                  </a:schemeClr>
+                </a:solidFill>
+              </a:rPr>
+              <a:t>&gt; </a:t>
+            </a:r>
+            <a:r>
+              <a:rPr lang="ru-RU" sz="2000" dirty="0" smtClean="0">
+                <a:solidFill>
+                  <a:schemeClr val="tx1">
+                    <a:lumMod val="95000"/>
+                    <a:lumOff val="5000"/>
+                  </a:schemeClr>
+                </a:solidFill>
+              </a:rPr>
+              <a:t>Оптимизированная работа </a:t>
+            </a:r>
+            <a:r>
+              <a:rPr lang="ru-RU" sz="2000" dirty="0">
+                <a:solidFill>
+                  <a:schemeClr val="tx1">
+                    <a:lumMod val="95000"/>
+                    <a:lumOff val="5000"/>
+                  </a:schemeClr>
+                </a:solidFill>
+              </a:rPr>
+              <a:t>с </a:t>
             </a:r>
             <a:r>
               <a:rPr lang="ru-RU" sz="2000" dirty="0" err="1">
                 <a:solidFill>
-                  <a:schemeClr val="tx1"/>
+                  <a:schemeClr val="tx1">
+                    <a:lumMod val="95000"/>
+                    <a:lumOff val="5000"/>
+                  </a:schemeClr>
                 </a:solidFill>
               </a:rPr>
-              <a:t>ulse</a:t>
+              <a:t>анимациями</a:t>
             </a:r>
             <a:r>
               <a:rPr lang="ru-RU" sz="2000" dirty="0">
                 <a:solidFill>
-                  <a:schemeClr val="tx1"/>
+                  <a:schemeClr val="tx1">
+                    <a:lumMod val="95000"/>
+                    <a:lumOff val="5000"/>
+                  </a:schemeClr>
                 </a:solidFill>
               </a:rPr>
-              <a:t> - это ML-модель, которая подсказывает клиенту оптимальную цену для поездки, а водителю варианты цен для предложения клиенту.</a:t>
-            </a:r>
+              <a:t> и </a:t>
+            </a:r>
+            <a:r>
+              <a:rPr lang="ru-RU" sz="2000" dirty="0" smtClean="0">
+                <a:solidFill>
+                  <a:schemeClr val="tx1">
+                    <a:lumMod val="95000"/>
+                    <a:lumOff val="5000"/>
+                  </a:schemeClr>
+                </a:solidFill>
+              </a:rPr>
+              <a:t>графикой</a:t>
+            </a:r>
+            <a:endParaRPr lang="en-US" sz="2000" dirty="0" smtClean="0">
+              <a:solidFill>
+                <a:schemeClr val="tx1">
+                  <a:lumMod val="95000"/>
+                  <a:lumOff val="5000"/>
+                </a:schemeClr>
+              </a:solidFill>
+            </a:endParaRPr>
+          </a:p>
+          <a:p>
+            <a:pPr fontAlgn="base"/>
+            <a:endParaRPr lang="ru-RU" sz="2000" dirty="0">
+              <a:solidFill>
+                <a:schemeClr val="tx1">
+                  <a:lumMod val="95000"/>
+                  <a:lumOff val="5000"/>
+                </a:schemeClr>
+              </a:solidFill>
+            </a:endParaRPr>
+          </a:p>
+          <a:p>
+            <a:pPr fontAlgn="base"/>
+            <a:r>
+              <a:rPr lang="en-US" sz="2000" dirty="0" smtClean="0">
+                <a:solidFill>
+                  <a:schemeClr val="tx1">
+                    <a:lumMod val="95000"/>
+                    <a:lumOff val="5000"/>
+                  </a:schemeClr>
+                </a:solidFill>
+              </a:rPr>
+              <a:t>&gt; </a:t>
+            </a:r>
+            <a:r>
+              <a:rPr lang="ru-RU" sz="2000" dirty="0" smtClean="0">
+                <a:solidFill>
+                  <a:schemeClr val="tx1">
+                    <a:lumMod val="95000"/>
+                    <a:lumOff val="5000"/>
+                  </a:schemeClr>
+                </a:solidFill>
+              </a:rPr>
+              <a:t>Совместимость </a:t>
+            </a:r>
+            <a:r>
+              <a:rPr lang="ru-RU" sz="2000" dirty="0">
+                <a:solidFill>
+                  <a:schemeClr val="tx1">
+                    <a:lumMod val="95000"/>
+                    <a:lumOff val="5000"/>
+                  </a:schemeClr>
+                </a:solidFill>
+              </a:rPr>
+              <a:t>с различными платформами </a:t>
+            </a:r>
+            <a:r>
+              <a:rPr lang="ru-RU" sz="2000" dirty="0" err="1" smtClean="0">
+                <a:solidFill>
+                  <a:schemeClr val="tx1">
+                    <a:lumMod val="95000"/>
+                    <a:lumOff val="5000"/>
+                  </a:schemeClr>
+                </a:solidFill>
+              </a:rPr>
+              <a:t>Windows</a:t>
+            </a:r>
+            <a:endParaRPr lang="ru-RU" sz="2000" dirty="0">
+              <a:solidFill>
+                <a:schemeClr val="tx1">
+                  <a:lumMod val="95000"/>
+                  <a:lumOff val="5000"/>
+                </a:schemeClr>
+              </a:solidFill>
+            </a:endParaRPr>
           </a:p>
         </p:txBody>
       </p:sp>
@@ -4327,8 +4535,8 @@
         </p:nvSpPr>
         <p:spPr>
           <a:xfrm>
-            <a:off x="5941313" y="393646"/>
-            <a:ext cx="6047747" cy="608593"/>
+            <a:off x="5885706" y="4047037"/>
+            <a:ext cx="6047747" cy="842582"/>
           </a:xfrm>
           <a:prstGeom prst="roundRect">
             <a:avLst/>
@@ -4366,20 +4574,64 @@
             <a:r>
               <a:rPr lang="ru-RU" dirty="0">
                 <a:solidFill>
-                  <a:schemeClr val="tx1"/>
+                  <a:schemeClr val="tx1">
+                    <a:lumMod val="95000"/>
+                    <a:lumOff val="5000"/>
+                  </a:schemeClr>
                 </a:solidFill>
               </a:rPr>
-              <a:t>Клиент вводит куда и откуда он хочет добраться.</a:t>
-            </a:r>
-          </a:p>
-        </p:txBody>
-      </p:sp>
-      <p:sp>
-        <p:nvSpPr>
-          <p:cNvPr id="12" name="Прямоугольник: скругленные углы 11">
-            <a:extLst>
-              <a:ext uri="{FF2B5EF4-FFF2-40B4-BE49-F238E27FC236}">
-                <a16:creationId xmlns:a16="http://schemas.microsoft.com/office/drawing/2014/main" id="{44FA7DA8-8ABF-F540-97F5-B883A4B54C58}"/>
+              <a:t>Возможность быстрого </a:t>
+            </a:r>
+            <a:r>
+              <a:rPr lang="ru-RU" dirty="0" err="1">
+                <a:solidFill>
+                  <a:schemeClr val="tx1">
+                    <a:lumMod val="95000"/>
+                    <a:lumOff val="5000"/>
+                  </a:schemeClr>
+                </a:solidFill>
+              </a:rPr>
+              <a:t>прототипирования</a:t>
+            </a:r>
+            <a:r>
+              <a:rPr lang="ru-RU" dirty="0">
+                <a:solidFill>
+                  <a:schemeClr val="tx1">
+                    <a:lumMod val="95000"/>
+                    <a:lumOff val="5000"/>
+                  </a:schemeClr>
+                </a:solidFill>
+              </a:rPr>
+              <a:t> интерфейсов благодаря широкому спектру предустановленных </a:t>
+            </a:r>
+            <a:r>
+              <a:rPr lang="ru-RU" dirty="0" smtClean="0">
+                <a:solidFill>
+                  <a:schemeClr val="tx1">
+                    <a:lumMod val="95000"/>
+                    <a:lumOff val="5000"/>
+                  </a:schemeClr>
+                </a:solidFill>
+              </a:rPr>
+              <a:t>контроллеров</a:t>
+            </a:r>
+            <a:endParaRPr lang="ru-RU" dirty="0">
+              <a:solidFill>
+                <a:schemeClr val="tx1">
+                  <a:lumMod val="95000"/>
+                  <a:lumOff val="5000"/>
+                </a:schemeClr>
+              </a:solidFill>
+            </a:endParaRPr>
+          </a:p>
+        </p:txBody>
+      </p:sp>
+      <p:sp>
+        <p:nvSpPr>
+          <p:cNvPr id="13" name="Овал 12">
+            <a:extLst>
+              <a:ext uri="{FF2B5EF4-FFF2-40B4-BE49-F238E27FC236}">
+                <a16:creationId xmlns:a16="http://schemas.microsoft.com/office/drawing/2014/main" id="{FF21678A-E43F-B292-609B-595556D35D09}"/>
               </a:ext>
             </a:extLst>
           </p:cNvPr>
@@ -4388,16 +4640,14 @@
         </p:nvSpPr>
         <p:spPr>
           <a:xfrm>
-            <a:off x="5910050" y="1160143"/>
-            <a:ext cx="6079010" cy="917961"/>
-          </a:xfrm>
-          <a:prstGeom prst="roundRect">
+            <a:off x="8742664" y="4943715"/>
+            <a:ext cx="333829" cy="333829"/>
+          </a:xfrm>
+          <a:prstGeom prst="ellipse">
             <a:avLst/>
           </a:prstGeom>
           <a:solidFill>
-            <a:schemeClr val="bg1">
-              <a:alpha val="40000"/>
-            </a:schemeClr>
+            <a:srgbClr val="97EA28"/>
           </a:solidFill>
           <a:ln>
             <a:noFill/>
@@ -4424,23 +4674,16 @@
           <a:lstStyle/>
           <a:p>
             <a:pPr algn="ctr"/>
-            <a:r>
-              <a:rPr lang="ru-RU" dirty="0">
-                <a:solidFill>
-                  <a:schemeClr val="tx1"/>
-                </a:solidFill>
-              </a:rPr>
-              <a:t>Система автоматически дополняет данные: Название и модель машины, дистанция, и. т. п.</a:t>
-            </a:r>
-          </a:p>
-        </p:txBody>
-      </p:sp>
-      <p:sp>
-        <p:nvSpPr>
-          <p:cNvPr id="13" name="Овал 12">
-            <a:extLst>
-              <a:ext uri="{FF2B5EF4-FFF2-40B4-BE49-F238E27FC236}">
-                <a16:creationId xmlns:a16="http://schemas.microsoft.com/office/drawing/2014/main" id="{FF21678A-E43F-B292-609B-595556D35D09}"/>
+            <a:endParaRPr lang="ru-RU"/>
+          </a:p>
+        </p:txBody>
+      </p:sp>
+      <p:sp>
+        <p:nvSpPr>
+          <p:cNvPr id="15" name="Прямоугольник: скругленные углы 9">
+            <a:extLst>
+              <a:ext uri="{FF2B5EF4-FFF2-40B4-BE49-F238E27FC236}">
+                <a16:creationId xmlns:a16="http://schemas.microsoft.com/office/drawing/2014/main" id="{72DB36C6-FB03-FD2D-24D3-390712CD7DC5}"/>
               </a:ext>
             </a:extLst>
           </p:cNvPr>
@@ -4449,14 +4692,16 @@
         </p:nvSpPr>
         <p:spPr>
           <a:xfrm>
-            <a:off x="8798271" y="2270604"/>
-            <a:ext cx="333829" cy="333829"/>
-          </a:xfrm>
-          <a:prstGeom prst="ellipse">
+            <a:off x="5885703" y="2761291"/>
+            <a:ext cx="6047747" cy="842582"/>
+          </a:xfrm>
+          <a:prstGeom prst="roundRect">
             <a:avLst/>
           </a:prstGeom>
           <a:solidFill>
-            <a:srgbClr val="97EA28"/>
+            <a:schemeClr val="bg1">
+              <a:alpha val="40000"/>
+            </a:schemeClr>
           </a:solidFill>
           <a:ln>
             <a:noFill/>
@@ -4483,16 +4728,56 @@
           <a:lstStyle/>
           <a:p>
             <a:pPr algn="ctr"/>
-            <a:endParaRPr lang="ru-RU"/>
-          </a:p>
-        </p:txBody>
-      </p:sp>
-      <p:sp>
-        <p:nvSpPr>
-          <p:cNvPr id="14" name="Прямоугольник: скругленные углы 13">
-            <a:extLst>
-              <a:ext uri="{FF2B5EF4-FFF2-40B4-BE49-F238E27FC236}">
-                <a16:creationId xmlns:a16="http://schemas.microsoft.com/office/drawing/2014/main" id="{C5CD81DC-BC6E-D68E-57E3-BC762E0CB779}"/>
+            <a:r>
+              <a:rPr lang="ru-RU" dirty="0">
+                <a:solidFill>
+                  <a:schemeClr val="tx1">
+                    <a:lumMod val="95000"/>
+                    <a:lumOff val="5000"/>
+                  </a:schemeClr>
+                </a:solidFill>
+              </a:rPr>
+              <a:t>Полностью настраиваемые элементы управления (поддерживаются XAML-стили и </a:t>
+            </a:r>
+            <a:r>
+              <a:rPr lang="ru-RU" dirty="0" err="1">
+                <a:solidFill>
+                  <a:schemeClr val="tx1">
+                    <a:lumMod val="95000"/>
+                    <a:lumOff val="5000"/>
+                  </a:schemeClr>
+                </a:solidFill>
+              </a:rPr>
+              <a:t>DataTemplates</a:t>
+            </a:r>
+            <a:r>
+              <a:rPr lang="ru-RU" dirty="0">
+                <a:solidFill>
+                  <a:schemeClr val="tx1">
+                    <a:lumMod val="95000"/>
+                    <a:lumOff val="5000"/>
+                  </a:schemeClr>
+                </a:solidFill>
+              </a:rPr>
+              <a:t>)</a:t>
+            </a:r>
+            <a:endParaRPr lang="ru-RU" dirty="0">
+              <a:solidFill>
+                <a:schemeClr val="tx1">
+                  <a:lumMod val="95000"/>
+                  <a:lumOff val="5000"/>
+                </a:schemeClr>
+              </a:solidFill>
+            </a:endParaRPr>
+          </a:p>
+        </p:txBody>
+      </p:sp>
+      <p:sp>
+        <p:nvSpPr>
+          <p:cNvPr id="16" name="Прямоугольник: скругленные углы 9">
+            <a:extLst>
+              <a:ext uri="{FF2B5EF4-FFF2-40B4-BE49-F238E27FC236}">
+                <a16:creationId xmlns:a16="http://schemas.microsoft.com/office/drawing/2014/main" id="{72DB36C6-FB03-FD2D-24D3-390712CD7DC5}"/>
               </a:ext>
             </a:extLst>
           </p:cNvPr>
@@ -4501,8 +4786,8 @@
         </p:nvSpPr>
         <p:spPr>
           <a:xfrm>
-            <a:off x="5925680" y="2760453"/>
-            <a:ext cx="6079010" cy="1948930"/>
+            <a:off x="5885703" y="1463380"/>
+            <a:ext cx="6047747" cy="842582"/>
           </a:xfrm>
           <a:prstGeom prst="roundRect">
             <a:avLst/>
@@ -4538,280 +4823,203 @@
           <a:p>
             <a:pPr algn="ctr"/>
             <a:r>
-              <a:rPr lang="ru-RU" dirty="0">
+              <a:rPr lang="ru-RU" dirty="0" smtClean="0">
                 <a:solidFill>
-                  <a:schemeClr val="tx1"/>
-                </a:solidFill>
-              </a:rPr>
-              <a:t>Модель анализирует данные и выдает результат:</a:t>
-            </a:r>
-          </a:p>
-          <a:p>
-            <a:pPr algn="ctr"/>
-            <a:r>
-              <a:rPr lang="ru-RU" b="1" dirty="0">
-                <a:solidFill>
-                  <a:srgbClr val="92D050"/>
-                </a:solidFill>
-                <a:effectLst>
-                  <a:outerShdw blurRad="76200" dist="50800" dir="5400000" algn="ctr" rotWithShape="0">
-                    <a:srgbClr val="000000">
-                      <a:alpha val="43137"/>
-                    </a:srgbClr>
-                  </a:outerShdw>
-                </a:effectLst>
-              </a:rPr>
-              <a:t>Безопасный</a:t>
-            </a:r>
-            <a:r>
-              <a:rPr lang="ru-RU" dirty="0">
-                <a:solidFill>
-                  <a:srgbClr val="92D050"/>
-                </a:solidFill>
-                <a:effectLst>
-                  <a:outerShdw blurRad="76200" dist="50800" dir="5400000" algn="ctr" rotWithShape="0">
-                    <a:srgbClr val="000000">
-                      <a:alpha val="43137"/>
-                    </a:srgbClr>
-                  </a:outerShdw>
-                </a:effectLst>
-              </a:rPr>
-              <a:t>: </a:t>
-            </a:r>
-            <a:r>
-              <a:rPr lang="ru-RU" dirty="0">
-                <a:solidFill>
-                  <a:schemeClr val="tx1"/>
-                </a:solidFill>
-              </a:rPr>
-              <a:t>500 руб. | Вероятность согласия 90%</a:t>
-            </a:r>
-          </a:p>
-          <a:p>
-            <a:pPr algn="ctr"/>
-            <a:r>
-              <a:rPr lang="ru-RU" b="1" dirty="0">
-                <a:solidFill>
-                  <a:schemeClr val="tx2">
-                    <a:lumMod val="50000"/>
-                    <a:lumOff val="50000"/>
-                  </a:schemeClr>
-                </a:solidFill>
-                <a:effectLst>
-                  <a:outerShdw blurRad="76200" dist="50800" dir="5400000" algn="ctr" rotWithShape="0">
-                    <a:srgbClr val="000000">
-                      <a:alpha val="43137"/>
-                    </a:srgbClr>
-                  </a:outerShdw>
-                </a:effectLst>
-              </a:rPr>
-              <a:t>Оптимальный</a:t>
-            </a:r>
-            <a:r>
-              <a:rPr lang="ru-RU" dirty="0">
-                <a:solidFill>
-                  <a:schemeClr val="tx2">
-                    <a:lumMod val="50000"/>
-                    <a:lumOff val="50000"/>
+                  <a:schemeClr val="tx1">
+                    <a:lumMod val="95000"/>
+                    <a:lumOff val="5000"/>
                   </a:schemeClr>
                 </a:solidFill>
               </a:rPr>
-              <a:t>: </a:t>
-            </a:r>
+              <a:t>Автоматическое обновление элементов интерфейса в зависимости от состояния модели данных</a:t>
+            </a:r>
+            <a:endParaRPr lang="ru-RU" dirty="0">
+              <a:solidFill>
+                <a:schemeClr val="tx1">
+                  <a:lumMod val="95000"/>
+                  <a:lumOff val="5000"/>
+                </a:schemeClr>
+              </a:solidFill>
+            </a:endParaRPr>
+          </a:p>
+        </p:txBody>
+      </p:sp>
+      <p:sp>
+        <p:nvSpPr>
+          <p:cNvPr id="17" name="Прямоугольник: скругленные углы 9">
+            <a:extLst>
+              <a:ext uri="{FF2B5EF4-FFF2-40B4-BE49-F238E27FC236}">
+                <a16:creationId xmlns:a16="http://schemas.microsoft.com/office/drawing/2014/main" id="{72DB36C6-FB03-FD2D-24D3-390712CD7DC5}"/>
+              </a:ext>
+            </a:extLst>
+          </p:cNvPr>
+          <p:cNvSpPr/>
+          <p:nvPr/>
+        </p:nvSpPr>
+        <p:spPr>
+          <a:xfrm>
+            <a:off x="5885706" y="5335721"/>
+            <a:ext cx="6047747" cy="842582"/>
+          </a:xfrm>
+          <a:prstGeom prst="roundRect">
+            <a:avLst/>
+          </a:prstGeom>
+          <a:solidFill>
+            <a:schemeClr val="bg1">
+              <a:alpha val="40000"/>
+            </a:schemeClr>
+          </a:solidFill>
+          <a:ln>
+            <a:noFill/>
+          </a:ln>
+        </p:spPr>
+        <p:style>
+          <a:lnRef idx="2">
+            <a:schemeClr val="accent1">
+              <a:shade val="15000"/>
+            </a:schemeClr>
+          </a:lnRef>
+          <a:fillRef idx="1">
+            <a:schemeClr val="accent1"/>
+          </a:fillRef>
+          <a:effectRef idx="0">
+            <a:schemeClr val="accent1"/>
+          </a:effectRef>
+          <a:fontRef idx="minor">
+            <a:schemeClr val="lt1"/>
+          </a:fontRef>
+        </p:style>
+        <p:txBody>
+          <a:bodyPr rtlCol="0" anchor="ctr"/>
+          <a:lstStyle/>
+          <a:p>
+            <a:pPr algn="ctr"/>
             <a:r>
               <a:rPr lang="ru-RU" dirty="0">
                 <a:solidFill>
-                  <a:schemeClr val="tx1"/>
+                  <a:schemeClr val="tx1">
+                    <a:lumMod val="95000"/>
+                    <a:lumOff val="5000"/>
+                  </a:schemeClr>
                 </a:solidFill>
               </a:rPr>
-              <a:t>Цена: 550 руб. | Вероятность согласия: 80%</a:t>
-            </a:r>
-          </a:p>
+              <a:t>Простота интеграции с существующими приложениями благодаря открытому API</a:t>
+            </a:r>
+            <a:endParaRPr lang="ru-RU" dirty="0">
+              <a:solidFill>
+                <a:schemeClr val="tx1">
+                  <a:lumMod val="95000"/>
+                  <a:lumOff val="5000"/>
+                </a:schemeClr>
+              </a:solidFill>
+            </a:endParaRPr>
+          </a:p>
+        </p:txBody>
+      </p:sp>
+      <p:sp>
+        <p:nvSpPr>
+          <p:cNvPr id="18" name="Овал 17">
+            <a:extLst>
+              <a:ext uri="{FF2B5EF4-FFF2-40B4-BE49-F238E27FC236}">
+                <a16:creationId xmlns:a16="http://schemas.microsoft.com/office/drawing/2014/main" id="{FF21678A-E43F-B292-609B-595556D35D09}"/>
+              </a:ext>
+            </a:extLst>
+          </p:cNvPr>
+          <p:cNvSpPr/>
+          <p:nvPr/>
+        </p:nvSpPr>
+        <p:spPr>
+          <a:xfrm>
+            <a:off x="8742663" y="3657969"/>
+            <a:ext cx="333829" cy="333829"/>
+          </a:xfrm>
+          <a:prstGeom prst="ellipse">
+            <a:avLst/>
+          </a:prstGeom>
+          <a:solidFill>
+            <a:srgbClr val="97EA28"/>
+          </a:solidFill>
+          <a:ln>
+            <a:noFill/>
+          </a:ln>
+        </p:spPr>
+        <p:style>
+          <a:lnRef idx="2">
+            <a:schemeClr val="accent1">
+              <a:shade val="15000"/>
+            </a:schemeClr>
+          </a:lnRef>
+          <a:fillRef idx="1">
+            <a:schemeClr val="accent1"/>
+          </a:fillRef>
+          <a:effectRef idx="0">
+            <a:schemeClr val="accent1"/>
+          </a:effectRef>
+          <a:fontRef idx="minor">
+            <a:schemeClr val="lt1"/>
+          </a:fontRef>
+        </p:style>
+        <p:txBody>
+          <a:bodyPr rtlCol="0" anchor="ctr"/>
+          <a:lstStyle/>
           <a:p>
             <a:pPr algn="ctr"/>
-            <a:r>
-              <a:rPr lang="ru-RU" dirty="0">
-                <a:solidFill>
-                  <a:srgbClr val="FF0000"/>
-                </a:solidFill>
-                <a:effectLst>
-                  <a:outerShdw blurRad="76200" dist="50800" dir="5400000" algn="ctr" rotWithShape="0">
-                    <a:srgbClr val="000000">
-                      <a:alpha val="43137"/>
-                    </a:srgbClr>
-                  </a:outerShdw>
-                </a:effectLst>
-              </a:rPr>
-              <a:t>Рискованный</a:t>
-            </a:r>
-            <a:r>
-              <a:rPr lang="ru-RU" dirty="0">
-                <a:solidFill>
-                  <a:srgbClr val="FF0000"/>
-                </a:solidFill>
-              </a:rPr>
-              <a:t>:</a:t>
-            </a:r>
-            <a:r>
-              <a:rPr lang="ru-RU" dirty="0">
-                <a:solidFill>
-                  <a:schemeClr val="tx1"/>
-                </a:solidFill>
-              </a:rPr>
-              <a:t> Цена: 650 руб. | Вероятность согласия: 60%</a:t>
-            </a:r>
-          </a:p>
-        </p:txBody>
-      </p:sp>
-      <p:grpSp>
-        <p:nvGrpSpPr>
-          <p:cNvPr id="21" name="Группа 20">
-            <a:extLst>
-              <a:ext uri="{FF2B5EF4-FFF2-40B4-BE49-F238E27FC236}">
-                <a16:creationId xmlns:a16="http://schemas.microsoft.com/office/drawing/2014/main" id="{642C7967-52F1-9E4E-3408-6BA05C133CCF}"/>
-              </a:ext>
-            </a:extLst>
-          </p:cNvPr>
-          <p:cNvGrpSpPr/>
+            <a:endParaRPr lang="ru-RU"/>
+          </a:p>
+        </p:txBody>
+      </p:sp>
+      <p:sp>
+        <p:nvSpPr>
+          <p:cNvPr id="19" name="Овал 18">
+            <a:extLst>
+              <a:ext uri="{FF2B5EF4-FFF2-40B4-BE49-F238E27FC236}">
+                <a16:creationId xmlns:a16="http://schemas.microsoft.com/office/drawing/2014/main" id="{FF21678A-E43F-B292-609B-595556D35D09}"/>
+              </a:ext>
+            </a:extLst>
+          </p:cNvPr>
+          <p:cNvSpPr/>
           <p:nvPr/>
-        </p:nvGrpSpPr>
-        <p:grpSpPr>
-          <a:xfrm>
-            <a:off x="5941313" y="4895430"/>
-            <a:ext cx="6047747" cy="1745283"/>
-            <a:chOff x="5625438" y="4567179"/>
-            <a:chExt cx="6047747" cy="1745283"/>
-          </a:xfrm>
-        </p:grpSpPr>
-        <p:sp>
-          <p:nvSpPr>
-            <p:cNvPr id="22" name="Овал 21">
-              <a:extLst>
-                <a:ext uri="{FF2B5EF4-FFF2-40B4-BE49-F238E27FC236}">
-                  <a16:creationId xmlns:a16="http://schemas.microsoft.com/office/drawing/2014/main" id="{973456DD-7D41-8905-D175-8578EC5AFEB4}"/>
-                </a:ext>
-              </a:extLst>
-            </p:cNvPr>
-            <p:cNvSpPr/>
-            <p:nvPr/>
-          </p:nvSpPr>
-          <p:spPr>
-            <a:xfrm>
-              <a:off x="8523548" y="4567179"/>
-              <a:ext cx="333829" cy="333829"/>
-            </a:xfrm>
-            <a:prstGeom prst="ellipse">
-              <a:avLst/>
-            </a:prstGeom>
-            <a:solidFill>
-              <a:srgbClr val="97EA28"/>
-            </a:solidFill>
-            <a:ln>
-              <a:noFill/>
-            </a:ln>
-          </p:spPr>
-          <p:style>
-            <a:lnRef idx="2">
-              <a:schemeClr val="accent1">
-                <a:shade val="15000"/>
-              </a:schemeClr>
-            </a:lnRef>
-            <a:fillRef idx="1">
-              <a:schemeClr val="accent1"/>
-            </a:fillRef>
-            <a:effectRef idx="0">
-              <a:schemeClr val="accent1"/>
-            </a:effectRef>
-            <a:fontRef idx="minor">
-              <a:schemeClr val="lt1"/>
-            </a:fontRef>
-          </p:style>
-          <p:txBody>
-            <a:bodyPr rtlCol="0" anchor="ctr"/>
-            <a:lstStyle/>
-            <a:p>
-              <a:pPr algn="ctr"/>
-              <a:endParaRPr lang="ru-RU"/>
-            </a:p>
-          </p:txBody>
-        </p:sp>
-        <p:sp>
-          <p:nvSpPr>
-            <p:cNvPr id="23" name="Прямоугольник: скругленные углы 22">
-              <a:extLst>
-                <a:ext uri="{FF2B5EF4-FFF2-40B4-BE49-F238E27FC236}">
-                  <a16:creationId xmlns:a16="http://schemas.microsoft.com/office/drawing/2014/main" id="{9ED73F1C-615E-6EBD-6206-441E28ED1F90}"/>
-                </a:ext>
-              </a:extLst>
-            </p:cNvPr>
-            <p:cNvSpPr/>
-            <p:nvPr/>
-          </p:nvSpPr>
-          <p:spPr>
-            <a:xfrm>
-              <a:off x="5625438" y="5063482"/>
-              <a:ext cx="6047747" cy="1248980"/>
-            </a:xfrm>
-            <a:prstGeom prst="roundRect">
-              <a:avLst/>
-            </a:prstGeom>
-            <a:solidFill>
-              <a:schemeClr val="bg1">
-                <a:alpha val="40000"/>
-              </a:schemeClr>
-            </a:solidFill>
-            <a:ln>
-              <a:noFill/>
-            </a:ln>
-          </p:spPr>
-          <p:style>
-            <a:lnRef idx="2">
-              <a:schemeClr val="accent1">
-                <a:shade val="15000"/>
-              </a:schemeClr>
-            </a:lnRef>
-            <a:fillRef idx="1">
-              <a:schemeClr val="accent1"/>
-            </a:fillRef>
-            <a:effectRef idx="0">
-              <a:schemeClr val="accent1"/>
-            </a:effectRef>
-            <a:fontRef idx="minor">
-              <a:schemeClr val="lt1"/>
-            </a:fontRef>
-          </p:style>
-          <p:txBody>
-            <a:bodyPr rtlCol="0" anchor="ctr"/>
-            <a:lstStyle/>
-            <a:p>
-              <a:pPr algn="ctr"/>
-              <a:r>
-                <a:rPr lang="ru-RU" b="1" dirty="0">
-                  <a:solidFill>
-                    <a:schemeClr val="tx1"/>
-                  </a:solidFill>
-                  <a:effectLst>
-                    <a:outerShdw blurRad="76200" dist="50800" dir="5400000" algn="ctr" rotWithShape="0">
-                      <a:srgbClr val="000000">
-                        <a:alpha val="43137"/>
-                      </a:srgbClr>
-                    </a:outerShdw>
-                  </a:effectLst>
-                </a:rPr>
-                <a:t>Преимущество: </a:t>
-              </a:r>
-              <a:r>
-                <a:rPr lang="ru-RU" dirty="0">
-                  <a:solidFill>
-                    <a:schemeClr val="tx1"/>
-                  </a:solidFill>
-                </a:rPr>
-                <a:t>Таксист получает не просто цифру, а обоснованный прогноз, и может сам выбрать стратегию: надежную или с наценкой.</a:t>
-              </a:r>
-            </a:p>
-          </p:txBody>
-        </p:sp>
-      </p:grpSp>
+        </p:nvSpPr>
+        <p:spPr>
+          <a:xfrm>
+            <a:off x="8742663" y="2366712"/>
+            <a:ext cx="333829" cy="333829"/>
+          </a:xfrm>
+          <a:prstGeom prst="ellipse">
+            <a:avLst/>
+          </a:prstGeom>
+          <a:solidFill>
+            <a:srgbClr val="97EA28"/>
+          </a:solidFill>
+          <a:ln>
+            <a:noFill/>
+          </a:ln>
+        </p:spPr>
+        <p:style>
+          <a:lnRef idx="2">
+            <a:schemeClr val="accent1">
+              <a:shade val="15000"/>
+            </a:schemeClr>
+          </a:lnRef>
+          <a:fillRef idx="1">
+            <a:schemeClr val="accent1"/>
+          </a:fillRef>
+          <a:effectRef idx="0">
+            <a:schemeClr val="accent1"/>
+          </a:effectRef>
+          <a:fontRef idx="minor">
+            <a:schemeClr val="lt1"/>
+          </a:fontRef>
+        </p:style>
+        <p:txBody>
+          <a:bodyPr rtlCol="0" anchor="ctr"/>
+          <a:lstStyle/>
+          <a:p>
+            <a:pPr algn="ctr"/>
+            <a:endParaRPr lang="ru-RU"/>
+          </a:p>
+        </p:txBody>
+      </p:sp>
     </p:spTree>
     <p:extLst>
       <p:ext uri="{BB962C8B-B14F-4D97-AF65-F5344CB8AC3E}">
@@ -4844,10 +5052,10 @@
       </p:grpSpPr>
       <p:sp>
         <p:nvSpPr>
-          <p:cNvPr id="5" name="Прямоугольник: скругленные углы 4">
-            <a:extLst>
-              <a:ext uri="{FF2B5EF4-FFF2-40B4-BE49-F238E27FC236}">
-                <a16:creationId xmlns:a16="http://schemas.microsoft.com/office/drawing/2014/main" id="{24584D81-5962-C9B1-0CF8-F683632297FB}"/>
+          <p:cNvPr id="4" name="Прямоугольник: скругленные углы 13">
+            <a:extLst>
+              <a:ext uri="{FF2B5EF4-FFF2-40B4-BE49-F238E27FC236}">
+                <a16:creationId xmlns:a16="http://schemas.microsoft.com/office/drawing/2014/main" id="{41BA4BB5-51D9-FFF4-39EE-14B4359E69A8}"/>
               </a:ext>
             </a:extLst>
           </p:cNvPr>
@@ -4856,34 +5064,20 @@
         </p:nvSpPr>
         <p:spPr>
           <a:xfrm>
-            <a:off x="2336067" y="400409"/>
-            <a:ext cx="7519865" cy="1204684"/>
+            <a:off x="290287" y="2116273"/>
+            <a:ext cx="8360228" cy="917212"/>
           </a:xfrm>
           <a:prstGeom prst="roundRect">
             <a:avLst/>
           </a:prstGeom>
           <a:solidFill>
-            <a:schemeClr val="accent1">
-              <a:lumMod val="60000"/>
-              <a:lumOff val="40000"/>
-              <a:alpha val="39000"/>
+            <a:schemeClr val="tx1">
+              <a:alpha val="16000"/>
             </a:schemeClr>
           </a:solidFill>
           <a:ln>
             <a:noFill/>
           </a:ln>
-          <a:effectLst>
-            <a:glow rad="88900">
-              <a:srgbClr val="00B0F0">
-                <a:alpha val="40000"/>
-              </a:srgbClr>
-            </a:glow>
-            <a:outerShdw blurRad="279400" dist="50800" dir="5400000" algn="ctr" rotWithShape="0">
-              <a:srgbClr val="000000">
-                <a:alpha val="43137"/>
-              </a:srgbClr>
-            </a:outerShdw>
-          </a:effectLst>
         </p:spPr>
         <p:style>
           <a:lnRef idx="2">
@@ -4906,44 +5100,112 @@
           <a:lstStyle/>
           <a:p>
             <a:pPr algn="ctr"/>
-            <a:r>
-              <a:rPr lang="ru-RU" sz="3200" dirty="0">
-                <a:latin typeface="TD Mars" pitchFamily="50" charset="0"/>
-              </a:rPr>
-              <a:t>Альтернативные предложения</a:t>
-            </a:r>
-          </a:p>
-        </p:txBody>
-      </p:sp>
-      <p:sp>
-        <p:nvSpPr>
-          <p:cNvPr id="6" name="Прямоугольник 5">
-            <a:extLst>
-              <a:ext uri="{FF2B5EF4-FFF2-40B4-BE49-F238E27FC236}">
-                <a16:creationId xmlns:a16="http://schemas.microsoft.com/office/drawing/2014/main" id="{F831C185-401A-C992-C976-F13DAAC970B5}"/>
-              </a:ext>
-            </a:extLst>
-          </p:cNvPr>
-          <p:cNvSpPr/>
+            <a:endParaRPr lang="ru-RU"/>
+          </a:p>
+        </p:txBody>
+      </p:sp>
+      <p:sp>
+        <p:nvSpPr>
+          <p:cNvPr id="5" name="TextBox 4">
+            <a:extLst>
+              <a:ext uri="{FF2B5EF4-FFF2-40B4-BE49-F238E27FC236}">
+                <a16:creationId xmlns:a16="http://schemas.microsoft.com/office/drawing/2014/main" id="{0381BBA5-128D-E162-274D-630967FE1B8B}"/>
+              </a:ext>
+            </a:extLst>
+          </p:cNvPr>
+          <p:cNvSpPr txBox="1"/>
           <p:nvPr/>
         </p:nvSpPr>
         <p:spPr>
           <a:xfrm>
-            <a:off x="323850" y="5175250"/>
-            <a:ext cx="1104900" cy="2101850"/>
+            <a:off x="392286" y="2251713"/>
+            <a:ext cx="8156230" cy="646331"/>
           </a:xfrm>
           <a:prstGeom prst="rect">
             <a:avLst/>
           </a:prstGeom>
+          <a:noFill/>
+        </p:spPr>
+        <p:txBody>
+          <a:bodyPr wrap="square" rtlCol="0">
+            <a:spAutoFit/>
+          </a:bodyPr>
+          <a:lstStyle/>
+          <a:p>
+            <a:pPr algn="ctr"/>
+            <a:r>
+              <a:rPr lang="ru-RU" b="1" dirty="0">
+                <a:solidFill>
+                  <a:schemeClr val="bg1"/>
+                </a:solidFill>
+              </a:rPr>
+              <a:t>Автоматизированное тестирование</a:t>
+            </a:r>
+            <a:r>
+              <a:rPr lang="ru-RU" dirty="0">
+                <a:solidFill>
+                  <a:schemeClr val="bg1"/>
+                </a:solidFill>
+              </a:rPr>
+              <a:t>: автоматизированные тесты покрывают основную функциональность каждого компонента</a:t>
+            </a:r>
+            <a:endParaRPr lang="ru-RU" dirty="0">
+              <a:solidFill>
+                <a:schemeClr val="bg1"/>
+              </a:solidFill>
+              <a:effectLst>
+                <a:outerShdw blurRad="190500" dist="50800" dir="5400000" sx="5000" sy="5000" algn="ctr" rotWithShape="0">
+                  <a:srgbClr val="000000">
+                    <a:alpha val="43137"/>
+                  </a:srgbClr>
+                </a:outerShdw>
+              </a:effectLst>
+              <a:latin typeface="Verdana" panose="020B0604030504040204" pitchFamily="34" charset="0"/>
+              <a:ea typeface="Verdana" panose="020B0604030504040204" pitchFamily="34" charset="0"/>
+            </a:endParaRPr>
+          </a:p>
+        </p:txBody>
+      </p:sp>
+      <p:sp>
+        <p:nvSpPr>
+          <p:cNvPr id="6" name="Прямоугольник: скругленные углы 4">
+            <a:extLst>
+              <a:ext uri="{FF2B5EF4-FFF2-40B4-BE49-F238E27FC236}">
+                <a16:creationId xmlns:a16="http://schemas.microsoft.com/office/drawing/2014/main" id="{0F889804-B560-9B7D-04AB-4F087F49A272}"/>
+              </a:ext>
+            </a:extLst>
+          </p:cNvPr>
+          <p:cNvSpPr/>
+          <p:nvPr/>
+        </p:nvSpPr>
+        <p:spPr>
+          <a:xfrm>
+            <a:off x="5986268" y="353800"/>
+            <a:ext cx="5909103" cy="1204684"/>
+          </a:xfrm>
+          <a:prstGeom prst="roundRect">
+            <a:avLst/>
+          </a:prstGeom>
           <a:solidFill>
-            <a:schemeClr val="bg2">
-              <a:lumMod val="50000"/>
-              <a:alpha val="80000"/>
+            <a:schemeClr val="tx1">
+              <a:alpha val="39000"/>
             </a:schemeClr>
           </a:solidFill>
           <a:ln>
             <a:noFill/>
           </a:ln>
+          <a:effectLst>
+            <a:glow rad="88900">
+              <a:schemeClr val="tx1">
+                <a:alpha val="40000"/>
+              </a:schemeClr>
+            </a:glow>
+            <a:outerShdw blurRad="279400" dist="50800" dir="5400000" algn="ctr" rotWithShape="0">
+              <a:srgbClr val="000000">
+                <a:alpha val="43137"/>
+              </a:srgbClr>
+            </a:outerShdw>
+          </a:effectLst>
         </p:spPr>
         <p:style>
           <a:lnRef idx="2">
@@ -4966,16 +5228,24 @@
           <a:lstStyle/>
           <a:p>
             <a:pPr algn="ctr"/>
-            <a:endParaRPr lang="ru-RU"/>
-          </a:p>
-        </p:txBody>
-      </p:sp>
-      <p:sp>
-        <p:nvSpPr>
-          <p:cNvPr id="7" name="Прямоугольник 6">
-            <a:extLst>
-              <a:ext uri="{FF2B5EF4-FFF2-40B4-BE49-F238E27FC236}">
-                <a16:creationId xmlns:a16="http://schemas.microsoft.com/office/drawing/2014/main" id="{0C8016E0-081C-0AD1-C02F-C4FD74DF7BFC}"/>
+            <a:r>
+              <a:rPr lang="ru-RU" sz="4000" dirty="0" smtClean="0">
+                <a:latin typeface="Impact" panose="020B0806030902050204" pitchFamily="34" charset="0"/>
+              </a:rPr>
+              <a:t>Процесс тестирования</a:t>
+            </a:r>
+            <a:endParaRPr lang="ru-RU" sz="4000" dirty="0">
+              <a:latin typeface="Impact" panose="020B0806030902050204" pitchFamily="34" charset="0"/>
+            </a:endParaRPr>
+          </a:p>
+        </p:txBody>
+      </p:sp>
+      <p:sp>
+        <p:nvSpPr>
+          <p:cNvPr id="7" name="Прямоугольник: скругленные углы 13">
+            <a:extLst>
+              <a:ext uri="{FF2B5EF4-FFF2-40B4-BE49-F238E27FC236}">
+                <a16:creationId xmlns:a16="http://schemas.microsoft.com/office/drawing/2014/main" id="{41BA4BB5-51D9-FFF4-39EE-14B4359E69A8}"/>
               </a:ext>
             </a:extLst>
           </p:cNvPr>
@@ -4984,16 +5254,15 @@
         </p:nvSpPr>
         <p:spPr>
           <a:xfrm>
-            <a:off x="2965411" y="5162550"/>
-            <a:ext cx="1104900" cy="2114550"/>
-          </a:xfrm>
-          <a:prstGeom prst="rect">
+            <a:off x="296669" y="3591274"/>
+            <a:ext cx="8360228" cy="917212"/>
+          </a:xfrm>
+          <a:prstGeom prst="roundRect">
             <a:avLst/>
           </a:prstGeom>
           <a:solidFill>
-            <a:schemeClr val="bg2">
-              <a:lumMod val="50000"/>
-              <a:alpha val="80000"/>
+            <a:schemeClr val="tx1">
+              <a:alpha val="16000"/>
             </a:schemeClr>
           </a:solidFill>
           <a:ln>
@@ -5027,28 +5296,90 @@
       </p:sp>
       <p:sp>
         <p:nvSpPr>
-          <p:cNvPr id="8" name="Прямоугольник 7">
-            <a:extLst>
-              <a:ext uri="{FF2B5EF4-FFF2-40B4-BE49-F238E27FC236}">
-                <a16:creationId xmlns:a16="http://schemas.microsoft.com/office/drawing/2014/main" id="{86DD0CFD-4332-5E70-C5C9-A8017E1AE5BA}"/>
-              </a:ext>
-            </a:extLst>
-          </p:cNvPr>
-          <p:cNvSpPr/>
+          <p:cNvPr id="8" name="TextBox 7">
+            <a:extLst>
+              <a:ext uri="{FF2B5EF4-FFF2-40B4-BE49-F238E27FC236}">
+                <a16:creationId xmlns:a16="http://schemas.microsoft.com/office/drawing/2014/main" id="{0381BBA5-128D-E162-274D-630967FE1B8B}"/>
+              </a:ext>
+            </a:extLst>
+          </p:cNvPr>
+          <p:cNvSpPr txBox="1"/>
           <p:nvPr/>
         </p:nvSpPr>
         <p:spPr>
           <a:xfrm>
-            <a:off x="1604943" y="3086100"/>
-            <a:ext cx="1104900" cy="4191000"/>
+            <a:off x="296669" y="3591274"/>
+            <a:ext cx="8251847" cy="923330"/>
           </a:xfrm>
           <a:prstGeom prst="rect">
             <a:avLst/>
           </a:prstGeom>
+          <a:noFill/>
+        </p:spPr>
+        <p:txBody>
+          <a:bodyPr wrap="square" rtlCol="0">
+            <a:spAutoFit/>
+          </a:bodyPr>
+          <a:lstStyle/>
+          <a:p>
+            <a:pPr algn="ctr"/>
+            <a:r>
+              <a:rPr lang="ru-RU" b="1" dirty="0">
+                <a:solidFill>
+                  <a:schemeClr val="bg1"/>
+                </a:solidFill>
+              </a:rPr>
+              <a:t>Нагрузочные испытания</a:t>
+            </a:r>
+            <a:r>
+              <a:rPr lang="ru-RU" dirty="0">
+                <a:solidFill>
+                  <a:schemeClr val="bg1"/>
+                </a:solidFill>
+              </a:rPr>
+              <a:t>: проверка стабильности системы при работе с большими объемами данных и множеством одновременных операций</a:t>
+            </a:r>
+            <a:endParaRPr lang="ru-RU" dirty="0">
+              <a:solidFill>
+                <a:schemeClr val="bg1"/>
+              </a:solidFill>
+              <a:effectLst>
+                <a:outerShdw blurRad="190500" dist="50800" dir="5400000" sx="5000" sy="5000" algn="ctr" rotWithShape="0">
+                  <a:srgbClr val="000000">
+                    <a:alpha val="43137"/>
+                  </a:srgbClr>
+                </a:outerShdw>
+              </a:effectLst>
+              <a:latin typeface="Verdana" panose="020B0604030504040204" pitchFamily="34" charset="0"/>
+              <a:ea typeface="Verdana" panose="020B0604030504040204" pitchFamily="34" charset="0"/>
+            </a:endParaRPr>
+          </a:p>
+        </p:txBody>
+      </p:sp>
+      <p:sp>
+        <p:nvSpPr>
+          <p:cNvPr id="10" name="Прямоугольник: скругленные углы 13">
+            <a:extLst>
+              <a:ext uri="{FF2B5EF4-FFF2-40B4-BE49-F238E27FC236}">
+                <a16:creationId xmlns:a16="http://schemas.microsoft.com/office/drawing/2014/main" id="{41BA4BB5-51D9-FFF4-39EE-14B4359E69A8}"/>
+              </a:ext>
+            </a:extLst>
+          </p:cNvPr>
+          <p:cNvSpPr/>
+          <p:nvPr/>
+        </p:nvSpPr>
+        <p:spPr>
+          <a:xfrm>
+            <a:off x="296669" y="5066275"/>
+            <a:ext cx="8360228" cy="646331"/>
+          </a:xfrm>
+          <a:prstGeom prst="roundRect">
+            <a:avLst/>
+          </a:prstGeom>
           <a:solidFill>
-            <a:srgbClr val="FFFF00">
-              <a:alpha val="55000"/>
-            </a:srgbClr>
+            <a:schemeClr val="tx1">
+              <a:alpha val="16000"/>
+            </a:schemeClr>
           </a:solidFill>
           <a:ln>
             <a:noFill/>
@@ -5079,17 +5410,73 @@
           </a:p>
         </p:txBody>
       </p:sp>
+      <p:sp>
+        <p:nvSpPr>
+          <p:cNvPr id="11" name="TextBox 10">
+            <a:extLst>
+              <a:ext uri="{FF2B5EF4-FFF2-40B4-BE49-F238E27FC236}">
+                <a16:creationId xmlns:a16="http://schemas.microsoft.com/office/drawing/2014/main" id="{0381BBA5-128D-E162-274D-630967FE1B8B}"/>
+              </a:ext>
+            </a:extLst>
+          </p:cNvPr>
+          <p:cNvSpPr txBox="1"/>
+          <p:nvPr/>
+        </p:nvSpPr>
+        <p:spPr>
+          <a:xfrm>
+            <a:off x="296669" y="5066275"/>
+            <a:ext cx="8251847" cy="646331"/>
+          </a:xfrm>
+          <a:prstGeom prst="rect">
+            <a:avLst/>
+          </a:prstGeom>
+          <a:noFill/>
+        </p:spPr>
+        <p:txBody>
+          <a:bodyPr wrap="square" rtlCol="0">
+            <a:spAutoFit/>
+          </a:bodyPr>
+          <a:lstStyle/>
+          <a:p>
+            <a:pPr algn="ctr"/>
+            <a:r>
+              <a:rPr lang="ru-RU" b="1" dirty="0">
+                <a:solidFill>
+                  <a:schemeClr val="bg1"/>
+                </a:solidFill>
+              </a:rPr>
+              <a:t>Регрессионное тестирование</a:t>
+            </a:r>
+            <a:r>
+              <a:rPr lang="ru-RU" dirty="0">
+                <a:solidFill>
+                  <a:schemeClr val="bg1"/>
+                </a:solidFill>
+              </a:rPr>
+              <a:t>: регулярная проверка работоспособности ранее протестированных функций</a:t>
+            </a:r>
+            <a:endParaRPr lang="ru-RU" dirty="0">
+              <a:solidFill>
+                <a:schemeClr val="bg1"/>
+              </a:solidFill>
+              <a:effectLst>
+                <a:outerShdw blurRad="190500" dist="50800" dir="5400000" sx="5000" sy="5000" algn="ctr" rotWithShape="0">
+                  <a:srgbClr val="000000">
+                    <a:alpha val="43137"/>
+                  </a:srgbClr>
+                </a:outerShdw>
+              </a:effectLst>
+              <a:latin typeface="Verdana" panose="020B0604030504040204" pitchFamily="34" charset="0"/>
+              <a:ea typeface="Verdana" panose="020B0604030504040204" pitchFamily="34" charset="0"/>
+            </a:endParaRPr>
+          </a:p>
+        </p:txBody>
+      </p:sp>
       <p:pic>
         <p:nvPicPr>
-          <p:cNvPr id="9" name="Рисунок 8" descr="Изображение выглядит как Графика, Шрифт, логотип, символ&#10;&#10;Содержимое, созданное искусственным интеллектом, может быть неверным.">
-            <a:extLst>
-              <a:ext uri="{FF2B5EF4-FFF2-40B4-BE49-F238E27FC236}">
-                <a16:creationId xmlns:a16="http://schemas.microsoft.com/office/drawing/2014/main" id="{9632AFC3-7714-61D9-930D-ABD72ECA865D}"/>
-              </a:ext>
-            </a:extLst>
-          </p:cNvPr>
+          <p:cNvPr id="1026" name="Picture 2" descr="SmartBear TestComplete · GitHub"/>
           <p:cNvPicPr>
-            <a:picLocks noChangeAspect="1"/>
+            <a:picLocks noChangeAspect="1" noChangeArrowheads="1"/>
           </p:cNvPicPr>
           <p:nvPr/>
         </p:nvPicPr>
@@ -5101,31 +5488,39 @@
               </a:ext>
             </a:extLst>
           </a:blip>
+          <a:srcRect/>
           <a:stretch>
             <a:fillRect/>
           </a:stretch>
         </p:blipFill>
-        <p:spPr>
-          <a:xfrm>
-            <a:off x="532687" y="4492685"/>
-            <a:ext cx="682565" cy="682565"/>
+        <p:spPr bwMode="auto">
+          <a:xfrm>
+            <a:off x="8822766" y="3312379"/>
+            <a:ext cx="1650205" cy="1557110"/>
           </a:xfrm>
           <a:prstGeom prst="rect">
             <a:avLst/>
           </a:prstGeom>
+          <a:noFill/>
+          <a:effectLst>
+            <a:softEdge rad="31750"/>
+          </a:effectLst>
+          <a:extLst>
+            <a:ext uri="{909E8E84-426E-40DD-AFC4-6F175D3DCCD1}">
+              <a14:hiddenFill xmlns:a14="http://schemas.microsoft.com/office/drawing/2010/main">
+                <a:solidFill>
+                  <a:srgbClr val="FFFFFF"/>
+                </a:solidFill>
+              </a14:hiddenFill>
+            </a:ext>
+          </a:extLst>
         </p:spPr>
       </p:pic>
       <p:pic>
         <p:nvPicPr>
-          <p:cNvPr id="10" name="Рисунок 9" descr="Изображение выглядит как логотип, символ, Графика, Шрифт&#10;&#10;Содержимое, созданное искусственным интеллектом, может быть неверным.">
-            <a:extLst>
-              <a:ext uri="{FF2B5EF4-FFF2-40B4-BE49-F238E27FC236}">
-                <a16:creationId xmlns:a16="http://schemas.microsoft.com/office/drawing/2014/main" id="{535BD36E-CB3F-61E1-1CB1-86EEA4A98B2E}"/>
-              </a:ext>
-            </a:extLst>
-          </p:cNvPr>
+          <p:cNvPr id="1028" name="Picture 4" descr="Moq · GitHub"/>
           <p:cNvPicPr>
-            <a:picLocks noChangeAspect="1"/>
+            <a:picLocks noChangeAspect="1" noChangeArrowheads="1"/>
           </p:cNvPicPr>
           <p:nvPr/>
         </p:nvPicPr>
@@ -5137,141 +5532,36 @@
               </a:ext>
             </a:extLst>
           </a:blip>
-          <a:srcRect l="29688" t="13294" r="29583" b="12699"/>
+          <a:srcRect/>
           <a:stretch>
             <a:fillRect/>
           </a:stretch>
         </p:blipFill>
-        <p:spPr>
-          <a:xfrm>
-            <a:off x="3170237" y="4524708"/>
-            <a:ext cx="695248" cy="663242"/>
+        <p:spPr bwMode="auto">
+          <a:xfrm>
+            <a:off x="10158990" y="1755269"/>
+            <a:ext cx="1687738" cy="1557110"/>
           </a:xfrm>
           <a:prstGeom prst="rect">
             <a:avLst/>
           </a:prstGeom>
+          <a:noFill/>
+          <a:extLst>
+            <a:ext uri="{909E8E84-426E-40DD-AFC4-6F175D3DCCD1}">
+              <a14:hiddenFill xmlns:a14="http://schemas.microsoft.com/office/drawing/2010/main">
+                <a:solidFill>
+                  <a:srgbClr val="FFFFFF"/>
+                </a:solidFill>
+              </a14:hiddenFill>
+            </a:ext>
+          </a:extLst>
         </p:spPr>
       </p:pic>
-      <p:sp>
-        <p:nvSpPr>
-          <p:cNvPr id="11" name="Прямоугольник: скругленные углы 10">
-            <a:extLst>
-              <a:ext uri="{FF2B5EF4-FFF2-40B4-BE49-F238E27FC236}">
-                <a16:creationId xmlns:a16="http://schemas.microsoft.com/office/drawing/2014/main" id="{18FF2489-D6FF-11F7-3FD4-A7702F928334}"/>
-              </a:ext>
-            </a:extLst>
-          </p:cNvPr>
-          <p:cNvSpPr/>
-          <p:nvPr/>
-        </p:nvSpPr>
-        <p:spPr>
-          <a:xfrm>
-            <a:off x="5486401" y="2685691"/>
-            <a:ext cx="6277052" cy="2769317"/>
-          </a:xfrm>
-          <a:prstGeom prst="roundRect">
-            <a:avLst/>
-          </a:prstGeom>
-          <a:solidFill>
-            <a:schemeClr val="bg1">
-              <a:alpha val="40000"/>
-            </a:schemeClr>
-          </a:solidFill>
-          <a:ln>
-            <a:noFill/>
-          </a:ln>
-        </p:spPr>
-        <p:style>
-          <a:lnRef idx="2">
-            <a:schemeClr val="accent1">
-              <a:shade val="15000"/>
-            </a:schemeClr>
-          </a:lnRef>
-          <a:fillRef idx="1">
-            <a:schemeClr val="accent1"/>
-          </a:fillRef>
-          <a:effectRef idx="0">
-            <a:schemeClr val="accent1"/>
-          </a:effectRef>
-          <a:fontRef idx="minor">
-            <a:schemeClr val="lt1"/>
-          </a:fontRef>
-        </p:style>
-        <p:txBody>
-          <a:bodyPr rtlCol="0" anchor="ctr"/>
-          <a:lstStyle/>
-          <a:p>
-            <a:pPr algn="ctr"/>
-            <a:r>
-              <a:rPr lang="ru-RU" sz="2400" dirty="0">
-                <a:solidFill>
-                  <a:schemeClr val="tx1"/>
-                </a:solidFill>
-              </a:rPr>
-              <a:t>Конкуренты, такие как </a:t>
-            </a:r>
-            <a:r>
-              <a:rPr lang="ru-RU" sz="2400" dirty="0" err="1">
-                <a:solidFill>
-                  <a:schemeClr val="tx1"/>
-                </a:solidFill>
-              </a:rPr>
-              <a:t>YandexGo</a:t>
-            </a:r>
-            <a:r>
-              <a:rPr lang="ru-RU" sz="2400" dirty="0">
-                <a:solidFill>
-                  <a:schemeClr val="tx1"/>
-                </a:solidFill>
-              </a:rPr>
-              <a:t>, </a:t>
-            </a:r>
-            <a:r>
-              <a:rPr lang="ru-RU" sz="2400" dirty="0" err="1">
-                <a:solidFill>
-                  <a:schemeClr val="tx1"/>
-                </a:solidFill>
-              </a:rPr>
-              <a:t>InDrive</a:t>
-            </a:r>
-            <a:r>
-              <a:rPr lang="ru-RU" sz="2400" dirty="0">
-                <a:solidFill>
-                  <a:schemeClr val="tx1"/>
-                </a:solidFill>
-              </a:rPr>
-              <a:t>. Используют статичную цену, которая при учёте контекста может оказаться несправедливой. Прогноз </a:t>
-            </a:r>
-            <a:r>
-              <a:rPr lang="ru-RU" sz="2400" dirty="0" err="1">
-                <a:solidFill>
-                  <a:schemeClr val="tx1"/>
-                </a:solidFill>
-              </a:rPr>
-              <a:t>Ml</a:t>
-            </a:r>
-            <a:r>
-              <a:rPr lang="ru-RU" sz="2400" dirty="0">
-                <a:solidFill>
-                  <a:schemeClr val="tx1"/>
-                </a:solidFill>
-              </a:rPr>
-              <a:t>-модели и возможность торговаться позволяют достичь компромисса.</a:t>
-            </a:r>
-          </a:p>
-        </p:txBody>
-      </p:sp>
       <p:pic>
         <p:nvPicPr>
-          <p:cNvPr id="12" name="Рисунок 11" descr="Изображение выглядит как Графика, Шрифт, логотип, графический дизайн&#10;&#10;Содержимое, созданное искусственным интеллектом, может быть неверным.">
-            <a:extLst>
-              <a:ext uri="{FF2B5EF4-FFF2-40B4-BE49-F238E27FC236}">
-                <a16:creationId xmlns:a16="http://schemas.microsoft.com/office/drawing/2014/main" id="{33A5B7C9-8BF0-0507-731F-D76CF9331997}"/>
-              </a:ext>
-            </a:extLst>
-          </p:cNvPr>
+          <p:cNvPr id="1030" name="Picture 6" descr="xUnit.net · GitHub"/>
           <p:cNvPicPr>
-            <a:picLocks noChangeAspect="1"/>
+            <a:picLocks noChangeAspect="1" noChangeArrowheads="1"/>
           </p:cNvPicPr>
           <p:nvPr/>
         </p:nvPicPr>
@@ -5283,64 +5573,35 @@
               </a:ext>
             </a:extLst>
           </a:blip>
+          <a:srcRect/>
           <a:stretch>
             <a:fillRect/>
           </a:stretch>
         </p:blipFill>
-        <p:spPr>
-          <a:xfrm>
-            <a:off x="1625553" y="2390517"/>
-            <a:ext cx="1114479" cy="472974"/>
-          </a:xfrm>
-          <a:prstGeom prst="rect">
-            <a:avLst/>
-          </a:prstGeom>
-        </p:spPr>
-      </p:pic>
-      <p:sp>
-        <p:nvSpPr>
-          <p:cNvPr id="13" name="TextBox 12">
-            <a:extLst>
-              <a:ext uri="{FF2B5EF4-FFF2-40B4-BE49-F238E27FC236}">
-                <a16:creationId xmlns:a16="http://schemas.microsoft.com/office/drawing/2014/main" id="{87333464-BD9D-CBF3-5738-740BC53C995B}"/>
-              </a:ext>
-            </a:extLst>
-          </p:cNvPr>
-          <p:cNvSpPr txBox="1"/>
-          <p:nvPr/>
-        </p:nvSpPr>
-        <p:spPr>
-          <a:xfrm>
-            <a:off x="1600153" y="2778383"/>
-            <a:ext cx="1285883" cy="400110"/>
+        <p:spPr bwMode="auto">
+          <a:xfrm>
+            <a:off x="10158990" y="4869489"/>
+            <a:ext cx="1822555" cy="1822555"/>
           </a:xfrm>
           <a:prstGeom prst="rect">
             <a:avLst/>
           </a:prstGeom>
           <a:noFill/>
-        </p:spPr>
-        <p:txBody>
-          <a:bodyPr wrap="square" rtlCol="0">
-            <a:spAutoFit/>
-          </a:bodyPr>
-          <a:lstStyle/>
-          <a:p>
-            <a:r>
-              <a:rPr lang="en-US" sz="2000" b="1" dirty="0">
-                <a:latin typeface="MV-SKIFER" pitchFamily="50" charset="0"/>
-              </a:rPr>
-              <a:t>PULSE</a:t>
-            </a:r>
-            <a:endParaRPr lang="ru-RU" sz="2000" b="1" dirty="0">
-              <a:latin typeface="MV-SKIFER" pitchFamily="50" charset="0"/>
-            </a:endParaRPr>
-          </a:p>
-        </p:txBody>
-      </p:sp>
+          <a:extLst>
+            <a:ext uri="{909E8E84-426E-40DD-AFC4-6F175D3DCCD1}">
+              <a14:hiddenFill xmlns:a14="http://schemas.microsoft.com/office/drawing/2010/main">
+                <a:solidFill>
+                  <a:srgbClr val="FFFFFF"/>
+                </a:solidFill>
+              </a14:hiddenFill>
+            </a:ext>
+          </a:extLst>
+        </p:spPr>
+      </p:pic>
     </p:spTree>
     <p:extLst>
       <p:ext uri="{BB962C8B-B14F-4D97-AF65-F5344CB8AC3E}">
-        <p14:creationId xmlns:p14="http://schemas.microsoft.com/office/powerpoint/2010/main" val="2868903330"/>
+        <p14:creationId xmlns:p14="http://schemas.microsoft.com/office/powerpoint/2010/main" val="155548860"/>
       </p:ext>
     </p:extLst>
   </p:cSld>
@@ -5367,60 +5628,269 @@
           <a:chExt cx="0" cy="0"/>
         </a:xfrm>
       </p:grpSpPr>
-      <p:sp>
-        <p:nvSpPr>
-          <p:cNvPr id="2" name="Заголовок 1">
-            <a:extLst>
-              <a:ext uri="{FF2B5EF4-FFF2-40B4-BE49-F238E27FC236}">
-                <a16:creationId xmlns:a16="http://schemas.microsoft.com/office/drawing/2014/main" id="{72B6AACE-0EA8-3E01-C09A-8B221144A936}"/>
-              </a:ext>
-            </a:extLst>
-          </p:cNvPr>
-          <p:cNvSpPr>
-            <a:spLocks noGrp="1"/>
-          </p:cNvSpPr>
-          <p:nvPr>
-            <p:ph type="title"/>
-          </p:nvPr>
-        </p:nvSpPr>
-        <p:spPr/>
-        <p:txBody>
-          <a:bodyPr/>
-          <a:lstStyle/>
-          <a:p>
-            <a:endParaRPr lang="ru-RU"/>
-          </a:p>
-        </p:txBody>
-      </p:sp>
-      <p:sp>
-        <p:nvSpPr>
-          <p:cNvPr id="3" name="Объект 2">
-            <a:extLst>
-              <a:ext uri="{FF2B5EF4-FFF2-40B4-BE49-F238E27FC236}">
-                <a16:creationId xmlns:a16="http://schemas.microsoft.com/office/drawing/2014/main" id="{ED1081B9-F8AB-15EB-C0F8-07152E9538F5}"/>
-              </a:ext>
-            </a:extLst>
-          </p:cNvPr>
-          <p:cNvSpPr>
-            <a:spLocks noGrp="1"/>
-          </p:cNvSpPr>
-          <p:nvPr>
-            <p:ph idx="1"/>
-          </p:nvPr>
-        </p:nvSpPr>
-        <p:spPr/>
-        <p:txBody>
-          <a:bodyPr/>
-          <a:lstStyle/>
-          <a:p>
-            <a:endParaRPr lang="ru-RU"/>
+      <p:pic>
+        <p:nvPicPr>
+          <p:cNvPr id="2050" name="Picture 2" descr="SciChart - the Fastest WPF Chart. 2021 Performance Comparison Update"/>
+          <p:cNvPicPr>
+            <a:picLocks noChangeAspect="1" noChangeArrowheads="1"/>
+          </p:cNvPicPr>
+          <p:nvPr/>
+        </p:nvPicPr>
+        <p:blipFill>
+          <a:blip r:embed="rId2">
+            <a:extLst>
+              <a:ext uri="{28A0092B-C50C-407E-A947-70E740481C1C}">
+                <a14:useLocalDpi xmlns:a14="http://schemas.microsoft.com/office/drawing/2010/main" val="0"/>
+              </a:ext>
+            </a:extLst>
+          </a:blip>
+          <a:srcRect/>
+          <a:stretch>
+            <a:fillRect/>
+          </a:stretch>
+        </p:blipFill>
+        <p:spPr bwMode="auto">
+          <a:xfrm>
+            <a:off x="2623034" y="1558484"/>
+            <a:ext cx="9392503" cy="5063162"/>
+          </a:xfrm>
+          <a:prstGeom prst="rect">
+            <a:avLst/>
+          </a:prstGeom>
+          <a:noFill/>
+          <a:extLst>
+            <a:ext uri="{909E8E84-426E-40DD-AFC4-6F175D3DCCD1}">
+              <a14:hiddenFill xmlns:a14="http://schemas.microsoft.com/office/drawing/2010/main">
+                <a:solidFill>
+                  <a:srgbClr val="FFFFFF"/>
+                </a:solidFill>
+              </a14:hiddenFill>
+            </a:ext>
+          </a:extLst>
+        </p:spPr>
+      </p:pic>
+      <p:sp>
+        <p:nvSpPr>
+          <p:cNvPr id="5" name="Прямоугольник: скругленные углы 4">
+            <a:extLst>
+              <a:ext uri="{FF2B5EF4-FFF2-40B4-BE49-F238E27FC236}">
+                <a16:creationId xmlns:a16="http://schemas.microsoft.com/office/drawing/2014/main" id="{0F889804-B560-9B7D-04AB-4F087F49A272}"/>
+              </a:ext>
+            </a:extLst>
+          </p:cNvPr>
+          <p:cNvSpPr/>
+          <p:nvPr/>
+        </p:nvSpPr>
+        <p:spPr>
+          <a:xfrm>
+            <a:off x="2887580" y="161294"/>
+            <a:ext cx="6152297" cy="1204684"/>
+          </a:xfrm>
+          <a:prstGeom prst="roundRect">
+            <a:avLst/>
+          </a:prstGeom>
+          <a:solidFill>
+            <a:schemeClr val="tx1">
+              <a:alpha val="39000"/>
+            </a:schemeClr>
+          </a:solidFill>
+          <a:ln>
+            <a:noFill/>
+          </a:ln>
+          <a:effectLst>
+            <a:glow rad="88900">
+              <a:schemeClr val="tx1">
+                <a:alpha val="40000"/>
+              </a:schemeClr>
+            </a:glow>
+            <a:outerShdw blurRad="279400" dist="50800" dir="5400000" algn="ctr" rotWithShape="0">
+              <a:srgbClr val="000000">
+                <a:alpha val="43137"/>
+              </a:srgbClr>
+            </a:outerShdw>
+          </a:effectLst>
+        </p:spPr>
+        <p:style>
+          <a:lnRef idx="2">
+            <a:schemeClr val="accent1">
+              <a:shade val="15000"/>
+            </a:schemeClr>
+          </a:lnRef>
+          <a:fillRef idx="1">
+            <a:schemeClr val="accent1"/>
+          </a:fillRef>
+          <a:effectRef idx="0">
+            <a:schemeClr val="accent1"/>
+          </a:effectRef>
+          <a:fontRef idx="minor">
+            <a:schemeClr val="lt1"/>
+          </a:fontRef>
+        </p:style>
+        <p:txBody>
+          <a:bodyPr rtlCol="0" anchor="ctr"/>
+          <a:lstStyle/>
+          <a:p>
+            <a:pPr algn="ctr"/>
+            <a:r>
+              <a:rPr lang="ru-RU" sz="4000" dirty="0" smtClean="0">
+                <a:latin typeface="Impact" panose="020B0806030902050204" pitchFamily="34" charset="0"/>
+              </a:rPr>
+              <a:t>Результаты тестирования</a:t>
+            </a:r>
+            <a:endParaRPr lang="ru-RU" sz="4000" dirty="0">
+              <a:latin typeface="Impact" panose="020B0806030902050204" pitchFamily="34" charset="0"/>
+            </a:endParaRPr>
+          </a:p>
+        </p:txBody>
+      </p:sp>
+      <p:sp>
+        <p:nvSpPr>
+          <p:cNvPr id="7" name="Прямоугольник: скругленные углы 9">
+            <a:extLst>
+              <a:ext uri="{FF2B5EF4-FFF2-40B4-BE49-F238E27FC236}">
+                <a16:creationId xmlns:a16="http://schemas.microsoft.com/office/drawing/2014/main" id="{72DB36C6-FB03-FD2D-24D3-390712CD7DC5}"/>
+              </a:ext>
+            </a:extLst>
+          </p:cNvPr>
+          <p:cNvSpPr/>
+          <p:nvPr/>
+        </p:nvSpPr>
+        <p:spPr>
+          <a:xfrm>
+            <a:off x="190756" y="4252886"/>
+            <a:ext cx="2199518" cy="2045389"/>
+          </a:xfrm>
+          <a:prstGeom prst="roundRect">
+            <a:avLst/>
+          </a:prstGeom>
+          <a:solidFill>
+            <a:schemeClr val="bg1">
+              <a:alpha val="40000"/>
+            </a:schemeClr>
+          </a:solidFill>
+          <a:ln>
+            <a:noFill/>
+          </a:ln>
+        </p:spPr>
+        <p:style>
+          <a:lnRef idx="2">
+            <a:schemeClr val="accent1">
+              <a:shade val="15000"/>
+            </a:schemeClr>
+          </a:lnRef>
+          <a:fillRef idx="1">
+            <a:schemeClr val="accent1"/>
+          </a:fillRef>
+          <a:effectRef idx="0">
+            <a:schemeClr val="accent1"/>
+          </a:effectRef>
+          <a:fontRef idx="minor">
+            <a:schemeClr val="lt1"/>
+          </a:fontRef>
+        </p:style>
+        <p:txBody>
+          <a:bodyPr rtlCol="0" anchor="ctr"/>
+          <a:lstStyle/>
+          <a:p>
+            <a:pPr algn="ctr"/>
+            <a:r>
+              <a:rPr lang="ru-RU" dirty="0" smtClean="0">
+                <a:solidFill>
+                  <a:schemeClr val="tx1">
+                    <a:lumMod val="95000"/>
+                    <a:lumOff val="5000"/>
+                  </a:schemeClr>
+                </a:solidFill>
+              </a:rPr>
+              <a:t>Повторное тестирование показало, что все объекты библиотеки работают исправно</a:t>
+            </a:r>
+            <a:endParaRPr lang="ru-RU" dirty="0">
+              <a:solidFill>
+                <a:schemeClr val="tx1">
+                  <a:lumMod val="95000"/>
+                  <a:lumOff val="5000"/>
+                </a:schemeClr>
+              </a:solidFill>
+            </a:endParaRPr>
+          </a:p>
+        </p:txBody>
+      </p:sp>
+      <p:sp>
+        <p:nvSpPr>
+          <p:cNvPr id="8" name="Прямоугольник: скругленные углы 9">
+            <a:extLst>
+              <a:ext uri="{FF2B5EF4-FFF2-40B4-BE49-F238E27FC236}">
+                <a16:creationId xmlns:a16="http://schemas.microsoft.com/office/drawing/2014/main" id="{72DB36C6-FB03-FD2D-24D3-390712CD7DC5}"/>
+              </a:ext>
+            </a:extLst>
+          </p:cNvPr>
+          <p:cNvSpPr/>
+          <p:nvPr/>
+        </p:nvSpPr>
+        <p:spPr>
+          <a:xfrm>
+            <a:off x="190756" y="1660800"/>
+            <a:ext cx="2199518" cy="2045389"/>
+          </a:xfrm>
+          <a:prstGeom prst="roundRect">
+            <a:avLst/>
+          </a:prstGeom>
+          <a:solidFill>
+            <a:schemeClr val="bg1">
+              <a:alpha val="40000"/>
+            </a:schemeClr>
+          </a:solidFill>
+          <a:ln>
+            <a:noFill/>
+          </a:ln>
+        </p:spPr>
+        <p:style>
+          <a:lnRef idx="2">
+            <a:schemeClr val="accent1">
+              <a:shade val="15000"/>
+            </a:schemeClr>
+          </a:lnRef>
+          <a:fillRef idx="1">
+            <a:schemeClr val="accent1"/>
+          </a:fillRef>
+          <a:effectRef idx="0">
+            <a:schemeClr val="accent1"/>
+          </a:effectRef>
+          <a:fontRef idx="minor">
+            <a:schemeClr val="lt1"/>
+          </a:fontRef>
+        </p:style>
+        <p:txBody>
+          <a:bodyPr rtlCol="0" anchor="ctr"/>
+          <a:lstStyle/>
+          <a:p>
+            <a:pPr algn="ctr"/>
+            <a:r>
+              <a:rPr lang="ru-RU" dirty="0" smtClean="0">
+                <a:solidFill>
+                  <a:schemeClr val="tx1">
+                    <a:lumMod val="95000"/>
+                    <a:lumOff val="5000"/>
+                  </a:schemeClr>
+                </a:solidFill>
+              </a:rPr>
+              <a:t>Изначально были недочёты при работе с паттернами</a:t>
+            </a:r>
+            <a:endParaRPr lang="ru-RU" dirty="0">
+              <a:solidFill>
+                <a:schemeClr val="tx1">
+                  <a:lumMod val="95000"/>
+                  <a:lumOff val="5000"/>
+                </a:schemeClr>
+              </a:solidFill>
+            </a:endParaRPr>
           </a:p>
         </p:txBody>
       </p:sp>
     </p:spTree>
     <p:extLst>
       <p:ext uri="{BB962C8B-B14F-4D97-AF65-F5344CB8AC3E}">
-        <p14:creationId xmlns:p14="http://schemas.microsoft.com/office/powerpoint/2010/main" val="155548860"/>
+        <p14:creationId xmlns:p14="http://schemas.microsoft.com/office/powerpoint/2010/main" val="742884686"/>
       </p:ext>
     </p:extLst>
   </p:cSld>
@@ -5431,6 +5901,409 @@
 </file>
 
 <file path=ppt/slides/slide6.xml><?xml version="1.0" encoding="utf-8"?>
+<p:sld xmlns:a="http://schemas.openxmlformats.org/drawingml/2006/main" xmlns:r="http://schemas.openxmlformats.org/officeDocument/2006/relationships" xmlns:p="http://schemas.openxmlformats.org/presentationml/2006/main">
+  <p:cSld>
+    <p:spTree>
+      <p:nvGrpSpPr>
+        <p:cNvPr id="1" name=""/>
+        <p:cNvGrpSpPr/>
+        <p:nvPr/>
+      </p:nvGrpSpPr>
+      <p:grpSpPr>
+        <a:xfrm>
+          <a:off x="0" y="0"/>
+          <a:ext cx="0" cy="0"/>
+          <a:chOff x="0" y="0"/>
+          <a:chExt cx="0" cy="0"/>
+        </a:xfrm>
+      </p:grpSpPr>
+      <p:sp>
+        <p:nvSpPr>
+          <p:cNvPr id="5" name="Прямоугольник: скругленные углы 4">
+            <a:extLst>
+              <a:ext uri="{FF2B5EF4-FFF2-40B4-BE49-F238E27FC236}">
+                <a16:creationId xmlns:a16="http://schemas.microsoft.com/office/drawing/2014/main" id="{0F889804-B560-9B7D-04AB-4F087F49A272}"/>
+              </a:ext>
+            </a:extLst>
+          </p:cNvPr>
+          <p:cNvSpPr/>
+          <p:nvPr/>
+        </p:nvSpPr>
+        <p:spPr>
+          <a:xfrm>
+            <a:off x="2887580" y="161294"/>
+            <a:ext cx="6152297" cy="1204684"/>
+          </a:xfrm>
+          <a:prstGeom prst="roundRect">
+            <a:avLst/>
+          </a:prstGeom>
+          <a:solidFill>
+            <a:schemeClr val="tx1">
+              <a:alpha val="39000"/>
+            </a:schemeClr>
+          </a:solidFill>
+          <a:ln>
+            <a:noFill/>
+          </a:ln>
+          <a:effectLst>
+            <a:glow rad="88900">
+              <a:schemeClr val="tx1">
+                <a:alpha val="40000"/>
+              </a:schemeClr>
+            </a:glow>
+            <a:outerShdw blurRad="279400" dist="50800" dir="5400000" algn="ctr" rotWithShape="0">
+              <a:srgbClr val="000000">
+                <a:alpha val="43137"/>
+              </a:srgbClr>
+            </a:outerShdw>
+          </a:effectLst>
+        </p:spPr>
+        <p:style>
+          <a:lnRef idx="2">
+            <a:schemeClr val="accent1">
+              <a:shade val="15000"/>
+            </a:schemeClr>
+          </a:lnRef>
+          <a:fillRef idx="1">
+            <a:schemeClr val="accent1"/>
+          </a:fillRef>
+          <a:effectRef idx="0">
+            <a:schemeClr val="accent1"/>
+          </a:effectRef>
+          <a:fontRef idx="minor">
+            <a:schemeClr val="lt1"/>
+          </a:fontRef>
+        </p:style>
+        <p:txBody>
+          <a:bodyPr rtlCol="0" anchor="ctr"/>
+          <a:lstStyle/>
+          <a:p>
+            <a:pPr algn="ctr"/>
+            <a:r>
+              <a:rPr lang="ru-RU" sz="4000" dirty="0" smtClean="0">
+                <a:latin typeface="Impact" panose="020B0806030902050204" pitchFamily="34" charset="0"/>
+              </a:rPr>
+              <a:t>Планы на будущее</a:t>
+            </a:r>
+            <a:endParaRPr lang="ru-RU" sz="4000" dirty="0">
+              <a:latin typeface="Impact" panose="020B0806030902050204" pitchFamily="34" charset="0"/>
+            </a:endParaRPr>
+          </a:p>
+        </p:txBody>
+      </p:sp>
+      <p:sp>
+        <p:nvSpPr>
+          <p:cNvPr id="7" name="Прямоугольник: скругленные углы 9">
+            <a:extLst>
+              <a:ext uri="{FF2B5EF4-FFF2-40B4-BE49-F238E27FC236}">
+                <a16:creationId xmlns:a16="http://schemas.microsoft.com/office/drawing/2014/main" id="{72DB36C6-FB03-FD2D-24D3-390712CD7DC5}"/>
+              </a:ext>
+            </a:extLst>
+          </p:cNvPr>
+          <p:cNvSpPr/>
+          <p:nvPr/>
+        </p:nvSpPr>
+        <p:spPr>
+          <a:xfrm>
+            <a:off x="5963728" y="1610524"/>
+            <a:ext cx="6047747" cy="842582"/>
+          </a:xfrm>
+          <a:prstGeom prst="roundRect">
+            <a:avLst/>
+          </a:prstGeom>
+          <a:solidFill>
+            <a:schemeClr val="bg1">
+              <a:alpha val="40000"/>
+            </a:schemeClr>
+          </a:solidFill>
+          <a:ln>
+            <a:noFill/>
+          </a:ln>
+        </p:spPr>
+        <p:style>
+          <a:lnRef idx="2">
+            <a:schemeClr val="accent1">
+              <a:shade val="15000"/>
+            </a:schemeClr>
+          </a:lnRef>
+          <a:fillRef idx="1">
+            <a:schemeClr val="accent1"/>
+          </a:fillRef>
+          <a:effectRef idx="0">
+            <a:schemeClr val="accent1"/>
+          </a:effectRef>
+          <a:fontRef idx="minor">
+            <a:schemeClr val="lt1"/>
+          </a:fontRef>
+        </p:style>
+        <p:txBody>
+          <a:bodyPr rtlCol="0" anchor="ctr"/>
+          <a:lstStyle/>
+          <a:p>
+            <a:pPr algn="ctr"/>
+            <a:r>
+              <a:rPr lang="ru-RU" dirty="0">
+                <a:solidFill>
+                  <a:schemeClr val="tx1">
+                    <a:lumMod val="95000"/>
+                    <a:lumOff val="5000"/>
+                  </a:schemeClr>
+                </a:solidFill>
+              </a:rPr>
+              <a:t>Улучшение существующих функций на основе полученной обратной связи</a:t>
+            </a:r>
+            <a:endParaRPr lang="ru-RU" dirty="0">
+              <a:solidFill>
+                <a:schemeClr val="tx1">
+                  <a:lumMod val="95000"/>
+                  <a:lumOff val="5000"/>
+                </a:schemeClr>
+              </a:solidFill>
+            </a:endParaRPr>
+          </a:p>
+        </p:txBody>
+      </p:sp>
+      <p:sp>
+        <p:nvSpPr>
+          <p:cNvPr id="8" name="Прямоугольник: скругленные углы 9">
+            <a:extLst>
+              <a:ext uri="{FF2B5EF4-FFF2-40B4-BE49-F238E27FC236}">
+                <a16:creationId xmlns:a16="http://schemas.microsoft.com/office/drawing/2014/main" id="{72DB36C6-FB03-FD2D-24D3-390712CD7DC5}"/>
+              </a:ext>
+            </a:extLst>
+          </p:cNvPr>
+          <p:cNvSpPr/>
+          <p:nvPr/>
+        </p:nvSpPr>
+        <p:spPr>
+          <a:xfrm>
+            <a:off x="327114" y="2697653"/>
+            <a:ext cx="6047747" cy="1239162"/>
+          </a:xfrm>
+          <a:prstGeom prst="roundRect">
+            <a:avLst/>
+          </a:prstGeom>
+          <a:solidFill>
+            <a:schemeClr val="bg1">
+              <a:alpha val="40000"/>
+            </a:schemeClr>
+          </a:solidFill>
+          <a:ln>
+            <a:noFill/>
+          </a:ln>
+        </p:spPr>
+        <p:style>
+          <a:lnRef idx="2">
+            <a:schemeClr val="accent1">
+              <a:shade val="15000"/>
+            </a:schemeClr>
+          </a:lnRef>
+          <a:fillRef idx="1">
+            <a:schemeClr val="accent1"/>
+          </a:fillRef>
+          <a:effectRef idx="0">
+            <a:schemeClr val="accent1"/>
+          </a:effectRef>
+          <a:fontRef idx="minor">
+            <a:schemeClr val="lt1"/>
+          </a:fontRef>
+        </p:style>
+        <p:txBody>
+          <a:bodyPr rtlCol="0" anchor="ctr"/>
+          <a:lstStyle/>
+          <a:p>
+            <a:pPr algn="ctr"/>
+            <a:r>
+              <a:rPr lang="ru-RU" dirty="0">
+                <a:solidFill>
+                  <a:schemeClr val="tx1">
+                    <a:lumMod val="95000"/>
+                    <a:lumOff val="5000"/>
+                  </a:schemeClr>
+                </a:solidFill>
+              </a:rPr>
+              <a:t>Полностью переработанный интерфейс, ориентированный на интуитивное взаимодействие и повышение удобства работы конечных пользователей</a:t>
+            </a:r>
+            <a:endParaRPr lang="ru-RU" dirty="0">
+              <a:solidFill>
+                <a:schemeClr val="tx1">
+                  <a:lumMod val="95000"/>
+                  <a:lumOff val="5000"/>
+                </a:schemeClr>
+              </a:solidFill>
+            </a:endParaRPr>
+          </a:p>
+        </p:txBody>
+      </p:sp>
+      <p:sp>
+        <p:nvSpPr>
+          <p:cNvPr id="9" name="Прямоугольник: скругленные углы 9">
+            <a:extLst>
+              <a:ext uri="{FF2B5EF4-FFF2-40B4-BE49-F238E27FC236}">
+                <a16:creationId xmlns:a16="http://schemas.microsoft.com/office/drawing/2014/main" id="{72DB36C6-FB03-FD2D-24D3-390712CD7DC5}"/>
+              </a:ext>
+            </a:extLst>
+          </p:cNvPr>
+          <p:cNvSpPr/>
+          <p:nvPr/>
+        </p:nvSpPr>
+        <p:spPr>
+          <a:xfrm>
+            <a:off x="5963727" y="4181362"/>
+            <a:ext cx="6047747" cy="846131"/>
+          </a:xfrm>
+          <a:prstGeom prst="roundRect">
+            <a:avLst/>
+          </a:prstGeom>
+          <a:solidFill>
+            <a:schemeClr val="bg1">
+              <a:alpha val="40000"/>
+            </a:schemeClr>
+          </a:solidFill>
+          <a:ln>
+            <a:noFill/>
+          </a:ln>
+        </p:spPr>
+        <p:style>
+          <a:lnRef idx="2">
+            <a:schemeClr val="accent1">
+              <a:shade val="15000"/>
+            </a:schemeClr>
+          </a:lnRef>
+          <a:fillRef idx="1">
+            <a:schemeClr val="accent1"/>
+          </a:fillRef>
+          <a:effectRef idx="0">
+            <a:schemeClr val="accent1"/>
+          </a:effectRef>
+          <a:fontRef idx="minor">
+            <a:schemeClr val="lt1"/>
+          </a:fontRef>
+        </p:style>
+        <p:txBody>
+          <a:bodyPr rtlCol="0" anchor="ctr"/>
+          <a:lstStyle/>
+          <a:p>
+            <a:pPr algn="ctr"/>
+            <a:r>
+              <a:rPr lang="ru-RU" dirty="0">
+                <a:solidFill>
+                  <a:schemeClr val="tx1">
+                    <a:lumMod val="95000"/>
+                    <a:lumOff val="5000"/>
+                  </a:schemeClr>
+                </a:solidFill>
+              </a:rPr>
+              <a:t>Анализ и оптимизация алгоритмов для повышения общей </a:t>
+            </a:r>
+            <a:r>
+              <a:rPr lang="ru-RU" dirty="0" smtClean="0">
+                <a:solidFill>
+                  <a:schemeClr val="tx1">
+                    <a:lumMod val="95000"/>
+                    <a:lumOff val="5000"/>
+                  </a:schemeClr>
+                </a:solidFill>
+              </a:rPr>
+              <a:t>эффективности</a:t>
+            </a:r>
+            <a:endParaRPr lang="ru-RU" dirty="0">
+              <a:solidFill>
+                <a:schemeClr val="tx1">
+                  <a:lumMod val="95000"/>
+                  <a:lumOff val="5000"/>
+                </a:schemeClr>
+              </a:solidFill>
+            </a:endParaRPr>
+          </a:p>
+        </p:txBody>
+      </p:sp>
+      <p:sp>
+        <p:nvSpPr>
+          <p:cNvPr id="10" name="Прямоугольник: скругленные углы 9">
+            <a:extLst>
+              <a:ext uri="{FF2B5EF4-FFF2-40B4-BE49-F238E27FC236}">
+                <a16:creationId xmlns:a16="http://schemas.microsoft.com/office/drawing/2014/main" id="{72DB36C6-FB03-FD2D-24D3-390712CD7DC5}"/>
+              </a:ext>
+            </a:extLst>
+          </p:cNvPr>
+          <p:cNvSpPr/>
+          <p:nvPr/>
+        </p:nvSpPr>
+        <p:spPr>
+          <a:xfrm>
+            <a:off x="327113" y="5268490"/>
+            <a:ext cx="6047747" cy="846131"/>
+          </a:xfrm>
+          <a:prstGeom prst="roundRect">
+            <a:avLst/>
+          </a:prstGeom>
+          <a:solidFill>
+            <a:schemeClr val="bg1">
+              <a:alpha val="40000"/>
+            </a:schemeClr>
+          </a:solidFill>
+          <a:ln>
+            <a:noFill/>
+          </a:ln>
+        </p:spPr>
+        <p:style>
+          <a:lnRef idx="2">
+            <a:schemeClr val="accent1">
+              <a:shade val="15000"/>
+            </a:schemeClr>
+          </a:lnRef>
+          <a:fillRef idx="1">
+            <a:schemeClr val="accent1"/>
+          </a:fillRef>
+          <a:effectRef idx="0">
+            <a:schemeClr val="accent1"/>
+          </a:effectRef>
+          <a:fontRef idx="minor">
+            <a:schemeClr val="lt1"/>
+          </a:fontRef>
+        </p:style>
+        <p:txBody>
+          <a:bodyPr rtlCol="0" anchor="ctr"/>
+          <a:lstStyle/>
+          <a:p>
+            <a:pPr algn="ctr"/>
+            <a:r>
+              <a:rPr lang="ru-RU" dirty="0">
+                <a:solidFill>
+                  <a:schemeClr val="tx1">
+                    <a:lumMod val="95000"/>
+                    <a:lumOff val="5000"/>
+                  </a:schemeClr>
+                </a:solidFill>
+              </a:rPr>
+              <a:t>Расширение инфраструктуры для поддержки роста числа пользователей и увеличения объемов обрабатываемых данных</a:t>
+            </a:r>
+            <a:endParaRPr lang="ru-RU" dirty="0">
+              <a:solidFill>
+                <a:schemeClr val="tx1">
+                  <a:lumMod val="95000"/>
+                  <a:lumOff val="5000"/>
+                </a:schemeClr>
+              </a:solidFill>
+            </a:endParaRPr>
+          </a:p>
+        </p:txBody>
+      </p:sp>
+    </p:spTree>
+    <p:extLst>
+      <p:ext uri="{BB962C8B-B14F-4D97-AF65-F5344CB8AC3E}">
+        <p14:creationId xmlns:p14="http://schemas.microsoft.com/office/powerpoint/2010/main" val="4099028158"/>
+      </p:ext>
+    </p:extLst>
+  </p:cSld>
+  <p:clrMapOvr>
+    <a:masterClrMapping/>
+  </p:clrMapOvr>
+</p:sld>
+</file>
+
+<file path=ppt/slides/slide7.xml><?xml version="1.0" encoding="utf-8"?>
 <p:sld xmlns:a="http://schemas.openxmlformats.org/drawingml/2006/main" xmlns:r="http://schemas.openxmlformats.org/officeDocument/2006/relationships" xmlns:p="http://schemas.openxmlformats.org/presentationml/2006/main">
   <p:cSld>
     <p:spTree>

--- a/pract/pract5/Презентация.pptx
+++ b/pract/pract5/Презентация.pptx
@@ -4,14 +4,17 @@
   <p:sldMasterIdLst>
     <p:sldMasterId id="2147483648" r:id="rId1"/>
   </p:sldMasterIdLst>
+  <p:notesMasterIdLst>
+    <p:notesMasterId r:id="rId9"/>
+  </p:notesMasterIdLst>
   <p:sldIdLst>
-    <p:sldId id="256" r:id="rId2"/>
+    <p:sldId id="265" r:id="rId2"/>
     <p:sldId id="257" r:id="rId3"/>
     <p:sldId id="258" r:id="rId4"/>
     <p:sldId id="260" r:id="rId5"/>
     <p:sldId id="262" r:id="rId6"/>
     <p:sldId id="263" r:id="rId7"/>
-    <p:sldId id="261" r:id="rId8"/>
+    <p:sldId id="264" r:id="rId8"/>
   </p:sldIdLst>
   <p:sldSz cx="12192000" cy="6858000"/>
   <p:notesSz cx="6858000" cy="9144000"/>
@@ -118,6 +121,524 @@
 </p:presentation>
 </file>
 
+<file path=ppt/notesMasters/notesMaster1.xml><?xml version="1.0" encoding="utf-8"?>
+<p:notesMaster xmlns:a="http://schemas.openxmlformats.org/drawingml/2006/main" xmlns:r="http://schemas.openxmlformats.org/officeDocument/2006/relationships" xmlns:p="http://schemas.openxmlformats.org/presentationml/2006/main">
+  <p:cSld>
+    <p:bg>
+      <p:bgRef idx="1001">
+        <a:schemeClr val="bg1"/>
+      </p:bgRef>
+    </p:bg>
+    <p:spTree>
+      <p:nvGrpSpPr>
+        <p:cNvPr id="1" name=""/>
+        <p:cNvGrpSpPr/>
+        <p:nvPr/>
+      </p:nvGrpSpPr>
+      <p:grpSpPr>
+        <a:xfrm>
+          <a:off x="0" y="0"/>
+          <a:ext cx="0" cy="0"/>
+          <a:chOff x="0" y="0"/>
+          <a:chExt cx="0" cy="0"/>
+        </a:xfrm>
+      </p:grpSpPr>
+      <p:sp>
+        <p:nvSpPr>
+          <p:cNvPr id="2" name="Верхний колонтитул 1"/>
+          <p:cNvSpPr>
+            <a:spLocks noGrp="1"/>
+          </p:cNvSpPr>
+          <p:nvPr>
+            <p:ph type="hdr" sz="quarter"/>
+          </p:nvPr>
+        </p:nvSpPr>
+        <p:spPr>
+          <a:xfrm>
+            <a:off x="0" y="0"/>
+            <a:ext cx="2971800" cy="458788"/>
+          </a:xfrm>
+          <a:prstGeom prst="rect">
+            <a:avLst/>
+          </a:prstGeom>
+        </p:spPr>
+        <p:txBody>
+          <a:bodyPr vert="horz" lIns="91440" tIns="45720" rIns="91440" bIns="45720" rtlCol="0"/>
+          <a:lstStyle>
+            <a:lvl1pPr algn="l">
+              <a:defRPr sz="1200"/>
+            </a:lvl1pPr>
+          </a:lstStyle>
+          <a:p>
+            <a:endParaRPr lang="ru-RU"/>
+          </a:p>
+        </p:txBody>
+      </p:sp>
+      <p:sp>
+        <p:nvSpPr>
+          <p:cNvPr id="3" name="Дата 2"/>
+          <p:cNvSpPr>
+            <a:spLocks noGrp="1"/>
+          </p:cNvSpPr>
+          <p:nvPr>
+            <p:ph type="dt" idx="1"/>
+          </p:nvPr>
+        </p:nvSpPr>
+        <p:spPr>
+          <a:xfrm>
+            <a:off x="3884613" y="0"/>
+            <a:ext cx="2971800" cy="458788"/>
+          </a:xfrm>
+          <a:prstGeom prst="rect">
+            <a:avLst/>
+          </a:prstGeom>
+        </p:spPr>
+        <p:txBody>
+          <a:bodyPr vert="horz" lIns="91440" tIns="45720" rIns="91440" bIns="45720" rtlCol="0"/>
+          <a:lstStyle>
+            <a:lvl1pPr algn="r">
+              <a:defRPr sz="1200"/>
+            </a:lvl1pPr>
+          </a:lstStyle>
+          <a:p>
+            <a:fld id="{692ADD4E-078F-4772-92AF-E66E9E622DBA}" type="datetimeFigureOut">
+              <a:rPr lang="ru-RU" smtClean="0"/>
+              <a:t>16.12.2025</a:t>
+            </a:fld>
+            <a:endParaRPr lang="ru-RU"/>
+          </a:p>
+        </p:txBody>
+      </p:sp>
+      <p:sp>
+        <p:nvSpPr>
+          <p:cNvPr id="4" name="Образ слайда 3"/>
+          <p:cNvSpPr>
+            <a:spLocks noGrp="1" noRot="1" noChangeAspect="1"/>
+          </p:cNvSpPr>
+          <p:nvPr>
+            <p:ph type="sldImg" idx="2"/>
+          </p:nvPr>
+        </p:nvSpPr>
+        <p:spPr>
+          <a:xfrm>
+            <a:off x="685800" y="1143000"/>
+            <a:ext cx="5486400" cy="3086100"/>
+          </a:xfrm>
+          <a:prstGeom prst="rect">
+            <a:avLst/>
+          </a:prstGeom>
+          <a:noFill/>
+          <a:ln w="12700">
+            <a:solidFill>
+              <a:prstClr val="black"/>
+            </a:solidFill>
+          </a:ln>
+        </p:spPr>
+        <p:txBody>
+          <a:bodyPr vert="horz" lIns="91440" tIns="45720" rIns="91440" bIns="45720" rtlCol="0" anchor="ctr"/>
+          <a:lstStyle/>
+          <a:p>
+            <a:endParaRPr lang="ru-RU"/>
+          </a:p>
+        </p:txBody>
+      </p:sp>
+      <p:sp>
+        <p:nvSpPr>
+          <p:cNvPr id="5" name="Заметки 4"/>
+          <p:cNvSpPr>
+            <a:spLocks noGrp="1"/>
+          </p:cNvSpPr>
+          <p:nvPr>
+            <p:ph type="body" sz="quarter" idx="3"/>
+          </p:nvPr>
+        </p:nvSpPr>
+        <p:spPr>
+          <a:xfrm>
+            <a:off x="685800" y="4400550"/>
+            <a:ext cx="5486400" cy="3600450"/>
+          </a:xfrm>
+          <a:prstGeom prst="rect">
+            <a:avLst/>
+          </a:prstGeom>
+        </p:spPr>
+        <p:txBody>
+          <a:bodyPr vert="horz" lIns="91440" tIns="45720" rIns="91440" bIns="45720" rtlCol="0"/>
+          <a:lstStyle/>
+          <a:p>
+            <a:pPr lvl="0"/>
+            <a:r>
+              <a:rPr lang="ru-RU" smtClean="0"/>
+              <a:t>Образец текста</a:t>
+            </a:r>
+          </a:p>
+          <a:p>
+            <a:pPr lvl="1"/>
+            <a:r>
+              <a:rPr lang="ru-RU" smtClean="0"/>
+              <a:t>Второй уровень</a:t>
+            </a:r>
+          </a:p>
+          <a:p>
+            <a:pPr lvl="2"/>
+            <a:r>
+              <a:rPr lang="ru-RU" smtClean="0"/>
+              <a:t>Третий уровень</a:t>
+            </a:r>
+          </a:p>
+          <a:p>
+            <a:pPr lvl="3"/>
+            <a:r>
+              <a:rPr lang="ru-RU" smtClean="0"/>
+              <a:t>Четвертый уровень</a:t>
+            </a:r>
+          </a:p>
+          <a:p>
+            <a:pPr lvl="4"/>
+            <a:r>
+              <a:rPr lang="ru-RU" smtClean="0"/>
+              <a:t>Пятый уровень</a:t>
+            </a:r>
+            <a:endParaRPr lang="ru-RU"/>
+          </a:p>
+        </p:txBody>
+      </p:sp>
+      <p:sp>
+        <p:nvSpPr>
+          <p:cNvPr id="6" name="Нижний колонтитул 5"/>
+          <p:cNvSpPr>
+            <a:spLocks noGrp="1"/>
+          </p:cNvSpPr>
+          <p:nvPr>
+            <p:ph type="ftr" sz="quarter" idx="4"/>
+          </p:nvPr>
+        </p:nvSpPr>
+        <p:spPr>
+          <a:xfrm>
+            <a:off x="0" y="8685213"/>
+            <a:ext cx="2971800" cy="458787"/>
+          </a:xfrm>
+          <a:prstGeom prst="rect">
+            <a:avLst/>
+          </a:prstGeom>
+        </p:spPr>
+        <p:txBody>
+          <a:bodyPr vert="horz" lIns="91440" tIns="45720" rIns="91440" bIns="45720" rtlCol="0" anchor="b"/>
+          <a:lstStyle>
+            <a:lvl1pPr algn="l">
+              <a:defRPr sz="1200"/>
+            </a:lvl1pPr>
+          </a:lstStyle>
+          <a:p>
+            <a:endParaRPr lang="ru-RU"/>
+          </a:p>
+        </p:txBody>
+      </p:sp>
+      <p:sp>
+        <p:nvSpPr>
+          <p:cNvPr id="7" name="Номер слайда 6"/>
+          <p:cNvSpPr>
+            <a:spLocks noGrp="1"/>
+          </p:cNvSpPr>
+          <p:nvPr>
+            <p:ph type="sldNum" sz="quarter" idx="5"/>
+          </p:nvPr>
+        </p:nvSpPr>
+        <p:spPr>
+          <a:xfrm>
+            <a:off x="3884613" y="8685213"/>
+            <a:ext cx="2971800" cy="458787"/>
+          </a:xfrm>
+          <a:prstGeom prst="rect">
+            <a:avLst/>
+          </a:prstGeom>
+        </p:spPr>
+        <p:txBody>
+          <a:bodyPr vert="horz" lIns="91440" tIns="45720" rIns="91440" bIns="45720" rtlCol="0" anchor="b"/>
+          <a:lstStyle>
+            <a:lvl1pPr algn="r">
+              <a:defRPr sz="1200"/>
+            </a:lvl1pPr>
+          </a:lstStyle>
+          <a:p>
+            <a:fld id="{D0A412D9-1087-4D22-95C5-BA6DFCDA5695}" type="slidenum">
+              <a:rPr lang="ru-RU" smtClean="0"/>
+              <a:t>‹#›</a:t>
+            </a:fld>
+            <a:endParaRPr lang="ru-RU"/>
+          </a:p>
+        </p:txBody>
+      </p:sp>
+    </p:spTree>
+    <p:extLst>
+      <p:ext uri="{BB962C8B-B14F-4D97-AF65-F5344CB8AC3E}">
+        <p14:creationId xmlns:p14="http://schemas.microsoft.com/office/powerpoint/2010/main" val="2778822719"/>
+      </p:ext>
+    </p:extLst>
+  </p:cSld>
+  <p:clrMap bg1="lt1" tx1="dk1" bg2="lt2" tx2="dk2" accent1="accent1" accent2="accent2" accent3="accent3" accent4="accent4" accent5="accent5" accent6="accent6" hlink="hlink" folHlink="folHlink"/>
+  <p:notesStyle>
+    <a:lvl1pPr marL="0" algn="l" defTabSz="914400" rtl="0" eaLnBrk="1" latinLnBrk="0" hangingPunct="1">
+      <a:defRPr sz="1200" kern="1200">
+        <a:solidFill>
+          <a:schemeClr val="tx1"/>
+        </a:solidFill>
+        <a:latin typeface="+mn-lt"/>
+        <a:ea typeface="+mn-ea"/>
+        <a:cs typeface="+mn-cs"/>
+      </a:defRPr>
+    </a:lvl1pPr>
+    <a:lvl2pPr marL="457200" algn="l" defTabSz="914400" rtl="0" eaLnBrk="1" latinLnBrk="0" hangingPunct="1">
+      <a:defRPr sz="1200" kern="1200">
+        <a:solidFill>
+          <a:schemeClr val="tx1"/>
+        </a:solidFill>
+        <a:latin typeface="+mn-lt"/>
+        <a:ea typeface="+mn-ea"/>
+        <a:cs typeface="+mn-cs"/>
+      </a:defRPr>
+    </a:lvl2pPr>
+    <a:lvl3pPr marL="914400" algn="l" defTabSz="914400" rtl="0" eaLnBrk="1" latinLnBrk="0" hangingPunct="1">
+      <a:defRPr sz="1200" kern="1200">
+        <a:solidFill>
+          <a:schemeClr val="tx1"/>
+        </a:solidFill>
+        <a:latin typeface="+mn-lt"/>
+        <a:ea typeface="+mn-ea"/>
+        <a:cs typeface="+mn-cs"/>
+      </a:defRPr>
+    </a:lvl3pPr>
+    <a:lvl4pPr marL="1371600" algn="l" defTabSz="914400" rtl="0" eaLnBrk="1" latinLnBrk="0" hangingPunct="1">
+      <a:defRPr sz="1200" kern="1200">
+        <a:solidFill>
+          <a:schemeClr val="tx1"/>
+        </a:solidFill>
+        <a:latin typeface="+mn-lt"/>
+        <a:ea typeface="+mn-ea"/>
+        <a:cs typeface="+mn-cs"/>
+      </a:defRPr>
+    </a:lvl4pPr>
+    <a:lvl5pPr marL="1828800" algn="l" defTabSz="914400" rtl="0" eaLnBrk="1" latinLnBrk="0" hangingPunct="1">
+      <a:defRPr sz="1200" kern="1200">
+        <a:solidFill>
+          <a:schemeClr val="tx1"/>
+        </a:solidFill>
+        <a:latin typeface="+mn-lt"/>
+        <a:ea typeface="+mn-ea"/>
+        <a:cs typeface="+mn-cs"/>
+      </a:defRPr>
+    </a:lvl5pPr>
+    <a:lvl6pPr marL="2286000" algn="l" defTabSz="914400" rtl="0" eaLnBrk="1" latinLnBrk="0" hangingPunct="1">
+      <a:defRPr sz="1200" kern="1200">
+        <a:solidFill>
+          <a:schemeClr val="tx1"/>
+        </a:solidFill>
+        <a:latin typeface="+mn-lt"/>
+        <a:ea typeface="+mn-ea"/>
+        <a:cs typeface="+mn-cs"/>
+      </a:defRPr>
+    </a:lvl6pPr>
+    <a:lvl7pPr marL="2743200" algn="l" defTabSz="914400" rtl="0" eaLnBrk="1" latinLnBrk="0" hangingPunct="1">
+      <a:defRPr sz="1200" kern="1200">
+        <a:solidFill>
+          <a:schemeClr val="tx1"/>
+        </a:solidFill>
+        <a:latin typeface="+mn-lt"/>
+        <a:ea typeface="+mn-ea"/>
+        <a:cs typeface="+mn-cs"/>
+      </a:defRPr>
+    </a:lvl7pPr>
+    <a:lvl8pPr marL="3200400" algn="l" defTabSz="914400" rtl="0" eaLnBrk="1" latinLnBrk="0" hangingPunct="1">
+      <a:defRPr sz="1200" kern="1200">
+        <a:solidFill>
+          <a:schemeClr val="tx1"/>
+        </a:solidFill>
+        <a:latin typeface="+mn-lt"/>
+        <a:ea typeface="+mn-ea"/>
+        <a:cs typeface="+mn-cs"/>
+      </a:defRPr>
+    </a:lvl8pPr>
+    <a:lvl9pPr marL="3657600" algn="l" defTabSz="914400" rtl="0" eaLnBrk="1" latinLnBrk="0" hangingPunct="1">
+      <a:defRPr sz="1200" kern="1200">
+        <a:solidFill>
+          <a:schemeClr val="tx1"/>
+        </a:solidFill>
+        <a:latin typeface="+mn-lt"/>
+        <a:ea typeface="+mn-ea"/>
+        <a:cs typeface="+mn-cs"/>
+      </a:defRPr>
+    </a:lvl9pPr>
+  </p:notesStyle>
+</p:notesMaster>
+</file>
+
+<file path=ppt/notesSlides/notesSlide1.xml><?xml version="1.0" encoding="utf-8"?>
+<p:notes xmlns:a="http://schemas.openxmlformats.org/drawingml/2006/main" xmlns:r="http://schemas.openxmlformats.org/officeDocument/2006/relationships" xmlns:p="http://schemas.openxmlformats.org/presentationml/2006/main">
+  <p:cSld>
+    <p:spTree>
+      <p:nvGrpSpPr>
+        <p:cNvPr id="1" name=""/>
+        <p:cNvGrpSpPr/>
+        <p:nvPr/>
+      </p:nvGrpSpPr>
+      <p:grpSpPr>
+        <a:xfrm>
+          <a:off x="0" y="0"/>
+          <a:ext cx="0" cy="0"/>
+          <a:chOff x="0" y="0"/>
+          <a:chExt cx="0" cy="0"/>
+        </a:xfrm>
+      </p:grpSpPr>
+      <p:sp>
+        <p:nvSpPr>
+          <p:cNvPr id="2" name="Образ слайда 1"/>
+          <p:cNvSpPr>
+            <a:spLocks noGrp="1" noRot="1" noChangeAspect="1"/>
+          </p:cNvSpPr>
+          <p:nvPr>
+            <p:ph type="sldImg"/>
+          </p:nvPr>
+        </p:nvSpPr>
+        <p:spPr/>
+      </p:sp>
+      <p:sp>
+        <p:nvSpPr>
+          <p:cNvPr id="3" name="Заметки 2"/>
+          <p:cNvSpPr>
+            <a:spLocks noGrp="1"/>
+          </p:cNvSpPr>
+          <p:nvPr>
+            <p:ph type="body" idx="1"/>
+          </p:nvPr>
+        </p:nvSpPr>
+        <p:spPr/>
+        <p:txBody>
+          <a:bodyPr/>
+          <a:lstStyle/>
+          <a:p>
+            <a:endParaRPr lang="ru-RU" dirty="0"/>
+          </a:p>
+        </p:txBody>
+      </p:sp>
+      <p:sp>
+        <p:nvSpPr>
+          <p:cNvPr id="4" name="Номер слайда 3"/>
+          <p:cNvSpPr>
+            <a:spLocks noGrp="1"/>
+          </p:cNvSpPr>
+          <p:nvPr>
+            <p:ph type="sldNum" sz="quarter" idx="10"/>
+          </p:nvPr>
+        </p:nvSpPr>
+        <p:spPr/>
+        <p:txBody>
+          <a:bodyPr/>
+          <a:lstStyle/>
+          <a:p>
+            <a:fld id="{D0A412D9-1087-4D22-95C5-BA6DFCDA5695}" type="slidenum">
+              <a:rPr lang="ru-RU" smtClean="0"/>
+              <a:t>1</a:t>
+            </a:fld>
+            <a:endParaRPr lang="ru-RU"/>
+          </a:p>
+        </p:txBody>
+      </p:sp>
+    </p:spTree>
+    <p:extLst>
+      <p:ext uri="{BB962C8B-B14F-4D97-AF65-F5344CB8AC3E}">
+        <p14:creationId xmlns:p14="http://schemas.microsoft.com/office/powerpoint/2010/main" val="422015722"/>
+      </p:ext>
+    </p:extLst>
+  </p:cSld>
+  <p:clrMapOvr>
+    <a:masterClrMapping/>
+  </p:clrMapOvr>
+</p:notes>
+</file>
+
+<file path=ppt/notesSlides/notesSlide2.xml><?xml version="1.0" encoding="utf-8"?>
+<p:notes xmlns:a="http://schemas.openxmlformats.org/drawingml/2006/main" xmlns:r="http://schemas.openxmlformats.org/officeDocument/2006/relationships" xmlns:p="http://schemas.openxmlformats.org/presentationml/2006/main">
+  <p:cSld>
+    <p:spTree>
+      <p:nvGrpSpPr>
+        <p:cNvPr id="1" name=""/>
+        <p:cNvGrpSpPr/>
+        <p:nvPr/>
+      </p:nvGrpSpPr>
+      <p:grpSpPr>
+        <a:xfrm>
+          <a:off x="0" y="0"/>
+          <a:ext cx="0" cy="0"/>
+          <a:chOff x="0" y="0"/>
+          <a:chExt cx="0" cy="0"/>
+        </a:xfrm>
+      </p:grpSpPr>
+      <p:sp>
+        <p:nvSpPr>
+          <p:cNvPr id="2" name="Образ слайда 1"/>
+          <p:cNvSpPr>
+            <a:spLocks noGrp="1" noRot="1" noChangeAspect="1"/>
+          </p:cNvSpPr>
+          <p:nvPr>
+            <p:ph type="sldImg"/>
+          </p:nvPr>
+        </p:nvSpPr>
+        <p:spPr/>
+      </p:sp>
+      <p:sp>
+        <p:nvSpPr>
+          <p:cNvPr id="3" name="Заметки 2"/>
+          <p:cNvSpPr>
+            <a:spLocks noGrp="1"/>
+          </p:cNvSpPr>
+          <p:nvPr>
+            <p:ph type="body" idx="1"/>
+          </p:nvPr>
+        </p:nvSpPr>
+        <p:spPr/>
+        <p:txBody>
+          <a:bodyPr/>
+          <a:lstStyle/>
+          <a:p>
+            <a:endParaRPr lang="ru-RU" dirty="0"/>
+          </a:p>
+        </p:txBody>
+      </p:sp>
+      <p:sp>
+        <p:nvSpPr>
+          <p:cNvPr id="4" name="Номер слайда 3"/>
+          <p:cNvSpPr>
+            <a:spLocks noGrp="1"/>
+          </p:cNvSpPr>
+          <p:nvPr>
+            <p:ph type="sldNum" sz="quarter" idx="10"/>
+          </p:nvPr>
+        </p:nvSpPr>
+        <p:spPr/>
+        <p:txBody>
+          <a:bodyPr/>
+          <a:lstStyle/>
+          <a:p>
+            <a:fld id="{D0A412D9-1087-4D22-95C5-BA6DFCDA5695}" type="slidenum">
+              <a:rPr lang="ru-RU" smtClean="0"/>
+              <a:t>7</a:t>
+            </a:fld>
+            <a:endParaRPr lang="ru-RU"/>
+          </a:p>
+        </p:txBody>
+      </p:sp>
+    </p:spTree>
+    <p:extLst>
+      <p:ext uri="{BB962C8B-B14F-4D97-AF65-F5344CB8AC3E}">
+        <p14:creationId xmlns:p14="http://schemas.microsoft.com/office/powerpoint/2010/main" val="2364822204"/>
+      </p:ext>
+    </p:extLst>
+  </p:cSld>
+  <p:clrMapOvr>
+    <a:masterClrMapping/>
+  </p:clrMapOvr>
+</p:notes>
+</file>
+
 <file path=ppt/slideLayouts/slideLayout1.xml><?xml version="1.0" encoding="utf-8"?>
 <p:sldLayout xmlns:a="http://schemas.openxmlformats.org/drawingml/2006/main" xmlns:r="http://schemas.openxmlformats.org/officeDocument/2006/relationships" xmlns:p="http://schemas.openxmlformats.org/presentationml/2006/main" type="title" preserve="1">
   <p:cSld name="Титульный слайд">
@@ -265,7 +786,7 @@
           <a:p>
             <a:fld id="{4831AA2A-E8B1-4CEB-9B75-D4DB861D2839}" type="datetimeFigureOut">
               <a:rPr lang="ru-RU" smtClean="0"/>
-              <a:t>10.12.2025</a:t>
+              <a:t>16.12.2025</a:t>
             </a:fld>
             <a:endParaRPr lang="ru-RU"/>
           </a:p>
@@ -463,7 +984,7 @@
           <a:p>
             <a:fld id="{4831AA2A-E8B1-4CEB-9B75-D4DB861D2839}" type="datetimeFigureOut">
               <a:rPr lang="ru-RU" smtClean="0"/>
-              <a:t>10.12.2025</a:t>
+              <a:t>16.12.2025</a:t>
             </a:fld>
             <a:endParaRPr lang="ru-RU"/>
           </a:p>
@@ -671,7 +1192,7 @@
           <a:p>
             <a:fld id="{4831AA2A-E8B1-4CEB-9B75-D4DB861D2839}" type="datetimeFigureOut">
               <a:rPr lang="ru-RU" smtClean="0"/>
-              <a:t>10.12.2025</a:t>
+              <a:t>16.12.2025</a:t>
             </a:fld>
             <a:endParaRPr lang="ru-RU"/>
           </a:p>
@@ -869,7 +1390,7 @@
           <a:p>
             <a:fld id="{4831AA2A-E8B1-4CEB-9B75-D4DB861D2839}" type="datetimeFigureOut">
               <a:rPr lang="ru-RU" smtClean="0"/>
-              <a:t>10.12.2025</a:t>
+              <a:t>16.12.2025</a:t>
             </a:fld>
             <a:endParaRPr lang="ru-RU"/>
           </a:p>
@@ -1144,7 +1665,7 @@
           <a:p>
             <a:fld id="{4831AA2A-E8B1-4CEB-9B75-D4DB861D2839}" type="datetimeFigureOut">
               <a:rPr lang="ru-RU" smtClean="0"/>
-              <a:t>10.12.2025</a:t>
+              <a:t>16.12.2025</a:t>
             </a:fld>
             <a:endParaRPr lang="ru-RU"/>
           </a:p>
@@ -1409,7 +1930,7 @@
           <a:p>
             <a:fld id="{4831AA2A-E8B1-4CEB-9B75-D4DB861D2839}" type="datetimeFigureOut">
               <a:rPr lang="ru-RU" smtClean="0"/>
-              <a:t>10.12.2025</a:t>
+              <a:t>16.12.2025</a:t>
             </a:fld>
             <a:endParaRPr lang="ru-RU"/>
           </a:p>
@@ -1821,7 +2342,7 @@
           <a:p>
             <a:fld id="{4831AA2A-E8B1-4CEB-9B75-D4DB861D2839}" type="datetimeFigureOut">
               <a:rPr lang="ru-RU" smtClean="0"/>
-              <a:t>10.12.2025</a:t>
+              <a:t>16.12.2025</a:t>
             </a:fld>
             <a:endParaRPr lang="ru-RU"/>
           </a:p>
@@ -1962,7 +2483,7 @@
           <a:p>
             <a:fld id="{4831AA2A-E8B1-4CEB-9B75-D4DB861D2839}" type="datetimeFigureOut">
               <a:rPr lang="ru-RU" smtClean="0"/>
-              <a:t>10.12.2025</a:t>
+              <a:t>16.12.2025</a:t>
             </a:fld>
             <a:endParaRPr lang="ru-RU"/>
           </a:p>
@@ -2075,7 +2596,7 @@
           <a:p>
             <a:fld id="{4831AA2A-E8B1-4CEB-9B75-D4DB861D2839}" type="datetimeFigureOut">
               <a:rPr lang="ru-RU" smtClean="0"/>
-              <a:t>10.12.2025</a:t>
+              <a:t>16.12.2025</a:t>
             </a:fld>
             <a:endParaRPr lang="ru-RU"/>
           </a:p>
@@ -2386,7 +2907,7 @@
           <a:p>
             <a:fld id="{4831AA2A-E8B1-4CEB-9B75-D4DB861D2839}" type="datetimeFigureOut">
               <a:rPr lang="ru-RU" smtClean="0"/>
-              <a:t>10.12.2025</a:t>
+              <a:t>16.12.2025</a:t>
             </a:fld>
             <a:endParaRPr lang="ru-RU"/>
           </a:p>
@@ -2674,7 +3195,7 @@
           <a:p>
             <a:fld id="{4831AA2A-E8B1-4CEB-9B75-D4DB861D2839}" type="datetimeFigureOut">
               <a:rPr lang="ru-RU" smtClean="0"/>
-              <a:t>10.12.2025</a:t>
+              <a:t>16.12.2025</a:t>
             </a:fld>
             <a:endParaRPr lang="ru-RU"/>
           </a:p>
@@ -2924,7 +3445,7 @@
           <a:p>
             <a:fld id="{4831AA2A-E8B1-4CEB-9B75-D4DB861D2839}" type="datetimeFigureOut">
               <a:rPr lang="ru-RU" smtClean="0"/>
-              <a:t>10.12.2025</a:t>
+              <a:t>16.12.2025</a:t>
             </a:fld>
             <a:endParaRPr lang="ru-RU"/>
           </a:p>
@@ -3356,7 +3877,7 @@
           <p:nvPr/>
         </p:nvPicPr>
         <p:blipFill>
-          <a:blip r:embed="rId2">
+          <a:blip r:embed="rId3">
             <a:extLst>
               <a:ext uri="{28A0092B-C50C-407E-A947-70E740481C1C}">
                 <a14:useLocalDpi xmlns:a14="http://schemas.microsoft.com/office/drawing/2010/main" val="0"/>
@@ -3369,7 +3890,7 @@
         </p:blipFill>
         <p:spPr>
           <a:xfrm>
-            <a:off x="1833527" y="616628"/>
+            <a:off x="334425" y="2858682"/>
             <a:ext cx="4014819" cy="1703850"/>
           </a:xfrm>
           <a:prstGeom prst="rect">
@@ -3391,7 +3912,7 @@
         </p:nvSpPr>
         <p:spPr>
           <a:xfrm>
-            <a:off x="5990726" y="755809"/>
+            <a:off x="253901" y="3998223"/>
             <a:ext cx="4538663" cy="1477328"/>
           </a:xfrm>
           <a:prstGeom prst="rect">
@@ -3432,7 +3953,7 @@
           <p:nvPr/>
         </p:nvPicPr>
         <p:blipFill>
-          <a:blip r:embed="rId3">
+          <a:blip r:embed="rId4">
             <a:extLst>
               <a:ext uri="{28A0092B-C50C-407E-A947-70E740481C1C}">
                 <a14:useLocalDpi xmlns:a14="http://schemas.microsoft.com/office/drawing/2010/main" val="0"/>
@@ -3445,7 +3966,7 @@
         </p:blipFill>
         <p:spPr>
           <a:xfrm>
-            <a:off x="8715461" y="-832190"/>
+            <a:off x="7401011" y="-720367"/>
             <a:ext cx="10270314" cy="6858000"/>
           </a:xfrm>
           <a:prstGeom prst="rect">
@@ -3453,16 +3974,616 @@
           </a:prstGeom>
         </p:spPr>
       </p:pic>
+      <p:sp>
+        <p:nvSpPr>
+          <p:cNvPr id="6" name="TextBox 5">
+            <a:extLst>
+              <a:ext uri="{FF2B5EF4-FFF2-40B4-BE49-F238E27FC236}">
+                <a16:creationId xmlns:a16="http://schemas.microsoft.com/office/drawing/2014/main" id="{CA8662DA-2923-ABA8-6684-4AD10EA253A9}"/>
+              </a:ext>
+            </a:extLst>
+          </p:cNvPr>
+          <p:cNvSpPr txBox="1"/>
+          <p:nvPr/>
+        </p:nvSpPr>
+        <p:spPr>
+          <a:xfrm>
+            <a:off x="5931193" y="5845245"/>
+            <a:ext cx="10937526" cy="584775"/>
+          </a:xfrm>
+          <a:prstGeom prst="rect">
+            <a:avLst/>
+          </a:prstGeom>
+          <a:noFill/>
+        </p:spPr>
+        <p:txBody>
+          <a:bodyPr wrap="square" rtlCol="0">
+            <a:spAutoFit/>
+          </a:bodyPr>
+          <a:lstStyle/>
+          <a:p>
+            <a:r>
+              <a:rPr lang="ru-RU" sz="3200" dirty="0" smtClean="0">
+                <a:solidFill>
+                  <a:schemeClr val="bg2"/>
+                </a:solidFill>
+                <a:latin typeface="Franklin Gothic Medium" panose="020B0603020102020204" pitchFamily="34" charset="0"/>
+              </a:rPr>
+              <a:t>На пути к совершенному дизайну</a:t>
+            </a:r>
+            <a:endParaRPr lang="ru-RU" sz="3200" dirty="0">
+              <a:solidFill>
+                <a:schemeClr val="bg2"/>
+              </a:solidFill>
+              <a:effectLst>
+                <a:outerShdw blurRad="190500" dist="50800" dir="5400000" sx="5000" sy="5000" algn="ctr" rotWithShape="0">
+                  <a:srgbClr val="000000">
+                    <a:alpha val="43137"/>
+                  </a:srgbClr>
+                </a:outerShdw>
+              </a:effectLst>
+              <a:latin typeface="Franklin Gothic Medium" panose="020B0603020102020204" pitchFamily="34" charset="0"/>
+            </a:endParaRPr>
+          </a:p>
+        </p:txBody>
+      </p:sp>
+      <p:sp>
+        <p:nvSpPr>
+          <p:cNvPr id="7" name="Прямоугольник 6"/>
+          <p:cNvSpPr/>
+          <p:nvPr/>
+        </p:nvSpPr>
+        <p:spPr>
+          <a:xfrm>
+            <a:off x="1210428" y="251680"/>
+            <a:ext cx="9441530" cy="2862322"/>
+          </a:xfrm>
+          <a:prstGeom prst="rect">
+            <a:avLst/>
+          </a:prstGeom>
+          <a:effectLst/>
+        </p:spPr>
+        <p:txBody>
+          <a:bodyPr wrap="square">
+            <a:spAutoFit/>
+          </a:bodyPr>
+          <a:lstStyle/>
+          <a:p>
+            <a:pPr algn="ctr"/>
+            <a:r>
+              <a:rPr lang="ru-RU" sz="2000" b="1" dirty="0">
+                <a:solidFill>
+                  <a:schemeClr val="bg2"/>
+                </a:solidFill>
+                <a:effectLst>
+                  <a:glow rad="228600">
+                    <a:schemeClr val="tx1">
+                      <a:alpha val="40000"/>
+                    </a:schemeClr>
+                  </a:glow>
+                </a:effectLst>
+              </a:rPr>
+              <a:t>ФЕДЕРАЛЬНОЕ ГОСУДАРСТВЕННОЕ БЮДЖЕТНОЕ ОБРАЗОВАТЕЛЬНОЕ</a:t>
+            </a:r>
+            <a:endParaRPr lang="ru-RU" sz="2000" dirty="0">
+              <a:solidFill>
+                <a:schemeClr val="bg2"/>
+              </a:solidFill>
+              <a:effectLst>
+                <a:glow rad="228600">
+                  <a:schemeClr val="tx1">
+                    <a:alpha val="40000"/>
+                  </a:schemeClr>
+                </a:glow>
+              </a:effectLst>
+            </a:endParaRPr>
+          </a:p>
+          <a:p>
+            <a:pPr algn="ctr"/>
+            <a:r>
+              <a:rPr lang="ru-RU" sz="2000" b="1" dirty="0">
+                <a:solidFill>
+                  <a:schemeClr val="bg2"/>
+                </a:solidFill>
+                <a:effectLst>
+                  <a:glow rad="228600">
+                    <a:schemeClr val="tx1">
+                      <a:alpha val="40000"/>
+                    </a:schemeClr>
+                  </a:glow>
+                </a:effectLst>
+              </a:rPr>
+              <a:t>УЧРЕЖДЕНИЕ ВЫСШЕГО ОБРАЗОВАНИЯ</a:t>
+            </a:r>
+            <a:endParaRPr lang="ru-RU" sz="2000" dirty="0">
+              <a:solidFill>
+                <a:schemeClr val="bg2"/>
+              </a:solidFill>
+              <a:effectLst>
+                <a:glow rad="228600">
+                  <a:schemeClr val="tx1">
+                    <a:alpha val="40000"/>
+                  </a:schemeClr>
+                </a:glow>
+              </a:effectLst>
+            </a:endParaRPr>
+          </a:p>
+          <a:p>
+            <a:pPr algn="ctr"/>
+            <a:r>
+              <a:rPr lang="ru-RU" sz="2000" b="1" dirty="0">
+                <a:solidFill>
+                  <a:schemeClr val="bg2"/>
+                </a:solidFill>
+                <a:effectLst>
+                  <a:glow rad="228600">
+                    <a:schemeClr val="tx1">
+                      <a:alpha val="40000"/>
+                    </a:schemeClr>
+                  </a:glow>
+                </a:effectLst>
+              </a:rPr>
+              <a:t>«САНКТ-ПЕТЕРБУРГСКИЙ ГОСУДАРСТВЕННЫЙ УНИВЕРСИТЕТ</a:t>
+            </a:r>
+          </a:p>
+          <a:p>
+            <a:pPr algn="ctr"/>
+            <a:r>
+              <a:rPr lang="ru-RU" sz="2000" b="1" dirty="0">
+                <a:solidFill>
+                  <a:schemeClr val="bg2"/>
+                </a:solidFill>
+                <a:effectLst>
+                  <a:glow rad="228600">
+                    <a:schemeClr val="tx1">
+                      <a:alpha val="40000"/>
+                    </a:schemeClr>
+                  </a:glow>
+                </a:effectLst>
+              </a:rPr>
+              <a:t>ТЕЛЕКОММУНИКАЦИЙ ИМ. ПРОФ. М.А. БОНЧ-БРУЕВИЧА»</a:t>
+            </a:r>
+            <a:endParaRPr lang="ru-RU" sz="2000" dirty="0">
+              <a:solidFill>
+                <a:schemeClr val="bg2"/>
+              </a:solidFill>
+              <a:effectLst>
+                <a:glow rad="228600">
+                  <a:schemeClr val="tx1">
+                    <a:alpha val="40000"/>
+                  </a:schemeClr>
+                </a:glow>
+              </a:effectLst>
+            </a:endParaRPr>
+          </a:p>
+          <a:p>
+            <a:pPr algn="ctr"/>
+            <a:r>
+              <a:rPr lang="ru-RU" sz="2000" b="1" dirty="0">
+                <a:solidFill>
+                  <a:schemeClr val="bg2"/>
+                </a:solidFill>
+                <a:effectLst>
+                  <a:glow rad="228600">
+                    <a:schemeClr val="tx1">
+                      <a:alpha val="40000"/>
+                    </a:schemeClr>
+                  </a:glow>
+                </a:effectLst>
+              </a:rPr>
+              <a:t>(</a:t>
+            </a:r>
+            <a:r>
+              <a:rPr lang="ru-RU" sz="2000" b="1" dirty="0" err="1">
+                <a:solidFill>
+                  <a:schemeClr val="bg2"/>
+                </a:solidFill>
+                <a:effectLst>
+                  <a:glow rad="228600">
+                    <a:schemeClr val="tx1">
+                      <a:alpha val="40000"/>
+                    </a:schemeClr>
+                  </a:glow>
+                </a:effectLst>
+              </a:rPr>
+              <a:t>СПбГУТ</a:t>
+            </a:r>
+            <a:r>
+              <a:rPr lang="ru-RU" sz="2000" b="1" dirty="0">
+                <a:solidFill>
+                  <a:schemeClr val="bg2"/>
+                </a:solidFill>
+                <a:effectLst>
+                  <a:glow rad="228600">
+                    <a:schemeClr val="tx1">
+                      <a:alpha val="40000"/>
+                    </a:schemeClr>
+                  </a:glow>
+                </a:effectLst>
+              </a:rPr>
+              <a:t>)</a:t>
+            </a:r>
+            <a:endParaRPr lang="ru-RU" sz="2000" dirty="0">
+              <a:solidFill>
+                <a:schemeClr val="bg2"/>
+              </a:solidFill>
+              <a:effectLst>
+                <a:glow rad="228600">
+                  <a:schemeClr val="tx1">
+                    <a:alpha val="40000"/>
+                  </a:schemeClr>
+                </a:glow>
+              </a:effectLst>
+            </a:endParaRPr>
+          </a:p>
+          <a:p>
+            <a:pPr algn="ctr"/>
+            <a:r>
+              <a:rPr lang="ru-RU" sz="2000" b="1" dirty="0">
+                <a:solidFill>
+                  <a:schemeClr val="bg2"/>
+                </a:solidFill>
+                <a:effectLst>
+                  <a:glow rad="228600">
+                    <a:schemeClr val="tx1">
+                      <a:alpha val="40000"/>
+                    </a:schemeClr>
+                  </a:glow>
+                </a:effectLst>
+              </a:rPr>
+              <a:t> </a:t>
+            </a:r>
+            <a:endParaRPr lang="ru-RU" sz="2000" dirty="0">
+              <a:solidFill>
+                <a:schemeClr val="bg2"/>
+              </a:solidFill>
+              <a:effectLst>
+                <a:glow rad="228600">
+                  <a:schemeClr val="tx1">
+                    <a:alpha val="40000"/>
+                  </a:schemeClr>
+                </a:glow>
+              </a:effectLst>
+            </a:endParaRPr>
+          </a:p>
+          <a:p>
+            <a:pPr algn="ctr"/>
+            <a:r>
+              <a:rPr lang="ru-RU" sz="2000" b="1" dirty="0">
+                <a:solidFill>
+                  <a:schemeClr val="bg2"/>
+                </a:solidFill>
+                <a:effectLst>
+                  <a:glow rad="228600">
+                    <a:schemeClr val="tx1">
+                      <a:alpha val="40000"/>
+                    </a:schemeClr>
+                  </a:glow>
+                </a:effectLst>
+              </a:rPr>
+              <a:t>АРХАНГЕЛЬСКИЙ КОЛЛЕДЖ ТЕЛЕКОММУНИКАЦИЙ</a:t>
+            </a:r>
+            <a:endParaRPr lang="ru-RU" sz="2000" dirty="0">
+              <a:solidFill>
+                <a:schemeClr val="bg2"/>
+              </a:solidFill>
+              <a:effectLst>
+                <a:glow rad="228600">
+                  <a:schemeClr val="tx1">
+                    <a:alpha val="40000"/>
+                  </a:schemeClr>
+                </a:glow>
+              </a:effectLst>
+            </a:endParaRPr>
+          </a:p>
+          <a:p>
+            <a:pPr algn="ctr"/>
+            <a:r>
+              <a:rPr lang="ru-RU" sz="2000" b="1" dirty="0">
+                <a:solidFill>
+                  <a:schemeClr val="bg2"/>
+                </a:solidFill>
+                <a:effectLst>
+                  <a:glow rad="228600">
+                    <a:schemeClr val="tx1">
+                      <a:alpha val="40000"/>
+                    </a:schemeClr>
+                  </a:glow>
+                </a:effectLst>
+              </a:rPr>
+              <a:t>ИМ. Б.Л. РОЗИНГА (ФИЛИАЛ) </a:t>
+            </a:r>
+            <a:r>
+              <a:rPr lang="ru-RU" sz="2000" b="1" dirty="0" err="1">
+                <a:solidFill>
+                  <a:schemeClr val="bg2"/>
+                </a:solidFill>
+                <a:effectLst>
+                  <a:glow rad="228600">
+                    <a:schemeClr val="tx1">
+                      <a:alpha val="40000"/>
+                    </a:schemeClr>
+                  </a:glow>
+                </a:effectLst>
+              </a:rPr>
+              <a:t>СПбГУТ</a:t>
+            </a:r>
+            <a:endParaRPr lang="ru-RU" sz="2000" dirty="0">
+              <a:solidFill>
+                <a:schemeClr val="bg2"/>
+              </a:solidFill>
+              <a:effectLst>
+                <a:glow rad="228600">
+                  <a:schemeClr val="tx1">
+                    <a:alpha val="40000"/>
+                  </a:schemeClr>
+                </a:glow>
+              </a:effectLst>
+            </a:endParaRPr>
+          </a:p>
+          <a:p>
+            <a:pPr algn="ctr"/>
+            <a:r>
+              <a:rPr lang="ru-RU" sz="2000" b="1" dirty="0">
+                <a:solidFill>
+                  <a:schemeClr val="bg2"/>
+                </a:solidFill>
+                <a:effectLst>
+                  <a:glow rad="228600">
+                    <a:schemeClr val="tx1">
+                      <a:alpha val="40000"/>
+                    </a:schemeClr>
+                  </a:glow>
+                </a:effectLst>
+              </a:rPr>
+              <a:t>(АКТ (ф) </a:t>
+            </a:r>
+            <a:r>
+              <a:rPr lang="ru-RU" sz="2000" b="1" dirty="0" err="1">
+                <a:solidFill>
+                  <a:schemeClr val="bg2"/>
+                </a:solidFill>
+                <a:effectLst>
+                  <a:glow rad="228600">
+                    <a:schemeClr val="tx1">
+                      <a:alpha val="40000"/>
+                    </a:schemeClr>
+                  </a:glow>
+                </a:effectLst>
+              </a:rPr>
+              <a:t>СПбГУТ</a:t>
+            </a:r>
+            <a:r>
+              <a:rPr lang="ru-RU" sz="2000" b="1" dirty="0">
+                <a:solidFill>
+                  <a:schemeClr val="bg2"/>
+                </a:solidFill>
+                <a:effectLst>
+                  <a:glow rad="228600">
+                    <a:schemeClr val="tx1">
+                      <a:alpha val="40000"/>
+                    </a:schemeClr>
+                  </a:glow>
+                </a:effectLst>
+              </a:rPr>
+              <a:t>)</a:t>
+            </a:r>
+            <a:endParaRPr lang="ru-RU" sz="2000" dirty="0">
+              <a:solidFill>
+                <a:schemeClr val="bg2"/>
+              </a:solidFill>
+              <a:effectLst>
+                <a:glow rad="228600">
+                  <a:schemeClr val="tx1">
+                    <a:alpha val="40000"/>
+                  </a:schemeClr>
+                </a:glow>
+              </a:effectLst>
+            </a:endParaRPr>
+          </a:p>
+        </p:txBody>
+      </p:sp>
+      <p:sp>
+        <p:nvSpPr>
+          <p:cNvPr id="9" name="Подзаголовок 2"/>
+          <p:cNvSpPr>
+            <a:spLocks noGrp="1"/>
+          </p:cNvSpPr>
+          <p:nvPr>
+            <p:ph type="subTitle" idx="1"/>
+          </p:nvPr>
+        </p:nvSpPr>
+        <p:spPr>
+          <a:xfrm>
+            <a:off x="334425" y="5160818"/>
+            <a:ext cx="6400800" cy="1953627"/>
+          </a:xfrm>
+        </p:spPr>
+        <p:txBody>
+          <a:bodyPr>
+            <a:noAutofit/>
+          </a:bodyPr>
+          <a:lstStyle/>
+          <a:p>
+            <a:pPr algn="l">
+              <a:lnSpc>
+                <a:spcPct val="100000"/>
+              </a:lnSpc>
+              <a:spcBef>
+                <a:spcPts val="0"/>
+              </a:spcBef>
+            </a:pPr>
+            <a:r>
+              <a:rPr lang="ru-RU" sz="2000" b="1" dirty="0" smtClean="0">
+                <a:solidFill>
+                  <a:srgbClr val="1D1D1B"/>
+                </a:solidFill>
+              </a:rPr>
+              <a:t>Студенты ИСПП-31</a:t>
+            </a:r>
+            <a:r>
+              <a:rPr lang="ru-RU" sz="2000" b="1" dirty="0">
+                <a:solidFill>
+                  <a:srgbClr val="1D1D1B"/>
+                </a:solidFill>
+              </a:rPr>
+              <a:t>:</a:t>
+            </a:r>
+          </a:p>
+          <a:p>
+            <a:pPr algn="l">
+              <a:lnSpc>
+                <a:spcPct val="100000"/>
+              </a:lnSpc>
+              <a:spcBef>
+                <a:spcPts val="0"/>
+              </a:spcBef>
+            </a:pPr>
+            <a:r>
+              <a:rPr lang="ru-RU" sz="2000" b="1" dirty="0" smtClean="0">
+                <a:solidFill>
+                  <a:srgbClr val="1D1D1B"/>
+                </a:solidFill>
+              </a:rPr>
+              <a:t>Власов Вячеслав Валентинович</a:t>
+            </a:r>
+          </a:p>
+          <a:p>
+            <a:pPr algn="l">
+              <a:lnSpc>
+                <a:spcPct val="100000"/>
+              </a:lnSpc>
+              <a:spcBef>
+                <a:spcPts val="0"/>
+              </a:spcBef>
+            </a:pPr>
+            <a:r>
+              <a:rPr lang="ru-RU" sz="2000" b="1" dirty="0" smtClean="0">
+                <a:solidFill>
+                  <a:srgbClr val="1D1D1B"/>
+                </a:solidFill>
+              </a:rPr>
+              <a:t>Панов Матвей Иванович</a:t>
+            </a:r>
+            <a:endParaRPr lang="ru-RU" sz="2000" b="1" dirty="0">
+              <a:solidFill>
+                <a:srgbClr val="1D1D1B"/>
+              </a:solidFill>
+            </a:endParaRPr>
+          </a:p>
+          <a:p>
+            <a:pPr algn="l">
+              <a:lnSpc>
+                <a:spcPct val="100000"/>
+              </a:lnSpc>
+              <a:spcBef>
+                <a:spcPts val="0"/>
+              </a:spcBef>
+            </a:pPr>
+            <a:r>
+              <a:rPr lang="ru-RU" sz="2000" b="1" dirty="0">
+                <a:solidFill>
+                  <a:srgbClr val="1D1D1B"/>
+                </a:solidFill>
+              </a:rPr>
+              <a:t>Руководитель:</a:t>
+            </a:r>
+          </a:p>
+          <a:p>
+            <a:pPr algn="l">
+              <a:lnSpc>
+                <a:spcPct val="100000"/>
+              </a:lnSpc>
+              <a:spcBef>
+                <a:spcPts val="0"/>
+              </a:spcBef>
+            </a:pPr>
+            <a:r>
+              <a:rPr lang="ru-RU" sz="2000" b="1" dirty="0" smtClean="0">
+                <a:solidFill>
+                  <a:srgbClr val="1D1D1B"/>
+                </a:solidFill>
+              </a:rPr>
+              <a:t>Садовский Роман Викторович</a:t>
+            </a:r>
+            <a:endParaRPr lang="ru-RU" sz="2000" b="1" dirty="0">
+              <a:solidFill>
+                <a:srgbClr val="1D1D1B"/>
+              </a:solidFill>
+            </a:endParaRPr>
+          </a:p>
+        </p:txBody>
+      </p:sp>
+      <p:sp>
+        <p:nvSpPr>
+          <p:cNvPr id="10" name="TextBox 9">
+            <a:extLst>
+              <a:ext uri="{FF2B5EF4-FFF2-40B4-BE49-F238E27FC236}">
+                <a16:creationId xmlns:a16="http://schemas.microsoft.com/office/drawing/2014/main" id="{CA8662DA-2923-ABA8-6684-4AD10EA253A9}"/>
+              </a:ext>
+            </a:extLst>
+          </p:cNvPr>
+          <p:cNvSpPr txBox="1"/>
+          <p:nvPr/>
+        </p:nvSpPr>
+        <p:spPr>
+          <a:xfrm>
+            <a:off x="9468477" y="6360393"/>
+            <a:ext cx="10937526" cy="461665"/>
+          </a:xfrm>
+          <a:prstGeom prst="rect">
+            <a:avLst/>
+          </a:prstGeom>
+          <a:noFill/>
+        </p:spPr>
+        <p:txBody>
+          <a:bodyPr wrap="square" rtlCol="0">
+            <a:spAutoFit/>
+          </a:bodyPr>
+          <a:lstStyle/>
+          <a:p>
+            <a:r>
+              <a:rPr lang="ru-RU" sz="2400" dirty="0" smtClean="0">
+                <a:solidFill>
+                  <a:schemeClr val="bg2"/>
+                </a:solidFill>
+                <a:latin typeface="Franklin Gothic Medium" panose="020B0603020102020204" pitchFamily="34" charset="0"/>
+              </a:rPr>
+              <a:t>Архангельск 2025</a:t>
+            </a:r>
+            <a:endParaRPr lang="ru-RU" sz="2400" dirty="0">
+              <a:solidFill>
+                <a:schemeClr val="bg2"/>
+              </a:solidFill>
+              <a:effectLst>
+                <a:outerShdw blurRad="190500" dist="50800" dir="5400000" sx="5000" sy="5000" algn="ctr" rotWithShape="0">
+                  <a:srgbClr val="000000">
+                    <a:alpha val="43137"/>
+                  </a:srgbClr>
+                </a:outerShdw>
+              </a:effectLst>
+              <a:latin typeface="Franklin Gothic Medium" panose="020B0603020102020204" pitchFamily="34" charset="0"/>
+            </a:endParaRPr>
+          </a:p>
+        </p:txBody>
+      </p:sp>
     </p:spTree>
     <p:extLst>
       <p:ext uri="{BB962C8B-B14F-4D97-AF65-F5344CB8AC3E}">
-        <p14:creationId xmlns:p14="http://schemas.microsoft.com/office/powerpoint/2010/main" val="119549380"/>
+        <p14:creationId xmlns:p14="http://schemas.microsoft.com/office/powerpoint/2010/main" val="2536282668"/>
       </p:ext>
     </p:extLst>
   </p:cSld>
   <p:clrMapOvr>
     <a:masterClrMapping/>
   </p:clrMapOvr>
+  <p:timing>
+    <p:tnLst>
+      <p:par>
+        <p:cTn id="1" dur="indefinite" restart="never" nodeType="tmRoot"/>
+      </p:par>
+    </p:tnLst>
+  </p:timing>
 </p:sld>
 </file>
 
@@ -3771,7 +4892,7 @@
         </p:nvSpPr>
         <p:spPr>
           <a:xfrm>
-            <a:off x="412033" y="444176"/>
+            <a:off x="755576" y="404664"/>
             <a:ext cx="11270544" cy="2631490"/>
           </a:xfrm>
           <a:prstGeom prst="rect">
@@ -3938,6 +5059,74 @@
           </a:prstGeom>
         </p:spPr>
       </p:pic>
+      <p:sp>
+        <p:nvSpPr>
+          <p:cNvPr id="10" name="Прямоугольник 9"/>
+          <p:cNvSpPr/>
+          <p:nvPr/>
+        </p:nvSpPr>
+        <p:spPr>
+          <a:xfrm>
+            <a:off x="179512" y="116632"/>
+            <a:ext cx="576064" cy="576064"/>
+          </a:xfrm>
+          <a:prstGeom prst="rect">
+            <a:avLst/>
+          </a:prstGeom>
+          <a:solidFill>
+            <a:schemeClr val="bg1"/>
+          </a:solidFill>
+          <a:ln>
+            <a:solidFill>
+              <a:schemeClr val="tx2">
+                <a:lumMod val="75000"/>
+              </a:schemeClr>
+            </a:solidFill>
+          </a:ln>
+        </p:spPr>
+        <p:style>
+          <a:lnRef idx="2">
+            <a:schemeClr val="accent1">
+              <a:shade val="50000"/>
+            </a:schemeClr>
+          </a:lnRef>
+          <a:fillRef idx="1">
+            <a:schemeClr val="accent1"/>
+          </a:fillRef>
+          <a:effectRef idx="0">
+            <a:schemeClr val="accent1"/>
+          </a:effectRef>
+          <a:fontRef idx="minor">
+            <a:schemeClr val="lt1"/>
+          </a:fontRef>
+        </p:style>
+        <p:txBody>
+          <a:bodyPr rtlCol="0" anchor="ctr"/>
+          <a:lstStyle/>
+          <a:p>
+            <a:pPr algn="ctr"/>
+            <a:r>
+              <a:rPr lang="ru-RU" sz="3600" b="1" dirty="0">
+                <a:solidFill>
+                  <a:schemeClr val="tx1">
+                    <a:lumMod val="95000"/>
+                    <a:lumOff val="5000"/>
+                  </a:schemeClr>
+                </a:solidFill>
+              </a:rPr>
+              <a:t>2</a:t>
+            </a:r>
+            <a:endParaRPr lang="ru-RU" sz="3600" b="1" dirty="0">
+              <a:solidFill>
+                <a:schemeClr val="tx1">
+                  <a:lumMod val="95000"/>
+                  <a:lumOff val="5000"/>
+                </a:schemeClr>
+              </a:solidFill>
+            </a:endParaRPr>
+          </a:p>
+        </p:txBody>
+      </p:sp>
     </p:spTree>
     <p:extLst>
       <p:ext uri="{BB962C8B-B14F-4D97-AF65-F5344CB8AC3E}">
@@ -3948,6 +5137,13 @@
   <p:clrMapOvr>
     <a:masterClrMapping/>
   </p:clrMapOvr>
+  <p:timing>
+    <p:tnLst>
+      <p:par>
+        <p:cTn id="1" dur="indefinite" restart="never" nodeType="tmRoot"/>
+      </p:par>
+    </p:tnLst>
+  </p:timing>
 </p:sld>
 </file>
 
@@ -3982,7 +5178,7 @@
         </p:nvSpPr>
         <p:spPr>
           <a:xfrm>
-            <a:off x="491697" y="339286"/>
+            <a:off x="966193" y="323603"/>
             <a:ext cx="5183390" cy="1204684"/>
           </a:xfrm>
           <a:prstGeom prst="roundRect">
@@ -4761,14 +5957,6 @@
               </a:rPr>
               <a:t>)</a:t>
             </a:r>
-            <a:endParaRPr lang="ru-RU" dirty="0">
-              <a:solidFill>
-                <a:schemeClr val="tx1">
-                  <a:lumMod val="95000"/>
-                  <a:lumOff val="5000"/>
-                </a:schemeClr>
-              </a:solidFill>
-            </a:endParaRPr>
           </a:p>
         </p:txBody>
       </p:sp>
@@ -4905,14 +6093,6 @@
               </a:rPr>
               <a:t>Простота интеграции с существующими приложениями благодаря открытому API</a:t>
             </a:r>
-            <a:endParaRPr lang="ru-RU" dirty="0">
-              <a:solidFill>
-                <a:schemeClr val="tx1">
-                  <a:lumMod val="95000"/>
-                  <a:lumOff val="5000"/>
-                </a:schemeClr>
-              </a:solidFill>
-            </a:endParaRPr>
           </a:p>
         </p:txBody>
       </p:sp>
@@ -5020,6 +6200,66 @@
           </a:p>
         </p:txBody>
       </p:sp>
+      <p:sp>
+        <p:nvSpPr>
+          <p:cNvPr id="14" name="Прямоугольник 13"/>
+          <p:cNvSpPr/>
+          <p:nvPr/>
+        </p:nvSpPr>
+        <p:spPr>
+          <a:xfrm>
+            <a:off x="179512" y="116632"/>
+            <a:ext cx="576064" cy="576064"/>
+          </a:xfrm>
+          <a:prstGeom prst="rect">
+            <a:avLst/>
+          </a:prstGeom>
+          <a:solidFill>
+            <a:schemeClr val="bg1"/>
+          </a:solidFill>
+          <a:ln>
+            <a:solidFill>
+              <a:schemeClr val="tx2">
+                <a:lumMod val="75000"/>
+              </a:schemeClr>
+            </a:solidFill>
+          </a:ln>
+        </p:spPr>
+        <p:style>
+          <a:lnRef idx="2">
+            <a:schemeClr val="accent1">
+              <a:shade val="50000"/>
+            </a:schemeClr>
+          </a:lnRef>
+          <a:fillRef idx="1">
+            <a:schemeClr val="accent1"/>
+          </a:fillRef>
+          <a:effectRef idx="0">
+            <a:schemeClr val="accent1"/>
+          </a:effectRef>
+          <a:fontRef idx="minor">
+            <a:schemeClr val="lt1"/>
+          </a:fontRef>
+        </p:style>
+        <p:txBody>
+          <a:bodyPr rtlCol="0" anchor="ctr"/>
+          <a:lstStyle/>
+          <a:p>
+            <a:pPr algn="ctr"/>
+            <a:r>
+              <a:rPr lang="ru-RU" sz="3600" b="1" dirty="0">
+                <a:solidFill>
+                  <a:schemeClr val="tx1">
+                    <a:lumMod val="95000"/>
+                    <a:lumOff val="5000"/>
+                  </a:schemeClr>
+                </a:solidFill>
+              </a:rPr>
+              <a:t>3</a:t>
+            </a:r>
+          </a:p>
+        </p:txBody>
+      </p:sp>
     </p:spTree>
     <p:extLst>
       <p:ext uri="{BB962C8B-B14F-4D97-AF65-F5344CB8AC3E}">
@@ -5030,6 +6270,13 @@
   <p:clrMapOvr>
     <a:masterClrMapping/>
   </p:clrMapOvr>
+  <p:timing>
+    <p:tnLst>
+      <p:par>
+        <p:cTn id="1" dur="indefinite" restart="never" nodeType="tmRoot"/>
+      </p:par>
+    </p:tnLst>
+  </p:timing>
 </p:sld>
 </file>
 
@@ -5598,6 +6845,66 @@
           </a:extLst>
         </p:spPr>
       </p:pic>
+      <p:sp>
+        <p:nvSpPr>
+          <p:cNvPr id="12" name="Прямоугольник 11"/>
+          <p:cNvSpPr/>
+          <p:nvPr/>
+        </p:nvSpPr>
+        <p:spPr>
+          <a:xfrm>
+            <a:off x="179512" y="116632"/>
+            <a:ext cx="576064" cy="576064"/>
+          </a:xfrm>
+          <a:prstGeom prst="rect">
+            <a:avLst/>
+          </a:prstGeom>
+          <a:solidFill>
+            <a:schemeClr val="bg1"/>
+          </a:solidFill>
+          <a:ln>
+            <a:solidFill>
+              <a:schemeClr val="tx2">
+                <a:lumMod val="75000"/>
+              </a:schemeClr>
+            </a:solidFill>
+          </a:ln>
+        </p:spPr>
+        <p:style>
+          <a:lnRef idx="2">
+            <a:schemeClr val="accent1">
+              <a:shade val="50000"/>
+            </a:schemeClr>
+          </a:lnRef>
+          <a:fillRef idx="1">
+            <a:schemeClr val="accent1"/>
+          </a:fillRef>
+          <a:effectRef idx="0">
+            <a:schemeClr val="accent1"/>
+          </a:effectRef>
+          <a:fontRef idx="minor">
+            <a:schemeClr val="lt1"/>
+          </a:fontRef>
+        </p:style>
+        <p:txBody>
+          <a:bodyPr rtlCol="0" anchor="ctr"/>
+          <a:lstStyle/>
+          <a:p>
+            <a:pPr algn="ctr"/>
+            <a:r>
+              <a:rPr lang="ru-RU" sz="3600" b="1" dirty="0">
+                <a:solidFill>
+                  <a:schemeClr val="tx1">
+                    <a:lumMod val="95000"/>
+                    <a:lumOff val="5000"/>
+                  </a:schemeClr>
+                </a:solidFill>
+              </a:rPr>
+              <a:t>4</a:t>
+            </a:r>
+          </a:p>
+        </p:txBody>
+      </p:sp>
     </p:spTree>
     <p:extLst>
       <p:ext uri="{BB962C8B-B14F-4D97-AF65-F5344CB8AC3E}">
@@ -5608,6 +6915,13 @@
   <p:clrMapOvr>
     <a:masterClrMapping/>
   </p:clrMapOvr>
+  <p:timing>
+    <p:tnLst>
+      <p:par>
+        <p:cTn id="1" dur="indefinite" restart="never" nodeType="tmRoot"/>
+      </p:par>
+    </p:tnLst>
+  </p:timing>
 </p:sld>
 </file>
 
@@ -5887,6 +7201,66 @@
           </a:p>
         </p:txBody>
       </p:sp>
+      <p:sp>
+        <p:nvSpPr>
+          <p:cNvPr id="6" name="Прямоугольник 5"/>
+          <p:cNvSpPr/>
+          <p:nvPr/>
+        </p:nvSpPr>
+        <p:spPr>
+          <a:xfrm>
+            <a:off x="179512" y="116632"/>
+            <a:ext cx="576064" cy="576064"/>
+          </a:xfrm>
+          <a:prstGeom prst="rect">
+            <a:avLst/>
+          </a:prstGeom>
+          <a:solidFill>
+            <a:schemeClr val="bg1"/>
+          </a:solidFill>
+          <a:ln>
+            <a:solidFill>
+              <a:schemeClr val="tx2">
+                <a:lumMod val="75000"/>
+              </a:schemeClr>
+            </a:solidFill>
+          </a:ln>
+        </p:spPr>
+        <p:style>
+          <a:lnRef idx="2">
+            <a:schemeClr val="accent1">
+              <a:shade val="50000"/>
+            </a:schemeClr>
+          </a:lnRef>
+          <a:fillRef idx="1">
+            <a:schemeClr val="accent1"/>
+          </a:fillRef>
+          <a:effectRef idx="0">
+            <a:schemeClr val="accent1"/>
+          </a:effectRef>
+          <a:fontRef idx="minor">
+            <a:schemeClr val="lt1"/>
+          </a:fontRef>
+        </p:style>
+        <p:txBody>
+          <a:bodyPr rtlCol="0" anchor="ctr"/>
+          <a:lstStyle/>
+          <a:p>
+            <a:pPr algn="ctr"/>
+            <a:r>
+              <a:rPr lang="ru-RU" sz="3600" b="1" dirty="0">
+                <a:solidFill>
+                  <a:schemeClr val="tx1">
+                    <a:lumMod val="95000"/>
+                    <a:lumOff val="5000"/>
+                  </a:schemeClr>
+                </a:solidFill>
+              </a:rPr>
+              <a:t>5</a:t>
+            </a:r>
+          </a:p>
+        </p:txBody>
+      </p:sp>
     </p:spTree>
     <p:extLst>
       <p:ext uri="{BB962C8B-B14F-4D97-AF65-F5344CB8AC3E}">
@@ -5897,6 +7271,13 @@
   <p:clrMapOvr>
     <a:masterClrMapping/>
   </p:clrMapOvr>
+  <p:timing>
+    <p:tnLst>
+      <p:par>
+        <p:cTn id="1" dur="indefinite" restart="never" nodeType="tmRoot"/>
+      </p:par>
+    </p:tnLst>
+  </p:timing>
 </p:sld>
 </file>
 
@@ -5993,7 +7374,7 @@
       </p:sp>
       <p:sp>
         <p:nvSpPr>
-          <p:cNvPr id="7" name="Прямоугольник: скругленные углы 9">
+          <p:cNvPr id="8" name="Прямоугольник: скругленные углы 9">
             <a:extLst>
               <a:ext uri="{FF2B5EF4-FFF2-40B4-BE49-F238E27FC236}">
                 <a16:creationId xmlns:a16="http://schemas.microsoft.com/office/drawing/2014/main" id="{72DB36C6-FB03-FD2D-24D3-390712CD7DC5}"/>
@@ -6005,8 +7386,8 @@
         </p:nvSpPr>
         <p:spPr>
           <a:xfrm>
-            <a:off x="5963728" y="1610524"/>
-            <a:ext cx="6047747" cy="842582"/>
+            <a:off x="352926" y="1604211"/>
+            <a:ext cx="11502189" cy="4989094"/>
           </a:xfrm>
           <a:prstGeom prst="roundRect">
             <a:avLst/>
@@ -6040,62 +7421,261 @@
           <a:bodyPr rtlCol="0" anchor="ctr"/>
           <a:lstStyle/>
           <a:p>
-            <a:pPr algn="ctr"/>
-            <a:r>
-              <a:rPr lang="ru-RU" dirty="0">
+            <a:pPr marL="457200" indent="-457200">
+              <a:buFont typeface="+mj-lt"/>
+              <a:buAutoNum type="arabicPeriod"/>
+            </a:pPr>
+            <a:r>
+              <a:rPr lang="ru-RU" sz="2400" dirty="0">
                 <a:solidFill>
                   <a:schemeClr val="tx1">
                     <a:lumMod val="95000"/>
                     <a:lumOff val="5000"/>
                   </a:schemeClr>
                 </a:solidFill>
-              </a:rPr>
-              <a:t>Улучшение существующих функций на основе полученной обратной связи</a:t>
-            </a:r>
-            <a:endParaRPr lang="ru-RU" dirty="0">
+                <a:latin typeface="Cascadia Code" panose="020B0609020000020004" pitchFamily="49" charset="0"/>
+                <a:cs typeface="Cascadia Code" panose="020B0609020000020004" pitchFamily="49" charset="0"/>
+              </a:rPr>
+              <a:t>Улучшение существующих функций на основе полученной обратной </a:t>
+            </a:r>
+            <a:r>
+              <a:rPr lang="ru-RU" sz="2400" dirty="0" smtClean="0">
+                <a:solidFill>
+                  <a:schemeClr val="tx1">
+                    <a:lumMod val="95000"/>
+                    <a:lumOff val="5000"/>
+                  </a:schemeClr>
+                </a:solidFill>
+                <a:latin typeface="Cascadia Code" panose="020B0609020000020004" pitchFamily="49" charset="0"/>
+                <a:cs typeface="Cascadia Code" panose="020B0609020000020004" pitchFamily="49" charset="0"/>
+              </a:rPr>
+              <a:t>связи</a:t>
+            </a:r>
+          </a:p>
+          <a:p>
+            <a:pPr marL="457200" indent="-457200">
+              <a:buFont typeface="+mj-lt"/>
+              <a:buAutoNum type="arabicPeriod"/>
+            </a:pPr>
+            <a:endParaRPr lang="ru-RU" sz="2400" dirty="0">
               <a:solidFill>
                 <a:schemeClr val="tx1">
                   <a:lumMod val="95000"/>
                   <a:lumOff val="5000"/>
                 </a:schemeClr>
               </a:solidFill>
+              <a:latin typeface="Cascadia Code" panose="020B0609020000020004" pitchFamily="49" charset="0"/>
+              <a:cs typeface="Cascadia Code" panose="020B0609020000020004" pitchFamily="49" charset="0"/>
             </a:endParaRPr>
           </a:p>
-        </p:txBody>
-      </p:sp>
-      <p:sp>
-        <p:nvSpPr>
-          <p:cNvPr id="8" name="Прямоугольник: скругленные углы 9">
-            <a:extLst>
-              <a:ext uri="{FF2B5EF4-FFF2-40B4-BE49-F238E27FC236}">
-                <a16:creationId xmlns:a16="http://schemas.microsoft.com/office/drawing/2014/main" id="{72DB36C6-FB03-FD2D-24D3-390712CD7DC5}"/>
-              </a:ext>
-            </a:extLst>
-          </p:cNvPr>
+          <a:p>
+            <a:pPr marL="457200" indent="-457200">
+              <a:buFont typeface="+mj-lt"/>
+              <a:buAutoNum type="arabicPeriod"/>
+            </a:pPr>
+            <a:r>
+              <a:rPr lang="ru-RU" sz="2400" dirty="0" smtClean="0">
+                <a:solidFill>
+                  <a:schemeClr val="tx1">
+                    <a:lumMod val="95000"/>
+                    <a:lumOff val="5000"/>
+                  </a:schemeClr>
+                </a:solidFill>
+                <a:latin typeface="Cascadia Code" panose="020B0609020000020004" pitchFamily="49" charset="0"/>
+                <a:cs typeface="Cascadia Code" panose="020B0609020000020004" pitchFamily="49" charset="0"/>
+              </a:rPr>
+              <a:t>Полностью </a:t>
+            </a:r>
+            <a:r>
+              <a:rPr lang="ru-RU" sz="2400" dirty="0">
+                <a:solidFill>
+                  <a:schemeClr val="tx1">
+                    <a:lumMod val="95000"/>
+                    <a:lumOff val="5000"/>
+                  </a:schemeClr>
+                </a:solidFill>
+                <a:latin typeface="Cascadia Code" panose="020B0609020000020004" pitchFamily="49" charset="0"/>
+                <a:cs typeface="Cascadia Code" panose="020B0609020000020004" pitchFamily="49" charset="0"/>
+              </a:rPr>
+              <a:t>переработанный интерфейс, ориентированный на интуитивное взаимодействие и повышение удобства работы конечных </a:t>
+            </a:r>
+            <a:r>
+              <a:rPr lang="ru-RU" sz="2400" dirty="0" smtClean="0">
+                <a:solidFill>
+                  <a:schemeClr val="tx1">
+                    <a:lumMod val="95000"/>
+                    <a:lumOff val="5000"/>
+                  </a:schemeClr>
+                </a:solidFill>
+                <a:latin typeface="Cascadia Code" panose="020B0609020000020004" pitchFamily="49" charset="0"/>
+                <a:cs typeface="Cascadia Code" panose="020B0609020000020004" pitchFamily="49" charset="0"/>
+              </a:rPr>
+              <a:t>пользователей</a:t>
+            </a:r>
+          </a:p>
+          <a:p>
+            <a:pPr marL="457200" indent="-457200">
+              <a:buFont typeface="+mj-lt"/>
+              <a:buAutoNum type="arabicPeriod"/>
+            </a:pPr>
+            <a:endParaRPr lang="ru-RU" sz="2400" dirty="0" smtClean="0">
+              <a:solidFill>
+                <a:schemeClr val="tx1">
+                  <a:lumMod val="95000"/>
+                  <a:lumOff val="5000"/>
+                </a:schemeClr>
+              </a:solidFill>
+              <a:latin typeface="Cascadia Code" panose="020B0609020000020004" pitchFamily="49" charset="0"/>
+              <a:cs typeface="Cascadia Code" panose="020B0609020000020004" pitchFamily="49" charset="0"/>
+            </a:endParaRPr>
+          </a:p>
+          <a:p>
+            <a:pPr marL="457200" indent="-457200">
+              <a:buFont typeface="+mj-lt"/>
+              <a:buAutoNum type="arabicPeriod"/>
+            </a:pPr>
+            <a:r>
+              <a:rPr lang="ru-RU" sz="2400" dirty="0" smtClean="0">
+                <a:solidFill>
+                  <a:schemeClr val="tx1">
+                    <a:lumMod val="95000"/>
+                    <a:lumOff val="5000"/>
+                  </a:schemeClr>
+                </a:solidFill>
+                <a:latin typeface="Cascadia Code" panose="020B0609020000020004" pitchFamily="49" charset="0"/>
+                <a:cs typeface="Cascadia Code" panose="020B0609020000020004" pitchFamily="49" charset="0"/>
+              </a:rPr>
+              <a:t>Анализ </a:t>
+            </a:r>
+            <a:r>
+              <a:rPr lang="ru-RU" sz="2400" dirty="0">
+                <a:solidFill>
+                  <a:schemeClr val="tx1">
+                    <a:lumMod val="95000"/>
+                    <a:lumOff val="5000"/>
+                  </a:schemeClr>
+                </a:solidFill>
+                <a:latin typeface="Cascadia Code" panose="020B0609020000020004" pitchFamily="49" charset="0"/>
+                <a:cs typeface="Cascadia Code" panose="020B0609020000020004" pitchFamily="49" charset="0"/>
+              </a:rPr>
+              <a:t>и оптимизация алгоритмов для повышения общей </a:t>
+            </a:r>
+            <a:r>
+              <a:rPr lang="ru-RU" sz="2400" dirty="0" smtClean="0">
+                <a:solidFill>
+                  <a:schemeClr val="tx1">
+                    <a:lumMod val="95000"/>
+                    <a:lumOff val="5000"/>
+                  </a:schemeClr>
+                </a:solidFill>
+                <a:latin typeface="Cascadia Code" panose="020B0609020000020004" pitchFamily="49" charset="0"/>
+                <a:cs typeface="Cascadia Code" panose="020B0609020000020004" pitchFamily="49" charset="0"/>
+              </a:rPr>
+              <a:t>эффективности</a:t>
+            </a:r>
+          </a:p>
+          <a:p>
+            <a:pPr marL="457200" indent="-457200">
+              <a:buFont typeface="+mj-lt"/>
+              <a:buAutoNum type="arabicPeriod"/>
+            </a:pPr>
+            <a:endParaRPr lang="ru-RU" sz="2400" dirty="0" smtClean="0">
+              <a:solidFill>
+                <a:schemeClr val="tx1">
+                  <a:lumMod val="95000"/>
+                  <a:lumOff val="5000"/>
+                </a:schemeClr>
+              </a:solidFill>
+              <a:latin typeface="Cascadia Code" panose="020B0609020000020004" pitchFamily="49" charset="0"/>
+              <a:cs typeface="Cascadia Code" panose="020B0609020000020004" pitchFamily="49" charset="0"/>
+            </a:endParaRPr>
+          </a:p>
+          <a:p>
+            <a:pPr marL="457200" indent="-457200">
+              <a:buFont typeface="+mj-lt"/>
+              <a:buAutoNum type="arabicPeriod"/>
+            </a:pPr>
+            <a:r>
+              <a:rPr lang="ru-RU" sz="2400" dirty="0" smtClean="0">
+                <a:solidFill>
+                  <a:schemeClr val="tx1">
+                    <a:lumMod val="95000"/>
+                    <a:lumOff val="5000"/>
+                  </a:schemeClr>
+                </a:solidFill>
+                <a:latin typeface="Cascadia Code" panose="020B0609020000020004" pitchFamily="49" charset="0"/>
+                <a:cs typeface="Cascadia Code" panose="020B0609020000020004" pitchFamily="49" charset="0"/>
+              </a:rPr>
+              <a:t>Расширение </a:t>
+            </a:r>
+            <a:r>
+              <a:rPr lang="ru-RU" sz="2400" dirty="0">
+                <a:solidFill>
+                  <a:schemeClr val="tx1">
+                    <a:lumMod val="95000"/>
+                    <a:lumOff val="5000"/>
+                  </a:schemeClr>
+                </a:solidFill>
+                <a:latin typeface="Cascadia Code" panose="020B0609020000020004" pitchFamily="49" charset="0"/>
+                <a:cs typeface="Cascadia Code" panose="020B0609020000020004" pitchFamily="49" charset="0"/>
+              </a:rPr>
+              <a:t>инфраструктуры для поддержки роста числа пользователей и увеличения объемов обрабатываемых </a:t>
+            </a:r>
+            <a:r>
+              <a:rPr lang="ru-RU" sz="2400" dirty="0" smtClean="0">
+                <a:solidFill>
+                  <a:schemeClr val="tx1">
+                    <a:lumMod val="95000"/>
+                    <a:lumOff val="5000"/>
+                  </a:schemeClr>
+                </a:solidFill>
+                <a:latin typeface="Cascadia Code" panose="020B0609020000020004" pitchFamily="49" charset="0"/>
+                <a:cs typeface="Cascadia Code" panose="020B0609020000020004" pitchFamily="49" charset="0"/>
+              </a:rPr>
+              <a:t>данных</a:t>
+            </a:r>
+            <a:endParaRPr lang="ru-RU" sz="2400" dirty="0">
+              <a:solidFill>
+                <a:schemeClr val="tx1">
+                  <a:lumMod val="95000"/>
+                  <a:lumOff val="5000"/>
+                </a:schemeClr>
+              </a:solidFill>
+              <a:latin typeface="Cascadia Code" panose="020B0609020000020004" pitchFamily="49" charset="0"/>
+              <a:cs typeface="Cascadia Code" panose="020B0609020000020004" pitchFamily="49" charset="0"/>
+            </a:endParaRPr>
+          </a:p>
+        </p:txBody>
+      </p:sp>
+      <p:sp>
+        <p:nvSpPr>
+          <p:cNvPr id="12" name="Прямоугольник 11"/>
           <p:cNvSpPr/>
           <p:nvPr/>
         </p:nvSpPr>
         <p:spPr>
           <a:xfrm>
-            <a:off x="327114" y="2697653"/>
-            <a:ext cx="6047747" cy="1239162"/>
+            <a:off x="179512" y="116632"/>
+            <a:ext cx="576064" cy="576064"/>
           </a:xfrm>
-          <a:prstGeom prst="roundRect">
+          <a:prstGeom prst="rect">
             <a:avLst/>
           </a:prstGeom>
           <a:solidFill>
-            <a:schemeClr val="bg1">
-              <a:alpha val="40000"/>
-            </a:schemeClr>
+            <a:schemeClr val="bg1"/>
           </a:solidFill>
           <a:ln>
-            <a:noFill/>
+            <a:solidFill>
+              <a:schemeClr val="tx2">
+                <a:lumMod val="75000"/>
+              </a:schemeClr>
+            </a:solidFill>
           </a:ln>
         </p:spPr>
         <p:style>
           <a:lnRef idx="2">
             <a:schemeClr val="accent1">
-              <a:shade val="15000"/>
+              <a:shade val="50000"/>
             </a:schemeClr>
           </a:lnRef>
           <a:fillRef idx="1">
@@ -6114,7 +7694,7 @@
           <a:p>
             <a:pPr algn="ctr"/>
             <a:r>
-              <a:rPr lang="ru-RU" dirty="0">
+              <a:rPr lang="ru-RU" sz="3600" b="1" dirty="0">
                 <a:solidFill>
                   <a:schemeClr val="tx1">
                     <a:lumMod val="95000"/>
@@ -6122,171 +7702,8 @@
                   </a:schemeClr>
                 </a:solidFill>
               </a:rPr>
-              <a:t>Полностью переработанный интерфейс, ориентированный на интуитивное взаимодействие и повышение удобства работы конечных пользователей</a:t>
-            </a:r>
-            <a:endParaRPr lang="ru-RU" dirty="0">
-              <a:solidFill>
-                <a:schemeClr val="tx1">
-                  <a:lumMod val="95000"/>
-                  <a:lumOff val="5000"/>
-                </a:schemeClr>
-              </a:solidFill>
-            </a:endParaRPr>
-          </a:p>
-        </p:txBody>
-      </p:sp>
-      <p:sp>
-        <p:nvSpPr>
-          <p:cNvPr id="9" name="Прямоугольник: скругленные углы 9">
-            <a:extLst>
-              <a:ext uri="{FF2B5EF4-FFF2-40B4-BE49-F238E27FC236}">
-                <a16:creationId xmlns:a16="http://schemas.microsoft.com/office/drawing/2014/main" id="{72DB36C6-FB03-FD2D-24D3-390712CD7DC5}"/>
-              </a:ext>
-            </a:extLst>
-          </p:cNvPr>
-          <p:cNvSpPr/>
-          <p:nvPr/>
-        </p:nvSpPr>
-        <p:spPr>
-          <a:xfrm>
-            <a:off x="5963727" y="4181362"/>
-            <a:ext cx="6047747" cy="846131"/>
-          </a:xfrm>
-          <a:prstGeom prst="roundRect">
-            <a:avLst/>
-          </a:prstGeom>
-          <a:solidFill>
-            <a:schemeClr val="bg1">
-              <a:alpha val="40000"/>
-            </a:schemeClr>
-          </a:solidFill>
-          <a:ln>
-            <a:noFill/>
-          </a:ln>
-        </p:spPr>
-        <p:style>
-          <a:lnRef idx="2">
-            <a:schemeClr val="accent1">
-              <a:shade val="15000"/>
-            </a:schemeClr>
-          </a:lnRef>
-          <a:fillRef idx="1">
-            <a:schemeClr val="accent1"/>
-          </a:fillRef>
-          <a:effectRef idx="0">
-            <a:schemeClr val="accent1"/>
-          </a:effectRef>
-          <a:fontRef idx="minor">
-            <a:schemeClr val="lt1"/>
-          </a:fontRef>
-        </p:style>
-        <p:txBody>
-          <a:bodyPr rtlCol="0" anchor="ctr"/>
-          <a:lstStyle/>
-          <a:p>
-            <a:pPr algn="ctr"/>
-            <a:r>
-              <a:rPr lang="ru-RU" dirty="0">
-                <a:solidFill>
-                  <a:schemeClr val="tx1">
-                    <a:lumMod val="95000"/>
-                    <a:lumOff val="5000"/>
-                  </a:schemeClr>
-                </a:solidFill>
-              </a:rPr>
-              <a:t>Анализ и оптимизация алгоритмов для повышения общей </a:t>
-            </a:r>
-            <a:r>
-              <a:rPr lang="ru-RU" dirty="0" smtClean="0">
-                <a:solidFill>
-                  <a:schemeClr val="tx1">
-                    <a:lumMod val="95000"/>
-                    <a:lumOff val="5000"/>
-                  </a:schemeClr>
-                </a:solidFill>
-              </a:rPr>
-              <a:t>эффективности</a:t>
-            </a:r>
-            <a:endParaRPr lang="ru-RU" dirty="0">
-              <a:solidFill>
-                <a:schemeClr val="tx1">
-                  <a:lumMod val="95000"/>
-                  <a:lumOff val="5000"/>
-                </a:schemeClr>
-              </a:solidFill>
-            </a:endParaRPr>
-          </a:p>
-        </p:txBody>
-      </p:sp>
-      <p:sp>
-        <p:nvSpPr>
-          <p:cNvPr id="10" name="Прямоугольник: скругленные углы 9">
-            <a:extLst>
-              <a:ext uri="{FF2B5EF4-FFF2-40B4-BE49-F238E27FC236}">
-                <a16:creationId xmlns:a16="http://schemas.microsoft.com/office/drawing/2014/main" id="{72DB36C6-FB03-FD2D-24D3-390712CD7DC5}"/>
-              </a:ext>
-            </a:extLst>
-          </p:cNvPr>
-          <p:cNvSpPr/>
-          <p:nvPr/>
-        </p:nvSpPr>
-        <p:spPr>
-          <a:xfrm>
-            <a:off x="327113" y="5268490"/>
-            <a:ext cx="6047747" cy="846131"/>
-          </a:xfrm>
-          <a:prstGeom prst="roundRect">
-            <a:avLst/>
-          </a:prstGeom>
-          <a:solidFill>
-            <a:schemeClr val="bg1">
-              <a:alpha val="40000"/>
-            </a:schemeClr>
-          </a:solidFill>
-          <a:ln>
-            <a:noFill/>
-          </a:ln>
-        </p:spPr>
-        <p:style>
-          <a:lnRef idx="2">
-            <a:schemeClr val="accent1">
-              <a:shade val="15000"/>
-            </a:schemeClr>
-          </a:lnRef>
-          <a:fillRef idx="1">
-            <a:schemeClr val="accent1"/>
-          </a:fillRef>
-          <a:effectRef idx="0">
-            <a:schemeClr val="accent1"/>
-          </a:effectRef>
-          <a:fontRef idx="minor">
-            <a:schemeClr val="lt1"/>
-          </a:fontRef>
-        </p:style>
-        <p:txBody>
-          <a:bodyPr rtlCol="0" anchor="ctr"/>
-          <a:lstStyle/>
-          <a:p>
-            <a:pPr algn="ctr"/>
-            <a:r>
-              <a:rPr lang="ru-RU" dirty="0">
-                <a:solidFill>
-                  <a:schemeClr val="tx1">
-                    <a:lumMod val="95000"/>
-                    <a:lumOff val="5000"/>
-                  </a:schemeClr>
-                </a:solidFill>
-              </a:rPr>
-              <a:t>Расширение инфраструктуры для поддержки роста числа пользователей и увеличения объемов обрабатываемых данных</a:t>
-            </a:r>
-            <a:endParaRPr lang="ru-RU" dirty="0">
-              <a:solidFill>
-                <a:schemeClr val="tx1">
-                  <a:lumMod val="95000"/>
-                  <a:lumOff val="5000"/>
-                </a:schemeClr>
-              </a:solidFill>
-            </a:endParaRPr>
+              <a:t>6</a:t>
+            </a:r>
           </a:p>
         </p:txBody>
       </p:sp>
@@ -6300,6 +7717,13 @@
   <p:clrMapOvr>
     <a:masterClrMapping/>
   </p:clrMapOvr>
+  <p:timing>
+    <p:tnLst>
+      <p:par>
+        <p:cTn id="1" dur="indefinite" restart="never" nodeType="tmRoot"/>
+      </p:par>
+    </p:tnLst>
+  </p:timing>
 </p:sld>
 </file>
 
@@ -6320,62 +7744,12 @@
           <a:chExt cx="0" cy="0"/>
         </a:xfrm>
       </p:grpSpPr>
-      <p:sp>
-        <p:nvSpPr>
-          <p:cNvPr id="2" name="Заголовок 1">
-            <a:extLst>
-              <a:ext uri="{FF2B5EF4-FFF2-40B4-BE49-F238E27FC236}">
-                <a16:creationId xmlns:a16="http://schemas.microsoft.com/office/drawing/2014/main" id="{FC27854C-7C9F-8C9C-16DD-1CEA194491C1}"/>
-              </a:ext>
-            </a:extLst>
-          </p:cNvPr>
-          <p:cNvSpPr>
-            <a:spLocks noGrp="1"/>
-          </p:cNvSpPr>
-          <p:nvPr>
-            <p:ph type="title"/>
-          </p:nvPr>
-        </p:nvSpPr>
-        <p:spPr/>
-        <p:txBody>
-          <a:bodyPr/>
-          <a:lstStyle/>
-          <a:p>
-            <a:endParaRPr lang="ru-RU"/>
-          </a:p>
-        </p:txBody>
-      </p:sp>
-      <p:sp>
-        <p:nvSpPr>
-          <p:cNvPr id="3" name="Объект 2">
-            <a:extLst>
-              <a:ext uri="{FF2B5EF4-FFF2-40B4-BE49-F238E27FC236}">
-                <a16:creationId xmlns:a16="http://schemas.microsoft.com/office/drawing/2014/main" id="{FB8D77D0-2A0C-63A6-1CBF-8C339D16CD4B}"/>
-              </a:ext>
-            </a:extLst>
-          </p:cNvPr>
-          <p:cNvSpPr>
-            <a:spLocks noGrp="1"/>
-          </p:cNvSpPr>
-          <p:nvPr>
-            <p:ph idx="1"/>
-          </p:nvPr>
-        </p:nvSpPr>
-        <p:spPr/>
-        <p:txBody>
-          <a:bodyPr/>
-          <a:lstStyle/>
-          <a:p>
-            <a:endParaRPr lang="ru-RU"/>
-          </a:p>
-        </p:txBody>
-      </p:sp>
       <p:pic>
         <p:nvPicPr>
-          <p:cNvPr id="4" name="Рисунок 3" descr="Изображение выглядит как зеленый, Красочность, свет&#10;&#10;Содержимое, созданное искусственным интеллектом, может быть неверным.">
-            <a:extLst>
-              <a:ext uri="{FF2B5EF4-FFF2-40B4-BE49-F238E27FC236}">
-                <a16:creationId xmlns:a16="http://schemas.microsoft.com/office/drawing/2014/main" id="{69C540D7-67CF-429B-A3F1-D2B305C9BA86}"/>
+          <p:cNvPr id="4" name="Рисунок 3" descr="Изображение выглядит как Графика, Шрифт, логотип, графический дизайн&#10;&#10;Содержимое, созданное искусственным интеллектом, может быть неверным.">
+            <a:extLst>
+              <a:ext uri="{FF2B5EF4-FFF2-40B4-BE49-F238E27FC236}">
+                <a16:creationId xmlns:a16="http://schemas.microsoft.com/office/drawing/2014/main" id="{D6E5D244-B396-8715-E3ED-3B66224C3E36}"/>
               </a:ext>
             </a:extLst>
           </p:cNvPr>
@@ -6385,17 +7759,8 @@
           <p:nvPr/>
         </p:nvPicPr>
         <p:blipFill>
-          <a:blip r:embed="rId2">
-            <a:extLst>
-              <a:ext uri="{BEBA8EAE-BF5A-486C-A8C5-ECC9F3942E4B}">
-                <a14:imgProps xmlns:a14="http://schemas.microsoft.com/office/drawing/2010/main">
-                  <a14:imgLayer r:embed="rId3">
-                    <a14:imgEffect>
-                      <a14:brightnessContrast bright="-100000"/>
-                    </a14:imgEffect>
-                  </a14:imgLayer>
-                </a14:imgProps>
-              </a:ext>
+          <a:blip r:embed="rId3">
+            <a:extLst>
               <a:ext uri="{28A0092B-C50C-407E-A947-70E740481C1C}">
                 <a14:useLocalDpi xmlns:a14="http://schemas.microsoft.com/office/drawing/2010/main" val="0"/>
               </a:ext>
@@ -6407,8 +7772,8 @@
         </p:blipFill>
         <p:spPr>
           <a:xfrm>
-            <a:off x="0" y="0"/>
-            <a:ext cx="12192000" cy="6858000"/>
+            <a:off x="334425" y="2858682"/>
+            <a:ext cx="4014819" cy="1703850"/>
           </a:xfrm>
           <a:prstGeom prst="rect">
             <a:avLst/>
@@ -6420,7 +7785,7 @@
           <p:cNvPr id="5" name="TextBox 4">
             <a:extLst>
               <a:ext uri="{FF2B5EF4-FFF2-40B4-BE49-F238E27FC236}">
-                <a16:creationId xmlns:a16="http://schemas.microsoft.com/office/drawing/2014/main" id="{4B7207F0-5CA7-2C8F-7E3B-9C800146F005}"/>
+                <a16:creationId xmlns:a16="http://schemas.microsoft.com/office/drawing/2014/main" id="{E54C05F1-B4E0-AEC4-34E2-B6BA7FE73D16}"/>
               </a:ext>
             </a:extLst>
           </p:cNvPr>
@@ -6429,8 +7794,8 @@
         </p:nvSpPr>
         <p:spPr>
           <a:xfrm>
-            <a:off x="2692400" y="2466554"/>
-            <a:ext cx="6807200" cy="1446550"/>
+            <a:off x="253901" y="3998223"/>
+            <a:ext cx="4538663" cy="1477328"/>
           </a:xfrm>
           <a:prstGeom prst="rect">
             <a:avLst/>
@@ -6443,79 +7808,24 @@
           </a:bodyPr>
           <a:lstStyle/>
           <a:p>
-            <a:pPr algn="ctr"/>
-            <a:r>
-              <a:rPr lang="ru-RU" sz="4400" dirty="0">
-                <a:solidFill>
-                  <a:schemeClr val="bg1"/>
-                </a:solidFill>
-                <a:latin typeface="TD Mars" pitchFamily="50" charset="0"/>
-              </a:rPr>
-              <a:t>СПАСИБО ЗА ВНИМАНИЕ</a:t>
-            </a:r>
-          </a:p>
-        </p:txBody>
-      </p:sp>
-      <p:sp>
-        <p:nvSpPr>
-          <p:cNvPr id="6" name="Прямоугольник: скругленные углы 5">
-            <a:extLst>
-              <a:ext uri="{FF2B5EF4-FFF2-40B4-BE49-F238E27FC236}">
-                <a16:creationId xmlns:a16="http://schemas.microsoft.com/office/drawing/2014/main" id="{F27EFF8C-1B33-0371-3660-B13A1B4E33ED}"/>
-              </a:ext>
-            </a:extLst>
-          </p:cNvPr>
-          <p:cNvSpPr/>
-          <p:nvPr/>
-        </p:nvSpPr>
-        <p:spPr>
-          <a:xfrm>
-            <a:off x="2830286" y="4326255"/>
-            <a:ext cx="6560457" cy="1959428"/>
-          </a:xfrm>
-          <a:prstGeom prst="roundRect">
-            <a:avLst/>
-          </a:prstGeom>
-          <a:solidFill>
-            <a:schemeClr val="bg1">
-              <a:alpha val="67000"/>
-            </a:schemeClr>
-          </a:solidFill>
-          <a:ln>
-            <a:noFill/>
-          </a:ln>
-        </p:spPr>
-        <p:style>
-          <a:lnRef idx="2">
-            <a:schemeClr val="accent1">
-              <a:shade val="15000"/>
-            </a:schemeClr>
-          </a:lnRef>
-          <a:fillRef idx="1">
-            <a:schemeClr val="accent1"/>
-          </a:fillRef>
-          <a:effectRef idx="0">
-            <a:schemeClr val="accent1"/>
-          </a:effectRef>
-          <a:fontRef idx="minor">
-            <a:schemeClr val="lt1"/>
-          </a:fontRef>
-        </p:style>
-        <p:txBody>
-          <a:bodyPr rtlCol="0" anchor="ctr"/>
-          <a:lstStyle/>
-          <a:p>
-            <a:pPr algn="ctr"/>
-            <a:endParaRPr lang="ru-RU"/>
+            <a:r>
+              <a:rPr lang="en-US" sz="9000" dirty="0">
+                <a:latin typeface="MV-SKIFER" pitchFamily="50" charset="0"/>
+              </a:rPr>
+              <a:t>PULSE</a:t>
+            </a:r>
+            <a:endParaRPr lang="ru-RU" sz="9000" dirty="0">
+              <a:latin typeface="MV-SKIFER" pitchFamily="50" charset="0"/>
+            </a:endParaRPr>
           </a:p>
         </p:txBody>
       </p:sp>
       <p:pic>
         <p:nvPicPr>
-          <p:cNvPr id="7" name="Рисунок 6" descr="Изображение выглядит как Графика, Шрифт, логотип, графический дизайн&#10;&#10;Содержимое, созданное искусственным интеллектом, может быть неверным.">
-            <a:extLst>
-              <a:ext uri="{FF2B5EF4-FFF2-40B4-BE49-F238E27FC236}">
-                <a16:creationId xmlns:a16="http://schemas.microsoft.com/office/drawing/2014/main" id="{8830D2AB-5ADE-1DFE-BCBF-112A464FB57A}"/>
+          <p:cNvPr id="8" name="Рисунок 7" descr="Изображение выглядит как черный, темнота&#10;&#10;Содержимое, созданное искусственным интеллектом, может быть неверным.">
+            <a:extLst>
+              <a:ext uri="{FF2B5EF4-FFF2-40B4-BE49-F238E27FC236}">
+                <a16:creationId xmlns:a16="http://schemas.microsoft.com/office/drawing/2014/main" id="{F8583E2B-C2DC-CC19-5A21-72DC113D7794}"/>
               </a:ext>
             </a:extLst>
           </p:cNvPr>
@@ -6538,24 +7848,416 @@
         </p:blipFill>
         <p:spPr>
           <a:xfrm>
-            <a:off x="4698340" y="4828263"/>
-            <a:ext cx="2824347" cy="1198626"/>
+            <a:off x="7401011" y="-720367"/>
+            <a:ext cx="10270314" cy="6858000"/>
           </a:xfrm>
           <a:prstGeom prst="rect">
             <a:avLst/>
           </a:prstGeom>
         </p:spPr>
       </p:pic>
+      <p:sp>
+        <p:nvSpPr>
+          <p:cNvPr id="6" name="TextBox 5">
+            <a:extLst>
+              <a:ext uri="{FF2B5EF4-FFF2-40B4-BE49-F238E27FC236}">
+                <a16:creationId xmlns:a16="http://schemas.microsoft.com/office/drawing/2014/main" id="{CA8662DA-2923-ABA8-6684-4AD10EA253A9}"/>
+              </a:ext>
+            </a:extLst>
+          </p:cNvPr>
+          <p:cNvSpPr txBox="1"/>
+          <p:nvPr/>
+        </p:nvSpPr>
+        <p:spPr>
+          <a:xfrm>
+            <a:off x="5931193" y="6137634"/>
+            <a:ext cx="10937526" cy="584775"/>
+          </a:xfrm>
+          <a:prstGeom prst="rect">
+            <a:avLst/>
+          </a:prstGeom>
+          <a:noFill/>
+        </p:spPr>
+        <p:txBody>
+          <a:bodyPr wrap="square" rtlCol="0">
+            <a:spAutoFit/>
+          </a:bodyPr>
+          <a:lstStyle/>
+          <a:p>
+            <a:r>
+              <a:rPr lang="ru-RU" sz="3200" dirty="0" smtClean="0">
+                <a:solidFill>
+                  <a:schemeClr val="bg2"/>
+                </a:solidFill>
+                <a:latin typeface="Franklin Gothic Medium" panose="020B0603020102020204" pitchFamily="34" charset="0"/>
+              </a:rPr>
+              <a:t>На пути к совершенному дизайну</a:t>
+            </a:r>
+            <a:endParaRPr lang="ru-RU" sz="3200" dirty="0">
+              <a:solidFill>
+                <a:schemeClr val="bg2"/>
+              </a:solidFill>
+              <a:effectLst>
+                <a:outerShdw blurRad="190500" dist="50800" dir="5400000" sx="5000" sy="5000" algn="ctr" rotWithShape="0">
+                  <a:srgbClr val="000000">
+                    <a:alpha val="43137"/>
+                  </a:srgbClr>
+                </a:outerShdw>
+              </a:effectLst>
+              <a:latin typeface="Franklin Gothic Medium" panose="020B0603020102020204" pitchFamily="34" charset="0"/>
+            </a:endParaRPr>
+          </a:p>
+        </p:txBody>
+      </p:sp>
+      <p:sp>
+        <p:nvSpPr>
+          <p:cNvPr id="7" name="Прямоугольник 6"/>
+          <p:cNvSpPr/>
+          <p:nvPr/>
+        </p:nvSpPr>
+        <p:spPr>
+          <a:xfrm>
+            <a:off x="1210428" y="251680"/>
+            <a:ext cx="9441530" cy="2308324"/>
+          </a:xfrm>
+          <a:prstGeom prst="rect">
+            <a:avLst/>
+          </a:prstGeom>
+        </p:spPr>
+        <p:txBody>
+          <a:bodyPr wrap="square">
+            <a:spAutoFit/>
+          </a:bodyPr>
+          <a:lstStyle/>
+          <a:p>
+            <a:pPr algn="ctr"/>
+            <a:r>
+              <a:rPr lang="ru-RU" sz="1600" b="1" dirty="0">
+                <a:solidFill>
+                  <a:schemeClr val="bg2"/>
+                </a:solidFill>
+              </a:rPr>
+              <a:t>ФЕДЕРАЛЬНОЕ ГОСУДАРСТВЕННОЕ БЮДЖЕТНОЕ ОБРАЗОВАТЕЛЬНОЕ</a:t>
+            </a:r>
+            <a:endParaRPr lang="ru-RU" sz="1600" dirty="0">
+              <a:solidFill>
+                <a:schemeClr val="bg2"/>
+              </a:solidFill>
+            </a:endParaRPr>
+          </a:p>
+          <a:p>
+            <a:pPr algn="ctr"/>
+            <a:r>
+              <a:rPr lang="ru-RU" sz="1600" b="1" dirty="0">
+                <a:solidFill>
+                  <a:schemeClr val="bg2"/>
+                </a:solidFill>
+              </a:rPr>
+              <a:t>УЧРЕЖДЕНИЕ ВЫСШЕГО ОБРАЗОВАНИЯ</a:t>
+            </a:r>
+            <a:endParaRPr lang="ru-RU" sz="1600" dirty="0">
+              <a:solidFill>
+                <a:schemeClr val="bg2"/>
+              </a:solidFill>
+            </a:endParaRPr>
+          </a:p>
+          <a:p>
+            <a:pPr algn="ctr"/>
+            <a:r>
+              <a:rPr lang="ru-RU" sz="1600" b="1" dirty="0">
+                <a:solidFill>
+                  <a:schemeClr val="bg2"/>
+                </a:solidFill>
+              </a:rPr>
+              <a:t>«САНКТ-ПЕТЕРБУРГСКИЙ ГОСУДАРСТВЕННЫЙ УНИВЕРСИТЕТ</a:t>
+            </a:r>
+          </a:p>
+          <a:p>
+            <a:pPr algn="ctr"/>
+            <a:r>
+              <a:rPr lang="ru-RU" sz="1600" b="1" dirty="0">
+                <a:solidFill>
+                  <a:schemeClr val="bg2"/>
+                </a:solidFill>
+              </a:rPr>
+              <a:t>ТЕЛЕКОММУНИКАЦИЙ ИМ. ПРОФ. М.А. БОНЧ-БРУЕВИЧА»</a:t>
+            </a:r>
+            <a:endParaRPr lang="ru-RU" sz="1600" dirty="0">
+              <a:solidFill>
+                <a:schemeClr val="bg2"/>
+              </a:solidFill>
+            </a:endParaRPr>
+          </a:p>
+          <a:p>
+            <a:pPr algn="ctr"/>
+            <a:r>
+              <a:rPr lang="ru-RU" sz="1600" b="1" dirty="0">
+                <a:solidFill>
+                  <a:schemeClr val="bg2"/>
+                </a:solidFill>
+              </a:rPr>
+              <a:t>(</a:t>
+            </a:r>
+            <a:r>
+              <a:rPr lang="ru-RU" sz="1600" b="1" dirty="0" err="1">
+                <a:solidFill>
+                  <a:schemeClr val="bg2"/>
+                </a:solidFill>
+              </a:rPr>
+              <a:t>СПбГУТ</a:t>
+            </a:r>
+            <a:r>
+              <a:rPr lang="ru-RU" sz="1600" b="1" dirty="0">
+                <a:solidFill>
+                  <a:schemeClr val="bg2"/>
+                </a:solidFill>
+              </a:rPr>
+              <a:t>)</a:t>
+            </a:r>
+            <a:endParaRPr lang="ru-RU" sz="1600" dirty="0">
+              <a:solidFill>
+                <a:schemeClr val="bg2"/>
+              </a:solidFill>
+            </a:endParaRPr>
+          </a:p>
+          <a:p>
+            <a:pPr algn="ctr"/>
+            <a:r>
+              <a:rPr lang="ru-RU" sz="1600" b="1" dirty="0">
+                <a:solidFill>
+                  <a:schemeClr val="bg2"/>
+                </a:solidFill>
+              </a:rPr>
+              <a:t> </a:t>
+            </a:r>
+            <a:endParaRPr lang="ru-RU" sz="1600" dirty="0">
+              <a:solidFill>
+                <a:schemeClr val="bg2"/>
+              </a:solidFill>
+            </a:endParaRPr>
+          </a:p>
+          <a:p>
+            <a:pPr algn="ctr"/>
+            <a:r>
+              <a:rPr lang="ru-RU" sz="1600" b="1" dirty="0">
+                <a:solidFill>
+                  <a:schemeClr val="bg2"/>
+                </a:solidFill>
+              </a:rPr>
+              <a:t>АРХАНГЕЛЬСКИЙ КОЛЛЕДЖ ТЕЛЕКОММУНИКАЦИЙ</a:t>
+            </a:r>
+            <a:endParaRPr lang="ru-RU" sz="1600" dirty="0">
+              <a:solidFill>
+                <a:schemeClr val="bg2"/>
+              </a:solidFill>
+            </a:endParaRPr>
+          </a:p>
+          <a:p>
+            <a:pPr algn="ctr"/>
+            <a:r>
+              <a:rPr lang="ru-RU" sz="1600" b="1" dirty="0">
+                <a:solidFill>
+                  <a:schemeClr val="bg2"/>
+                </a:solidFill>
+              </a:rPr>
+              <a:t>ИМ. Б.Л. РОЗИНГА (ФИЛИАЛ) </a:t>
+            </a:r>
+            <a:r>
+              <a:rPr lang="ru-RU" sz="1600" b="1" dirty="0" err="1">
+                <a:solidFill>
+                  <a:schemeClr val="bg2"/>
+                </a:solidFill>
+              </a:rPr>
+              <a:t>СПбГУТ</a:t>
+            </a:r>
+            <a:endParaRPr lang="ru-RU" sz="1600" dirty="0">
+              <a:solidFill>
+                <a:schemeClr val="bg2"/>
+              </a:solidFill>
+            </a:endParaRPr>
+          </a:p>
+          <a:p>
+            <a:pPr algn="ctr"/>
+            <a:r>
+              <a:rPr lang="ru-RU" sz="1600" b="1" dirty="0">
+                <a:solidFill>
+                  <a:schemeClr val="bg2"/>
+                </a:solidFill>
+              </a:rPr>
+              <a:t>(АКТ (ф) </a:t>
+            </a:r>
+            <a:r>
+              <a:rPr lang="ru-RU" sz="1600" b="1" dirty="0" err="1">
+                <a:solidFill>
+                  <a:schemeClr val="bg2"/>
+                </a:solidFill>
+              </a:rPr>
+              <a:t>СПбГУТ</a:t>
+            </a:r>
+            <a:r>
+              <a:rPr lang="ru-RU" sz="1600" b="1" dirty="0">
+                <a:solidFill>
+                  <a:schemeClr val="bg2"/>
+                </a:solidFill>
+              </a:rPr>
+              <a:t>)</a:t>
+            </a:r>
+            <a:endParaRPr lang="ru-RU" sz="1600" dirty="0">
+              <a:solidFill>
+                <a:schemeClr val="bg2"/>
+              </a:solidFill>
+            </a:endParaRPr>
+          </a:p>
+        </p:txBody>
+      </p:sp>
+      <p:sp>
+        <p:nvSpPr>
+          <p:cNvPr id="9" name="Подзаголовок 2"/>
+          <p:cNvSpPr>
+            <a:spLocks noGrp="1"/>
+          </p:cNvSpPr>
+          <p:nvPr>
+            <p:ph type="subTitle" idx="1"/>
+          </p:nvPr>
+        </p:nvSpPr>
+        <p:spPr>
+          <a:xfrm>
+            <a:off x="334425" y="5160820"/>
+            <a:ext cx="6400800" cy="1953627"/>
+          </a:xfrm>
+        </p:spPr>
+        <p:txBody>
+          <a:bodyPr>
+            <a:noAutofit/>
+          </a:bodyPr>
+          <a:lstStyle/>
+          <a:p>
+            <a:pPr algn="l">
+              <a:lnSpc>
+                <a:spcPct val="100000"/>
+              </a:lnSpc>
+              <a:spcBef>
+                <a:spcPts val="0"/>
+              </a:spcBef>
+            </a:pPr>
+            <a:r>
+              <a:rPr lang="ru-RU" sz="2000" b="1" dirty="0" smtClean="0">
+                <a:solidFill>
+                  <a:srgbClr val="1D1D1B"/>
+                </a:solidFill>
+              </a:rPr>
+              <a:t>Студенты ИСПП-31</a:t>
+            </a:r>
+            <a:r>
+              <a:rPr lang="ru-RU" sz="2000" b="1" dirty="0">
+                <a:solidFill>
+                  <a:srgbClr val="1D1D1B"/>
+                </a:solidFill>
+              </a:rPr>
+              <a:t>:</a:t>
+            </a:r>
+          </a:p>
+          <a:p>
+            <a:pPr algn="l">
+              <a:lnSpc>
+                <a:spcPct val="100000"/>
+              </a:lnSpc>
+              <a:spcBef>
+                <a:spcPts val="0"/>
+              </a:spcBef>
+            </a:pPr>
+            <a:r>
+              <a:rPr lang="ru-RU" sz="2000" b="1" dirty="0" smtClean="0">
+                <a:solidFill>
+                  <a:srgbClr val="1D1D1B"/>
+                </a:solidFill>
+              </a:rPr>
+              <a:t>Власов Вячеслав Валентинович</a:t>
+            </a:r>
+          </a:p>
+          <a:p>
+            <a:pPr algn="l">
+              <a:lnSpc>
+                <a:spcPct val="100000"/>
+              </a:lnSpc>
+              <a:spcBef>
+                <a:spcPts val="0"/>
+              </a:spcBef>
+            </a:pPr>
+            <a:r>
+              <a:rPr lang="ru-RU" sz="2000" b="1" dirty="0" smtClean="0">
+                <a:solidFill>
+                  <a:srgbClr val="1D1D1B"/>
+                </a:solidFill>
+              </a:rPr>
+              <a:t>Панов Матвей Иванович</a:t>
+            </a:r>
+            <a:endParaRPr lang="ru-RU" sz="2000" b="1" dirty="0">
+              <a:solidFill>
+                <a:srgbClr val="1D1D1B"/>
+              </a:solidFill>
+            </a:endParaRPr>
+          </a:p>
+          <a:p>
+            <a:pPr algn="l">
+              <a:lnSpc>
+                <a:spcPct val="100000"/>
+              </a:lnSpc>
+              <a:spcBef>
+                <a:spcPts val="0"/>
+              </a:spcBef>
+            </a:pPr>
+            <a:r>
+              <a:rPr lang="ru-RU" sz="2000" b="1" dirty="0">
+                <a:solidFill>
+                  <a:srgbClr val="1D1D1B"/>
+                </a:solidFill>
+              </a:rPr>
+              <a:t>Руководитель:</a:t>
+            </a:r>
+          </a:p>
+          <a:p>
+            <a:pPr algn="l">
+              <a:lnSpc>
+                <a:spcPct val="100000"/>
+              </a:lnSpc>
+              <a:spcBef>
+                <a:spcPts val="0"/>
+              </a:spcBef>
+            </a:pPr>
+            <a:r>
+              <a:rPr lang="ru-RU" sz="2000" b="1" dirty="0" smtClean="0">
+                <a:solidFill>
+                  <a:srgbClr val="1D1D1B"/>
+                </a:solidFill>
+              </a:rPr>
+              <a:t>Садовский Роман Викторович</a:t>
+            </a:r>
+            <a:endParaRPr lang="ru-RU" sz="2000" b="1" dirty="0">
+              <a:solidFill>
+                <a:srgbClr val="1D1D1B"/>
+              </a:solidFill>
+            </a:endParaRPr>
+          </a:p>
+        </p:txBody>
+      </p:sp>
     </p:spTree>
     <p:extLst>
       <p:ext uri="{BB962C8B-B14F-4D97-AF65-F5344CB8AC3E}">
-        <p14:creationId xmlns:p14="http://schemas.microsoft.com/office/powerpoint/2010/main" val="942041544"/>
+        <p14:creationId xmlns:p14="http://schemas.microsoft.com/office/powerpoint/2010/main" val="949326693"/>
       </p:ext>
     </p:extLst>
   </p:cSld>
   <p:clrMapOvr>
     <a:masterClrMapping/>
   </p:clrMapOvr>
+  <p:timing>
+    <p:tnLst>
+      <p:par>
+        <p:cTn id="1" dur="indefinite" restart="never" nodeType="tmRoot"/>
+      </p:par>
+    </p:tnLst>
+  </p:timing>
 </p:sld>
 </file>
 
@@ -6872,4 +8574,265 @@
     </a:ext>
   </a:extLst>
 </a:theme>
+</file>
+
+<file path=ppt/theme/theme2.xml><?xml version="1.0" encoding="utf-8"?>
+<a:theme xmlns:a="http://schemas.openxmlformats.org/drawingml/2006/main" name="Тема Office">
+  <a:themeElements>
+    <a:clrScheme name="Стандартная">
+      <a:dk1>
+        <a:sysClr val="windowText" lastClr="000000"/>
+      </a:dk1>
+      <a:lt1>
+        <a:sysClr val="window" lastClr="FFFFFF"/>
+      </a:lt1>
+      <a:dk2>
+        <a:srgbClr val="44546A"/>
+      </a:dk2>
+      <a:lt2>
+        <a:srgbClr val="E7E6E6"/>
+      </a:lt2>
+      <a:accent1>
+        <a:srgbClr val="5B9BD5"/>
+      </a:accent1>
+      <a:accent2>
+        <a:srgbClr val="ED7D31"/>
+      </a:accent2>
+      <a:accent3>
+        <a:srgbClr val="A5A5A5"/>
+      </a:accent3>
+      <a:accent4>
+        <a:srgbClr val="FFC000"/>
+      </a:accent4>
+      <a:accent5>
+        <a:srgbClr val="4472C4"/>
+      </a:accent5>
+      <a:accent6>
+        <a:srgbClr val="70AD47"/>
+      </a:accent6>
+      <a:hlink>
+        <a:srgbClr val="0563C1"/>
+      </a:hlink>
+      <a:folHlink>
+        <a:srgbClr val="954F72"/>
+      </a:folHlink>
+    </a:clrScheme>
+    <a:fontScheme name="Стандартная">
+      <a:majorFont>
+        <a:latin typeface="Calibri Light" panose="020F0302020204030204"/>
+        <a:ea typeface=""/>
+        <a:cs typeface=""/>
+        <a:font script="Jpan" typeface="游ゴシック Light"/>
+        <a:font script="Hang" typeface="맑은 고딕"/>
+        <a:font script="Hans" typeface="等线 Light"/>
+        <a:font script="Hant" typeface="新細明體"/>
+        <a:font script="Arab" typeface="Times New Roman"/>
+        <a:font script="Hebr" typeface="Times New Roman"/>
+        <a:font script="Thai" typeface="Angsana New"/>
+        <a:font script="Ethi" typeface="Nyala"/>
+        <a:font script="Beng" typeface="Vrinda"/>
+        <a:font script="Gujr" typeface="Shruti"/>
+        <a:font script="Khmr" typeface="MoolBoran"/>
+        <a:font script="Knda" typeface="Tunga"/>
+        <a:font script="Guru" typeface="Raavi"/>
+        <a:font script="Cans" typeface="Euphemia"/>
+        <a:font script="Cher" typeface="Plantagenet Cherokee"/>
+        <a:font script="Yiii" typeface="Microsoft Yi Baiti"/>
+        <a:font script="Tibt" typeface="Microsoft Himalaya"/>
+        <a:font script="Thaa" typeface="MV Boli"/>
+        <a:font script="Deva" typeface="Mangal"/>
+        <a:font script="Telu" typeface="Gautami"/>
+        <a:font script="Taml" typeface="Latha"/>
+        <a:font script="Syrc" typeface="Estrangelo Edessa"/>
+        <a:font script="Orya" typeface="Kalinga"/>
+        <a:font script="Mlym" typeface="Kartika"/>
+        <a:font script="Laoo" typeface="DokChampa"/>
+        <a:font script="Sinh" typeface="Iskoola Pota"/>
+        <a:font script="Mong" typeface="Mongolian Baiti"/>
+        <a:font script="Viet" typeface="Times New Roman"/>
+        <a:font script="Uigh" typeface="Microsoft Uighur"/>
+        <a:font script="Geor" typeface="Sylfaen"/>
+      </a:majorFont>
+      <a:minorFont>
+        <a:latin typeface="Calibri" panose="020F0502020204030204"/>
+        <a:ea typeface=""/>
+        <a:cs typeface=""/>
+        <a:font script="Jpan" typeface="游ゴシック"/>
+        <a:font script="Hang" typeface="맑은 고딕"/>
+        <a:font script="Hans" typeface="等线"/>
+        <a:font script="Hant" typeface="新細明體"/>
+        <a:font script="Arab" typeface="Arial"/>
+        <a:font script="Hebr" typeface="Arial"/>
+        <a:font script="Thai" typeface="Cordia New"/>
+        <a:font script="Ethi" typeface="Nyala"/>
+        <a:font script="Beng" typeface="Vrinda"/>
+        <a:font script="Gujr" typeface="Shruti"/>
+        <a:font script="Khmr" typeface="DaunPenh"/>
+        <a:font script="Knda" typeface="Tunga"/>
+        <a:font script="Guru" typeface="Raavi"/>
+        <a:font script="Cans" typeface="Euphemia"/>
+        <a:font script="Cher" typeface="Plantagenet Cherokee"/>
+        <a:font script="Yiii" typeface="Microsoft Yi Baiti"/>
+        <a:font script="Tibt" typeface="Microsoft Himalaya"/>
+        <a:font script="Thaa" typeface="MV Boli"/>
+        <a:font script="Deva" typeface="Mangal"/>
+        <a:font script="Telu" typeface="Gautami"/>
+        <a:font script="Taml" typeface="Latha"/>
+        <a:font script="Syrc" typeface="Estrangelo Edessa"/>
+        <a:font script="Orya" typeface="Kalinga"/>
+        <a:font script="Mlym" typeface="Kartika"/>
+        <a:font script="Laoo" typeface="DokChampa"/>
+        <a:font script="Sinh" typeface="Iskoola Pota"/>
+        <a:font script="Mong" typeface="Mongolian Baiti"/>
+        <a:font script="Viet" typeface="Arial"/>
+        <a:font script="Uigh" typeface="Microsoft Uighur"/>
+        <a:font script="Geor" typeface="Sylfaen"/>
+      </a:minorFont>
+    </a:fontScheme>
+    <a:fmtScheme name="Стандартная">
+      <a:fillStyleLst>
+        <a:solidFill>
+          <a:schemeClr val="phClr"/>
+        </a:solidFill>
+        <a:gradFill rotWithShape="1">
+          <a:gsLst>
+            <a:gs pos="0">
+              <a:schemeClr val="phClr">
+                <a:lumMod val="110000"/>
+                <a:satMod val="105000"/>
+                <a:tint val="67000"/>
+              </a:schemeClr>
+            </a:gs>
+            <a:gs pos="50000">
+              <a:schemeClr val="phClr">
+                <a:lumMod val="105000"/>
+                <a:satMod val="103000"/>
+                <a:tint val="73000"/>
+              </a:schemeClr>
+            </a:gs>
+            <a:gs pos="100000">
+              <a:schemeClr val="phClr">
+                <a:lumMod val="105000"/>
+                <a:satMod val="109000"/>
+                <a:tint val="81000"/>
+              </a:schemeClr>
+            </a:gs>
+          </a:gsLst>
+          <a:lin ang="5400000" scaled="0"/>
+        </a:gradFill>
+        <a:gradFill rotWithShape="1">
+          <a:gsLst>
+            <a:gs pos="0">
+              <a:schemeClr val="phClr">
+                <a:satMod val="103000"/>
+                <a:lumMod val="102000"/>
+                <a:tint val="94000"/>
+              </a:schemeClr>
+            </a:gs>
+            <a:gs pos="50000">
+              <a:schemeClr val="phClr">
+                <a:satMod val="110000"/>
+                <a:lumMod val="100000"/>
+                <a:shade val="100000"/>
+              </a:schemeClr>
+            </a:gs>
+            <a:gs pos="100000">
+              <a:schemeClr val="phClr">
+                <a:lumMod val="99000"/>
+                <a:satMod val="120000"/>
+                <a:shade val="78000"/>
+              </a:schemeClr>
+            </a:gs>
+          </a:gsLst>
+          <a:lin ang="5400000" scaled="0"/>
+        </a:gradFill>
+      </a:fillStyleLst>
+      <a:lnStyleLst>
+        <a:ln w="6350" cap="flat" cmpd="sng" algn="ctr">
+          <a:solidFill>
+            <a:schemeClr val="phClr"/>
+          </a:solidFill>
+          <a:prstDash val="solid"/>
+          <a:miter lim="800000"/>
+        </a:ln>
+        <a:ln w="12700" cap="flat" cmpd="sng" algn="ctr">
+          <a:solidFill>
+            <a:schemeClr val="phClr"/>
+          </a:solidFill>
+          <a:prstDash val="solid"/>
+          <a:miter lim="800000"/>
+        </a:ln>
+        <a:ln w="19050" cap="flat" cmpd="sng" algn="ctr">
+          <a:solidFill>
+            <a:schemeClr val="phClr"/>
+          </a:solidFill>
+          <a:prstDash val="solid"/>
+          <a:miter lim="800000"/>
+        </a:ln>
+      </a:lnStyleLst>
+      <a:effectStyleLst>
+        <a:effectStyle>
+          <a:effectLst/>
+        </a:effectStyle>
+        <a:effectStyle>
+          <a:effectLst/>
+        </a:effectStyle>
+        <a:effectStyle>
+          <a:effectLst>
+            <a:outerShdw blurRad="57150" dist="19050" dir="5400000" algn="ctr" rotWithShape="0">
+              <a:srgbClr val="000000">
+                <a:alpha val="63000"/>
+              </a:srgbClr>
+            </a:outerShdw>
+          </a:effectLst>
+        </a:effectStyle>
+      </a:effectStyleLst>
+      <a:bgFillStyleLst>
+        <a:solidFill>
+          <a:schemeClr val="phClr"/>
+        </a:solidFill>
+        <a:solidFill>
+          <a:schemeClr val="phClr">
+            <a:tint val="95000"/>
+            <a:satMod val="170000"/>
+          </a:schemeClr>
+        </a:solidFill>
+        <a:gradFill rotWithShape="1">
+          <a:gsLst>
+            <a:gs pos="0">
+              <a:schemeClr val="phClr">
+                <a:tint val="93000"/>
+                <a:satMod val="150000"/>
+                <a:shade val="98000"/>
+                <a:lumMod val="102000"/>
+              </a:schemeClr>
+            </a:gs>
+            <a:gs pos="50000">
+              <a:schemeClr val="phClr">
+                <a:tint val="98000"/>
+                <a:satMod val="130000"/>
+                <a:shade val="90000"/>
+                <a:lumMod val="103000"/>
+              </a:schemeClr>
+            </a:gs>
+            <a:gs pos="100000">
+              <a:schemeClr val="phClr">
+                <a:shade val="63000"/>
+                <a:satMod val="120000"/>
+              </a:schemeClr>
+            </a:gs>
+          </a:gsLst>
+          <a:lin ang="5400000" scaled="0"/>
+        </a:gradFill>
+      </a:bgFillStyleLst>
+    </a:fmtScheme>
+  </a:themeElements>
+  <a:objectDefaults/>
+  <a:extraClrSchemeLst/>
+  <a:extLst>
+    <a:ext uri="{05A4C25C-085E-4340-85A3-A5531E510DB2}">
+      <thm15:themeFamily xmlns:thm15="http://schemas.microsoft.com/office/thememl/2012/main" name="Office Theme" id="{62F939B6-93AF-4DB8-9C6B-D6C7DFDC589F}" vid="{4A3C46E8-61CC-4603-A589-7422A47A8E4A}"/>
+    </a:ext>
+  </a:extLst>
+</a:theme>
 </file>